--- a/Requirements/Comms Project.pptx
+++ b/Requirements/Comms Project.pptx
@@ -1,40 +1,40 @@
 
 <file path=ppt/presentation.xml><?xml version="1.0" encoding="utf-8"?>
-<p:presentation xmlns:a="http://schemas.openxmlformats.org/drawingml/2006/main" xmlns:r="http://schemas.openxmlformats.org/officeDocument/2006/relationships" xmlns:mc="http://schemas.openxmlformats.org/markup-compatibility/2006" xmlns:mv="urn:schemas-microsoft-com:mac:vml" xmlns:p="http://schemas.openxmlformats.org/presentationml/2006/main" xmlns:c="http://schemas.openxmlformats.org/drawingml/2006/chart" xmlns:dgm="http://schemas.openxmlformats.org/drawingml/2006/diagram" xmlns:o="urn:schemas-microsoft-com:office:office" xmlns:v="urn:schemas-microsoft-com:vml" xmlns:pvml="urn:schemas-microsoft-com:office:powerpoint" xmlns:com="http://schemas.openxmlformats.org/drawingml/2006/compatibility" xmlns:p14="http://schemas.microsoft.com/office/powerpoint/2010/main" xmlns:p15="http://schemas.microsoft.com/office/powerpoint/2012/main" xmlns:ahyp="http://schemas.microsoft.com/office/drawing/2018/hyperlinkcolor" autoCompressPictures="0" embedTrueTypeFonts="1" strictFirstAndLastChars="0" saveSubsetFonts="1">
+<p:presentation xmlns:a="http://schemas.openxmlformats.org/drawingml/2006/main" xmlns:r="http://schemas.openxmlformats.org/officeDocument/2006/relationships" xmlns:p="http://schemas.openxmlformats.org/presentationml/2006/main" strictFirstAndLastChars="0" embedTrueTypeFonts="1" saveSubsetFonts="1" autoCompressPictures="0">
   <p:sldMasterIdLst>
-    <p:sldMasterId id="2147483659" r:id="rId4"/>
+    <p:sldMasterId id="2147483659" r:id="rId1"/>
   </p:sldMasterIdLst>
   <p:notesMasterIdLst>
-    <p:notesMasterId r:id="rId5"/>
+    <p:notesMasterId r:id="rId8"/>
   </p:notesMasterIdLst>
   <p:sldIdLst>
-    <p:sldId id="256" r:id="rId6"/>
-    <p:sldId id="257" r:id="rId7"/>
-    <p:sldId id="258" r:id="rId8"/>
-    <p:sldId id="259" r:id="rId9"/>
-    <p:sldId id="260" r:id="rId10"/>
-    <p:sldId id="261" r:id="rId11"/>
+    <p:sldId id="256" r:id="rId2"/>
+    <p:sldId id="257" r:id="rId3"/>
+    <p:sldId id="258" r:id="rId4"/>
+    <p:sldId id="259" r:id="rId5"/>
+    <p:sldId id="260" r:id="rId6"/>
+    <p:sldId id="261" r:id="rId7"/>
   </p:sldIdLst>
-  <p:sldSz cy="5143500" cx="9144000"/>
+  <p:sldSz cx="9144000" cy="5143500" type="screen16x9"/>
   <p:notesSz cx="6858000" cy="9144000"/>
   <p:embeddedFontLst>
     <p:embeddedFont>
-      <p:font typeface="Montserrat"/>
-      <p:regular r:id="rId12"/>
-      <p:bold r:id="rId13"/>
-      <p:italic r:id="rId14"/>
-      <p:boldItalic r:id="rId15"/>
+      <p:font typeface="Lato" panose="020F0502020204030203" pitchFamily="34" charset="0"/>
+      <p:regular r:id="rId9"/>
+      <p:bold r:id="rId10"/>
+      <p:italic r:id="rId11"/>
+      <p:boldItalic r:id="rId12"/>
     </p:embeddedFont>
     <p:embeddedFont>
-      <p:font typeface="Lato"/>
-      <p:regular r:id="rId16"/>
-      <p:bold r:id="rId17"/>
-      <p:italic r:id="rId18"/>
-      <p:boldItalic r:id="rId19"/>
+      <p:font typeface="Montserrat" panose="00000500000000000000" pitchFamily="2" charset="0"/>
+      <p:regular r:id="rId13"/>
+      <p:bold r:id="rId14"/>
+      <p:italic r:id="rId15"/>
+      <p:boldItalic r:id="rId16"/>
     </p:embeddedFont>
   </p:embeddedFontLst>
   <p:defaultTextStyle>
-    <a:defPPr lvl="0" marR="0" rtl="0" algn="l">
+    <a:defPPr marR="0" lvl="0" algn="l" rtl="0">
       <a:lnSpc>
         <a:spcPct val="100000"/>
       </a:lnSpc>
@@ -45,7 +45,7 @@
         <a:spcPts val="0"/>
       </a:spcAft>
     </a:defPPr>
-    <a:lvl1pPr lvl="0" marR="0" rtl="0" algn="l">
+    <a:lvl1pPr marR="0" lvl="0" algn="l" rtl="0">
       <a:lnSpc>
         <a:spcPct val="100000"/>
       </a:lnSpc>
@@ -59,7 +59,7 @@
         <a:srgbClr val="000000"/>
       </a:buClr>
       <a:buFont typeface="Arial"/>
-      <a:defRPr b="0" i="0" sz="1400" u="none" cap="none" strike="noStrike">
+      <a:defRPr sz="1400" b="0" i="0" u="none" strike="noStrike" cap="none">
         <a:solidFill>
           <a:srgbClr val="000000"/>
         </a:solidFill>
@@ -69,7 +69,7 @@
         <a:sym typeface="Arial"/>
       </a:defRPr>
     </a:lvl1pPr>
-    <a:lvl2pPr lvl="1" marR="0" rtl="0" algn="l">
+    <a:lvl2pPr marR="0" lvl="1" algn="l" rtl="0">
       <a:lnSpc>
         <a:spcPct val="100000"/>
       </a:lnSpc>
@@ -83,7 +83,7 @@
         <a:srgbClr val="000000"/>
       </a:buClr>
       <a:buFont typeface="Arial"/>
-      <a:defRPr b="0" i="0" sz="1400" u="none" cap="none" strike="noStrike">
+      <a:defRPr sz="1400" b="0" i="0" u="none" strike="noStrike" cap="none">
         <a:solidFill>
           <a:srgbClr val="000000"/>
         </a:solidFill>
@@ -93,7 +93,7 @@
         <a:sym typeface="Arial"/>
       </a:defRPr>
     </a:lvl2pPr>
-    <a:lvl3pPr lvl="2" marR="0" rtl="0" algn="l">
+    <a:lvl3pPr marR="0" lvl="2" algn="l" rtl="0">
       <a:lnSpc>
         <a:spcPct val="100000"/>
       </a:lnSpc>
@@ -107,7 +107,7 @@
         <a:srgbClr val="000000"/>
       </a:buClr>
       <a:buFont typeface="Arial"/>
-      <a:defRPr b="0" i="0" sz="1400" u="none" cap="none" strike="noStrike">
+      <a:defRPr sz="1400" b="0" i="0" u="none" strike="noStrike" cap="none">
         <a:solidFill>
           <a:srgbClr val="000000"/>
         </a:solidFill>
@@ -117,7 +117,7 @@
         <a:sym typeface="Arial"/>
       </a:defRPr>
     </a:lvl3pPr>
-    <a:lvl4pPr lvl="3" marR="0" rtl="0" algn="l">
+    <a:lvl4pPr marR="0" lvl="3" algn="l" rtl="0">
       <a:lnSpc>
         <a:spcPct val="100000"/>
       </a:lnSpc>
@@ -131,7 +131,7 @@
         <a:srgbClr val="000000"/>
       </a:buClr>
       <a:buFont typeface="Arial"/>
-      <a:defRPr b="0" i="0" sz="1400" u="none" cap="none" strike="noStrike">
+      <a:defRPr sz="1400" b="0" i="0" u="none" strike="noStrike" cap="none">
         <a:solidFill>
           <a:srgbClr val="000000"/>
         </a:solidFill>
@@ -141,7 +141,7 @@
         <a:sym typeface="Arial"/>
       </a:defRPr>
     </a:lvl4pPr>
-    <a:lvl5pPr lvl="4" marR="0" rtl="0" algn="l">
+    <a:lvl5pPr marR="0" lvl="4" algn="l" rtl="0">
       <a:lnSpc>
         <a:spcPct val="100000"/>
       </a:lnSpc>
@@ -155,7 +155,7 @@
         <a:srgbClr val="000000"/>
       </a:buClr>
       <a:buFont typeface="Arial"/>
-      <a:defRPr b="0" i="0" sz="1400" u="none" cap="none" strike="noStrike">
+      <a:defRPr sz="1400" b="0" i="0" u="none" strike="noStrike" cap="none">
         <a:solidFill>
           <a:srgbClr val="000000"/>
         </a:solidFill>
@@ -165,7 +165,7 @@
         <a:sym typeface="Arial"/>
       </a:defRPr>
     </a:lvl5pPr>
-    <a:lvl6pPr lvl="5" marR="0" rtl="0" algn="l">
+    <a:lvl6pPr marR="0" lvl="5" algn="l" rtl="0">
       <a:lnSpc>
         <a:spcPct val="100000"/>
       </a:lnSpc>
@@ -179,7 +179,7 @@
         <a:srgbClr val="000000"/>
       </a:buClr>
       <a:buFont typeface="Arial"/>
-      <a:defRPr b="0" i="0" sz="1400" u="none" cap="none" strike="noStrike">
+      <a:defRPr sz="1400" b="0" i="0" u="none" strike="noStrike" cap="none">
         <a:solidFill>
           <a:srgbClr val="000000"/>
         </a:solidFill>
@@ -189,7 +189,7 @@
         <a:sym typeface="Arial"/>
       </a:defRPr>
     </a:lvl6pPr>
-    <a:lvl7pPr lvl="6" marR="0" rtl="0" algn="l">
+    <a:lvl7pPr marR="0" lvl="6" algn="l" rtl="0">
       <a:lnSpc>
         <a:spcPct val="100000"/>
       </a:lnSpc>
@@ -203,7 +203,7 @@
         <a:srgbClr val="000000"/>
       </a:buClr>
       <a:buFont typeface="Arial"/>
-      <a:defRPr b="0" i="0" sz="1400" u="none" cap="none" strike="noStrike">
+      <a:defRPr sz="1400" b="0" i="0" u="none" strike="noStrike" cap="none">
         <a:solidFill>
           <a:srgbClr val="000000"/>
         </a:solidFill>
@@ -213,7 +213,7 @@
         <a:sym typeface="Arial"/>
       </a:defRPr>
     </a:lvl7pPr>
-    <a:lvl8pPr lvl="7" marR="0" rtl="0" algn="l">
+    <a:lvl8pPr marR="0" lvl="7" algn="l" rtl="0">
       <a:lnSpc>
         <a:spcPct val="100000"/>
       </a:lnSpc>
@@ -227,7 +227,7 @@
         <a:srgbClr val="000000"/>
       </a:buClr>
       <a:buFont typeface="Arial"/>
-      <a:defRPr b="0" i="0" sz="1400" u="none" cap="none" strike="noStrike">
+      <a:defRPr sz="1400" b="0" i="0" u="none" strike="noStrike" cap="none">
         <a:solidFill>
           <a:srgbClr val="000000"/>
         </a:solidFill>
@@ -237,7 +237,7 @@
         <a:sym typeface="Arial"/>
       </a:defRPr>
     </a:lvl8pPr>
-    <a:lvl9pPr lvl="8" marR="0" rtl="0" algn="l">
+    <a:lvl9pPr marR="0" lvl="8" algn="l" rtl="0">
       <a:lnSpc>
         <a:spcPct val="100000"/>
       </a:lnSpc>
@@ -251,7 +251,7 @@
         <a:srgbClr val="000000"/>
       </a:buClr>
       <a:buFont typeface="Arial"/>
-      <a:defRPr b="0" i="0" sz="1400" u="none" cap="none" strike="noStrike">
+      <a:defRPr sz="1400" b="0" i="0" u="none" strike="noStrike" cap="none">
         <a:solidFill>
           <a:srgbClr val="000000"/>
         </a:solidFill>
@@ -264,7 +264,7 @@
   </p:defaultTextStyle>
   <p:extLst>
     <p:ext uri="{EFAFB233-063F-42B5-8137-9DF3F51BA10A}">
-      <p15:sldGuideLst>
+      <p15:sldGuideLst xmlns:p15="http://schemas.microsoft.com/office/powerpoint/2012/main">
         <p15:guide id="1" orient="horz" pos="1620">
           <p15:clr>
             <a:srgbClr val="747775"/>
@@ -282,11 +282,16 @@
 </file>
 
 <file path=ppt/notesMasters/notesMaster1.xml><?xml version="1.0" encoding="utf-8"?>
-<p:notesMaster xmlns:a="http://schemas.openxmlformats.org/drawingml/2006/main" xmlns:r="http://schemas.openxmlformats.org/officeDocument/2006/relationships" xmlns:mc="http://schemas.openxmlformats.org/markup-compatibility/2006" xmlns:mv="urn:schemas-microsoft-com:mac:vml" xmlns:p="http://schemas.openxmlformats.org/presentationml/2006/main" xmlns:c="http://schemas.openxmlformats.org/drawingml/2006/chart" xmlns:dgm="http://schemas.openxmlformats.org/drawingml/2006/diagram" xmlns:o="urn:schemas-microsoft-com:office:office" xmlns:v="urn:schemas-microsoft-com:vml" xmlns:pvml="urn:schemas-microsoft-com:office:powerpoint" xmlns:com="http://schemas.openxmlformats.org/drawingml/2006/compatibility" xmlns:p14="http://schemas.microsoft.com/office/powerpoint/2010/main" xmlns:p15="http://schemas.microsoft.com/office/powerpoint/2012/main" xmlns:ahyp="http://schemas.microsoft.com/office/drawing/2018/hyperlinkcolor">
+<p:notesMaster xmlns:a="http://schemas.openxmlformats.org/drawingml/2006/main" xmlns:r="http://schemas.openxmlformats.org/officeDocument/2006/relationships" xmlns:p="http://schemas.openxmlformats.org/presentationml/2006/main">
   <p:cSld>
+    <p:bg>
+      <p:bgRef idx="1001">
+        <a:schemeClr val="bg1"/>
+      </p:bgRef>
+    </p:bg>
     <p:spTree>
       <p:nvGrpSpPr>
-        <p:cNvPr id="2" name="Shape 2"/>
+        <p:cNvPr id="1" name="Shape 2"/>
         <p:cNvGrpSpPr/>
         <p:nvPr/>
       </p:nvGrpSpPr>
@@ -301,9 +306,11 @@
       <p:sp>
         <p:nvSpPr>
           <p:cNvPr id="3" name="Google Shape;3;n"/>
-          <p:cNvSpPr/>
+          <p:cNvSpPr>
+            <a:spLocks noGrp="1" noRot="1" noChangeAspect="1"/>
+          </p:cNvSpPr>
           <p:nvPr>
-            <p:ph idx="2" type="sldImg"/>
+            <p:ph type="sldImg" idx="2"/>
           </p:nvPr>
         </p:nvSpPr>
         <p:spPr>
@@ -312,9 +319,13 @@
             <a:ext cx="6096075" cy="3429000"/>
           </a:xfrm>
           <a:custGeom>
-            <a:rect b="b" l="l" r="r" t="t"/>
+            <a:avLst/>
+            <a:gdLst/>
+            <a:ahLst/>
+            <a:cxnLst/>
+            <a:rect l="l" t="t" r="r" b="b"/>
             <a:pathLst>
-              <a:path extrusionOk="0" h="120000" w="120000">
+              <a:path w="120000" h="120000" extrusionOk="0">
                 <a:moveTo>
                   <a:pt x="0" y="0"/>
                 </a:moveTo>
@@ -332,23 +343,25 @@
             </a:pathLst>
           </a:custGeom>
           <a:noFill/>
-          <a:ln cap="flat" cmpd="sng" w="9525">
+          <a:ln w="9525" cap="flat" cmpd="sng">
             <a:solidFill>
               <a:srgbClr val="000000"/>
             </a:solidFill>
             <a:prstDash val="solid"/>
             <a:round/>
-            <a:headEnd len="sm" w="sm" type="none"/>
-            <a:tailEnd len="sm" w="sm" type="none"/>
+            <a:headEnd type="none" w="sm" len="sm"/>
+            <a:tailEnd type="none" w="sm" len="sm"/>
           </a:ln>
         </p:spPr>
       </p:sp>
       <p:sp>
         <p:nvSpPr>
           <p:cNvPr id="4" name="Google Shape;4;n"/>
-          <p:cNvSpPr txBox="1"/>
+          <p:cNvSpPr txBox="1">
+            <a:spLocks noGrp="1"/>
+          </p:cNvSpPr>
           <p:nvPr>
-            <p:ph idx="1" type="body"/>
+            <p:ph type="body" idx="1"/>
           </p:nvPr>
         </p:nvSpPr>
         <p:spPr>
@@ -365,11 +378,11 @@
           </a:ln>
         </p:spPr>
         <p:txBody>
-          <a:bodyPr anchorCtr="0" anchor="t" bIns="91425" lIns="91425" spcFirstLastPara="1" rIns="91425" wrap="square" tIns="91425">
+          <a:bodyPr spcFirstLastPara="1" wrap="square" lIns="91425" tIns="91425" rIns="91425" bIns="91425" anchor="t" anchorCtr="0">
             <a:noAutofit/>
           </a:bodyPr>
           <a:lstStyle>
-            <a:lvl1pPr indent="-298450" lvl="0" marL="457200">
+            <a:lvl1pPr marL="457200" lvl="0" indent="-298450">
               <a:spcBef>
                 <a:spcPts val="0"/>
               </a:spcBef>
@@ -380,7 +393,7 @@
               <a:buChar char="●"/>
               <a:defRPr sz="1100"/>
             </a:lvl1pPr>
-            <a:lvl2pPr indent="-298450" lvl="1" marL="914400">
+            <a:lvl2pPr marL="914400" lvl="1" indent="-298450">
               <a:spcBef>
                 <a:spcPts val="0"/>
               </a:spcBef>
@@ -391,7 +404,7 @@
               <a:buChar char="○"/>
               <a:defRPr sz="1100"/>
             </a:lvl2pPr>
-            <a:lvl3pPr indent="-298450" lvl="2" marL="1371600">
+            <a:lvl3pPr marL="1371600" lvl="2" indent="-298450">
               <a:spcBef>
                 <a:spcPts val="0"/>
               </a:spcBef>
@@ -402,7 +415,7 @@
               <a:buChar char="■"/>
               <a:defRPr sz="1100"/>
             </a:lvl3pPr>
-            <a:lvl4pPr indent="-298450" lvl="3" marL="1828800">
+            <a:lvl4pPr marL="1828800" lvl="3" indent="-298450">
               <a:spcBef>
                 <a:spcPts val="0"/>
               </a:spcBef>
@@ -413,7 +426,7 @@
               <a:buChar char="●"/>
               <a:defRPr sz="1100"/>
             </a:lvl4pPr>
-            <a:lvl5pPr indent="-298450" lvl="4" marL="2286000">
+            <a:lvl5pPr marL="2286000" lvl="4" indent="-298450">
               <a:spcBef>
                 <a:spcPts val="0"/>
               </a:spcBef>
@@ -424,7 +437,7 @@
               <a:buChar char="○"/>
               <a:defRPr sz="1100"/>
             </a:lvl5pPr>
-            <a:lvl6pPr indent="-298450" lvl="5" marL="2743200">
+            <a:lvl6pPr marL="2743200" lvl="5" indent="-298450">
               <a:spcBef>
                 <a:spcPts val="0"/>
               </a:spcBef>
@@ -435,7 +448,7 @@
               <a:buChar char="■"/>
               <a:defRPr sz="1100"/>
             </a:lvl6pPr>
-            <a:lvl7pPr indent="-298450" lvl="6" marL="3200400">
+            <a:lvl7pPr marL="3200400" lvl="6" indent="-298450">
               <a:spcBef>
                 <a:spcPts val="0"/>
               </a:spcBef>
@@ -446,7 +459,7 @@
               <a:buChar char="●"/>
               <a:defRPr sz="1100"/>
             </a:lvl7pPr>
-            <a:lvl8pPr indent="-298450" lvl="7" marL="3657600">
+            <a:lvl8pPr marL="3657600" lvl="7" indent="-298450">
               <a:spcBef>
                 <a:spcPts val="0"/>
               </a:spcBef>
@@ -457,7 +470,7 @@
               <a:buChar char="○"/>
               <a:defRPr sz="1100"/>
             </a:lvl8pPr>
-            <a:lvl9pPr indent="-298450" lvl="8" marL="4114800">
+            <a:lvl9pPr marL="4114800" lvl="8" indent="-298450">
               <a:spcBef>
                 <a:spcPts val="0"/>
               </a:spcBef>
@@ -469,14 +482,16 @@
               <a:defRPr sz="1100"/>
             </a:lvl9pPr>
           </a:lstStyle>
-          <a:p/>
+          <a:p>
+            <a:endParaRPr/>
+          </a:p>
         </p:txBody>
       </p:sp>
     </p:spTree>
   </p:cSld>
-  <p:clrMap accent1="accent1" accent2="accent2" accent3="accent3" accent4="accent4" accent5="accent5" accent6="accent6" bg1="lt1" bg2="dk2" tx1="dk1" tx2="lt2" folHlink="folHlink" hlink="hlink"/>
+  <p:clrMap bg1="lt1" tx1="dk1" bg2="dk2" tx2="lt2" accent1="accent1" accent2="accent2" accent3="accent3" accent4="accent4" accent5="accent5" accent6="accent6" hlink="hlink" folHlink="folHlink"/>
   <p:notesStyle>
-    <a:defPPr lvl="0" marR="0" rtl="0" algn="l">
+    <a:defPPr marR="0" lvl="0" algn="l" rtl="0">
       <a:lnSpc>
         <a:spcPct val="100000"/>
       </a:lnSpc>
@@ -487,7 +502,7 @@
         <a:spcPts val="0"/>
       </a:spcAft>
     </a:defPPr>
-    <a:lvl1pPr lvl="0" marR="0" rtl="0" algn="l">
+    <a:lvl1pPr marR="0" lvl="0" algn="l" rtl="0">
       <a:lnSpc>
         <a:spcPct val="100000"/>
       </a:lnSpc>
@@ -501,7 +516,7 @@
         <a:srgbClr val="000000"/>
       </a:buClr>
       <a:buFont typeface="Arial"/>
-      <a:defRPr b="0" i="0" sz="1400" u="none" cap="none" strike="noStrike">
+      <a:defRPr sz="1400" b="0" i="0" u="none" strike="noStrike" cap="none">
         <a:solidFill>
           <a:srgbClr val="000000"/>
         </a:solidFill>
@@ -511,7 +526,7 @@
         <a:sym typeface="Arial"/>
       </a:defRPr>
     </a:lvl1pPr>
-    <a:lvl2pPr lvl="1" marR="0" rtl="0" algn="l">
+    <a:lvl2pPr marR="0" lvl="1" algn="l" rtl="0">
       <a:lnSpc>
         <a:spcPct val="100000"/>
       </a:lnSpc>
@@ -525,7 +540,7 @@
         <a:srgbClr val="000000"/>
       </a:buClr>
       <a:buFont typeface="Arial"/>
-      <a:defRPr b="0" i="0" sz="1400" u="none" cap="none" strike="noStrike">
+      <a:defRPr sz="1400" b="0" i="0" u="none" strike="noStrike" cap="none">
         <a:solidFill>
           <a:srgbClr val="000000"/>
         </a:solidFill>
@@ -535,7 +550,7 @@
         <a:sym typeface="Arial"/>
       </a:defRPr>
     </a:lvl2pPr>
-    <a:lvl3pPr lvl="2" marR="0" rtl="0" algn="l">
+    <a:lvl3pPr marR="0" lvl="2" algn="l" rtl="0">
       <a:lnSpc>
         <a:spcPct val="100000"/>
       </a:lnSpc>
@@ -549,7 +564,7 @@
         <a:srgbClr val="000000"/>
       </a:buClr>
       <a:buFont typeface="Arial"/>
-      <a:defRPr b="0" i="0" sz="1400" u="none" cap="none" strike="noStrike">
+      <a:defRPr sz="1400" b="0" i="0" u="none" strike="noStrike" cap="none">
         <a:solidFill>
           <a:srgbClr val="000000"/>
         </a:solidFill>
@@ -559,7 +574,7 @@
         <a:sym typeface="Arial"/>
       </a:defRPr>
     </a:lvl3pPr>
-    <a:lvl4pPr lvl="3" marR="0" rtl="0" algn="l">
+    <a:lvl4pPr marR="0" lvl="3" algn="l" rtl="0">
       <a:lnSpc>
         <a:spcPct val="100000"/>
       </a:lnSpc>
@@ -573,7 +588,7 @@
         <a:srgbClr val="000000"/>
       </a:buClr>
       <a:buFont typeface="Arial"/>
-      <a:defRPr b="0" i="0" sz="1400" u="none" cap="none" strike="noStrike">
+      <a:defRPr sz="1400" b="0" i="0" u="none" strike="noStrike" cap="none">
         <a:solidFill>
           <a:srgbClr val="000000"/>
         </a:solidFill>
@@ -583,7 +598,7 @@
         <a:sym typeface="Arial"/>
       </a:defRPr>
     </a:lvl4pPr>
-    <a:lvl5pPr lvl="4" marR="0" rtl="0" algn="l">
+    <a:lvl5pPr marR="0" lvl="4" algn="l" rtl="0">
       <a:lnSpc>
         <a:spcPct val="100000"/>
       </a:lnSpc>
@@ -597,7 +612,7 @@
         <a:srgbClr val="000000"/>
       </a:buClr>
       <a:buFont typeface="Arial"/>
-      <a:defRPr b="0" i="0" sz="1400" u="none" cap="none" strike="noStrike">
+      <a:defRPr sz="1400" b="0" i="0" u="none" strike="noStrike" cap="none">
         <a:solidFill>
           <a:srgbClr val="000000"/>
         </a:solidFill>
@@ -607,7 +622,7 @@
         <a:sym typeface="Arial"/>
       </a:defRPr>
     </a:lvl5pPr>
-    <a:lvl6pPr lvl="5" marR="0" rtl="0" algn="l">
+    <a:lvl6pPr marR="0" lvl="5" algn="l" rtl="0">
       <a:lnSpc>
         <a:spcPct val="100000"/>
       </a:lnSpc>
@@ -621,7 +636,7 @@
         <a:srgbClr val="000000"/>
       </a:buClr>
       <a:buFont typeface="Arial"/>
-      <a:defRPr b="0" i="0" sz="1400" u="none" cap="none" strike="noStrike">
+      <a:defRPr sz="1400" b="0" i="0" u="none" strike="noStrike" cap="none">
         <a:solidFill>
           <a:srgbClr val="000000"/>
         </a:solidFill>
@@ -631,7 +646,7 @@
         <a:sym typeface="Arial"/>
       </a:defRPr>
     </a:lvl6pPr>
-    <a:lvl7pPr lvl="6" marR="0" rtl="0" algn="l">
+    <a:lvl7pPr marR="0" lvl="6" algn="l" rtl="0">
       <a:lnSpc>
         <a:spcPct val="100000"/>
       </a:lnSpc>
@@ -645,7 +660,7 @@
         <a:srgbClr val="000000"/>
       </a:buClr>
       <a:buFont typeface="Arial"/>
-      <a:defRPr b="0" i="0" sz="1400" u="none" cap="none" strike="noStrike">
+      <a:defRPr sz="1400" b="0" i="0" u="none" strike="noStrike" cap="none">
         <a:solidFill>
           <a:srgbClr val="000000"/>
         </a:solidFill>
@@ -655,7 +670,7 @@
         <a:sym typeface="Arial"/>
       </a:defRPr>
     </a:lvl7pPr>
-    <a:lvl8pPr lvl="7" marR="0" rtl="0" algn="l">
+    <a:lvl8pPr marR="0" lvl="7" algn="l" rtl="0">
       <a:lnSpc>
         <a:spcPct val="100000"/>
       </a:lnSpc>
@@ -669,7 +684,7 @@
         <a:srgbClr val="000000"/>
       </a:buClr>
       <a:buFont typeface="Arial"/>
-      <a:defRPr b="0" i="0" sz="1400" u="none" cap="none" strike="noStrike">
+      <a:defRPr sz="1400" b="0" i="0" u="none" strike="noStrike" cap="none">
         <a:solidFill>
           <a:srgbClr val="000000"/>
         </a:solidFill>
@@ -679,7 +694,7 @@
         <a:sym typeface="Arial"/>
       </a:defRPr>
     </a:lvl8pPr>
-    <a:lvl9pPr lvl="8" marR="0" rtl="0" algn="l">
+    <a:lvl9pPr marR="0" lvl="8" algn="l" rtl="0">
       <a:lnSpc>
         <a:spcPct val="100000"/>
       </a:lnSpc>
@@ -693,7 +708,7 @@
         <a:srgbClr val="000000"/>
       </a:buClr>
       <a:buFont typeface="Arial"/>
-      <a:defRPr b="0" i="0" sz="1400" u="none" cap="none" strike="noStrike">
+      <a:defRPr sz="1400" b="0" i="0" u="none" strike="noStrike" cap="none">
         <a:solidFill>
           <a:srgbClr val="000000"/>
         </a:solidFill>
@@ -708,11 +723,11 @@
 </file>
 
 <file path=ppt/notesSlides/notesSlide1.xml><?xml version="1.0" encoding="utf-8"?>
-<p:notes xmlns:a="http://schemas.openxmlformats.org/drawingml/2006/main" xmlns:r="http://schemas.openxmlformats.org/officeDocument/2006/relationships" xmlns:mc="http://schemas.openxmlformats.org/markup-compatibility/2006" xmlns:mv="urn:schemas-microsoft-com:mac:vml" xmlns:p="http://schemas.openxmlformats.org/presentationml/2006/main" xmlns:c="http://schemas.openxmlformats.org/drawingml/2006/chart" xmlns:dgm="http://schemas.openxmlformats.org/drawingml/2006/diagram" xmlns:o="urn:schemas-microsoft-com:office:office" xmlns:v="urn:schemas-microsoft-com:vml" xmlns:pvml="urn:schemas-microsoft-com:office:powerpoint" xmlns:com="http://schemas.openxmlformats.org/drawingml/2006/compatibility" xmlns:p14="http://schemas.microsoft.com/office/powerpoint/2010/main" xmlns:p15="http://schemas.microsoft.com/office/powerpoint/2012/main" xmlns:ahyp="http://schemas.microsoft.com/office/drawing/2018/hyperlinkcolor" showMasterPhAnim="0" showMasterSp="0">
+<p:notes xmlns:a="http://schemas.openxmlformats.org/drawingml/2006/main" xmlns:r="http://schemas.openxmlformats.org/officeDocument/2006/relationships" xmlns:p="http://schemas.openxmlformats.org/presentationml/2006/main" showMasterSp="0" showMasterPhAnim="0">
   <p:cSld>
     <p:spTree>
       <p:nvGrpSpPr>
-        <p:cNvPr id="130" name="Shape 130"/>
+        <p:cNvPr id="1" name="Shape 130"/>
         <p:cNvGrpSpPr/>
         <p:nvPr/>
       </p:nvGrpSpPr>
@@ -727,9 +742,11 @@
       <p:sp>
         <p:nvSpPr>
           <p:cNvPr id="131" name="Google Shape;131;p:notes"/>
-          <p:cNvSpPr/>
+          <p:cNvSpPr>
+            <a:spLocks noGrp="1" noRot="1" noChangeAspect="1"/>
+          </p:cNvSpPr>
           <p:nvPr>
-            <p:ph idx="2" type="sldImg"/>
+            <p:ph type="sldImg" idx="2"/>
           </p:nvPr>
         </p:nvSpPr>
         <p:spPr>
@@ -738,9 +755,13 @@
             <a:ext cx="6096075" cy="3429000"/>
           </a:xfrm>
           <a:custGeom>
-            <a:rect b="b" l="l" r="r" t="t"/>
+            <a:avLst/>
+            <a:gdLst/>
+            <a:ahLst/>
+            <a:cxnLst/>
+            <a:rect l="l" t="t" r="r" b="b"/>
             <a:pathLst>
-              <a:path extrusionOk="0" h="120000" w="120000">
+              <a:path w="120000" h="120000" extrusionOk="0">
                 <a:moveTo>
                   <a:pt x="0" y="0"/>
                 </a:moveTo>
@@ -762,9 +783,11 @@
       <p:sp>
         <p:nvSpPr>
           <p:cNvPr id="132" name="Google Shape;132;p:notes"/>
-          <p:cNvSpPr txBox="1"/>
+          <p:cNvSpPr txBox="1">
+            <a:spLocks noGrp="1"/>
+          </p:cNvSpPr>
           <p:nvPr>
-            <p:ph idx="1" type="body"/>
+            <p:ph type="body" idx="1"/>
           </p:nvPr>
         </p:nvSpPr>
         <p:spPr>
@@ -777,12 +800,12 @@
           </a:prstGeom>
         </p:spPr>
         <p:txBody>
-          <a:bodyPr anchorCtr="0" anchor="t" bIns="91425" lIns="91425" spcFirstLastPara="1" rIns="91425" wrap="square" tIns="91425">
+          <a:bodyPr spcFirstLastPara="1" wrap="square" lIns="91425" tIns="91425" rIns="91425" bIns="91425" anchor="t" anchorCtr="0">
             <a:noAutofit/>
           </a:bodyPr>
           <a:lstStyle/>
           <a:p>
-            <a:pPr indent="0" lvl="0" marL="0" rtl="0" algn="l">
+            <a:pPr marL="0" lvl="0" indent="0" algn="l" rtl="0">
               <a:spcBef>
                 <a:spcPts val="0"/>
               </a:spcBef>
@@ -791,9 +814,6 @@
               </a:spcAft>
               <a:buNone/>
             </a:pPr>
-            <a:r>
-              <a:t/>
-            </a:r>
             <a:endParaRPr/>
           </a:p>
         </p:txBody>
@@ -807,11 +827,11 @@
 </file>
 
 <file path=ppt/notesSlides/notesSlide2.xml><?xml version="1.0" encoding="utf-8"?>
-<p:notes xmlns:a="http://schemas.openxmlformats.org/drawingml/2006/main" xmlns:r="http://schemas.openxmlformats.org/officeDocument/2006/relationships" xmlns:mc="http://schemas.openxmlformats.org/markup-compatibility/2006" xmlns:mv="urn:schemas-microsoft-com:mac:vml" xmlns:p="http://schemas.openxmlformats.org/presentationml/2006/main" xmlns:c="http://schemas.openxmlformats.org/drawingml/2006/chart" xmlns:dgm="http://schemas.openxmlformats.org/drawingml/2006/diagram" xmlns:o="urn:schemas-microsoft-com:office:office" xmlns:v="urn:schemas-microsoft-com:vml" xmlns:pvml="urn:schemas-microsoft-com:office:powerpoint" xmlns:com="http://schemas.openxmlformats.org/drawingml/2006/compatibility" xmlns:p14="http://schemas.microsoft.com/office/powerpoint/2010/main" xmlns:p15="http://schemas.microsoft.com/office/powerpoint/2012/main" xmlns:ahyp="http://schemas.microsoft.com/office/drawing/2018/hyperlinkcolor" showMasterPhAnim="0" showMasterSp="0">
+<p:notes xmlns:a="http://schemas.openxmlformats.org/drawingml/2006/main" xmlns:r="http://schemas.openxmlformats.org/officeDocument/2006/relationships" xmlns:p="http://schemas.openxmlformats.org/presentationml/2006/main" showMasterSp="0" showMasterPhAnim="0">
   <p:cSld>
     <p:spTree>
       <p:nvGrpSpPr>
-        <p:cNvPr id="136" name="Shape 136"/>
+        <p:cNvPr id="1" name="Shape 136"/>
         <p:cNvGrpSpPr/>
         <p:nvPr/>
       </p:nvGrpSpPr>
@@ -826,9 +846,11 @@
       <p:sp>
         <p:nvSpPr>
           <p:cNvPr id="137" name="Google Shape;137;g28674d4200c_0_125:notes"/>
-          <p:cNvSpPr/>
+          <p:cNvSpPr>
+            <a:spLocks noGrp="1" noRot="1" noChangeAspect="1"/>
+          </p:cNvSpPr>
           <p:nvPr>
-            <p:ph idx="2" type="sldImg"/>
+            <p:ph type="sldImg" idx="2"/>
           </p:nvPr>
         </p:nvSpPr>
         <p:spPr>
@@ -837,9 +859,13 @@
             <a:ext cx="6096000" cy="3429000"/>
           </a:xfrm>
           <a:custGeom>
-            <a:rect b="b" l="l" r="r" t="t"/>
+            <a:avLst/>
+            <a:gdLst/>
+            <a:ahLst/>
+            <a:cxnLst/>
+            <a:rect l="l" t="t" r="r" b="b"/>
             <a:pathLst>
-              <a:path extrusionOk="0" h="120000" w="120000">
+              <a:path w="120000" h="120000" extrusionOk="0">
                 <a:moveTo>
                   <a:pt x="0" y="0"/>
                 </a:moveTo>
@@ -861,9 +887,11 @@
       <p:sp>
         <p:nvSpPr>
           <p:cNvPr id="138" name="Google Shape;138;g28674d4200c_0_125:notes"/>
-          <p:cNvSpPr txBox="1"/>
+          <p:cNvSpPr txBox="1">
+            <a:spLocks noGrp="1"/>
+          </p:cNvSpPr>
           <p:nvPr>
-            <p:ph idx="1" type="body"/>
+            <p:ph type="body" idx="1"/>
           </p:nvPr>
         </p:nvSpPr>
         <p:spPr>
@@ -876,12 +904,12 @@
           </a:prstGeom>
         </p:spPr>
         <p:txBody>
-          <a:bodyPr anchorCtr="0" anchor="t" bIns="91425" lIns="91425" spcFirstLastPara="1" rIns="91425" wrap="square" tIns="91425">
+          <a:bodyPr spcFirstLastPara="1" wrap="square" lIns="91425" tIns="91425" rIns="91425" bIns="91425" anchor="t" anchorCtr="0">
             <a:noAutofit/>
           </a:bodyPr>
           <a:lstStyle/>
           <a:p>
-            <a:pPr indent="0" lvl="0" marL="0" rtl="0" algn="l">
+            <a:pPr marL="0" lvl="0" indent="0" algn="l" rtl="0">
               <a:spcBef>
                 <a:spcPts val="0"/>
               </a:spcBef>
@@ -890,9 +918,6 @@
               </a:spcAft>
               <a:buNone/>
             </a:pPr>
-            <a:r>
-              <a:t/>
-            </a:r>
             <a:endParaRPr/>
           </a:p>
         </p:txBody>
@@ -906,11 +931,11 @@
 </file>
 
 <file path=ppt/notesSlides/notesSlide3.xml><?xml version="1.0" encoding="utf-8"?>
-<p:notes xmlns:a="http://schemas.openxmlformats.org/drawingml/2006/main" xmlns:r="http://schemas.openxmlformats.org/officeDocument/2006/relationships" xmlns:mc="http://schemas.openxmlformats.org/markup-compatibility/2006" xmlns:mv="urn:schemas-microsoft-com:mac:vml" xmlns:p="http://schemas.openxmlformats.org/presentationml/2006/main" xmlns:c="http://schemas.openxmlformats.org/drawingml/2006/chart" xmlns:dgm="http://schemas.openxmlformats.org/drawingml/2006/diagram" xmlns:o="urn:schemas-microsoft-com:office:office" xmlns:v="urn:schemas-microsoft-com:vml" xmlns:pvml="urn:schemas-microsoft-com:office:powerpoint" xmlns:com="http://schemas.openxmlformats.org/drawingml/2006/compatibility" xmlns:p14="http://schemas.microsoft.com/office/powerpoint/2010/main" xmlns:p15="http://schemas.microsoft.com/office/powerpoint/2012/main" xmlns:ahyp="http://schemas.microsoft.com/office/drawing/2018/hyperlinkcolor" showMasterPhAnim="0" showMasterSp="0">
+<p:notes xmlns:a="http://schemas.openxmlformats.org/drawingml/2006/main" xmlns:r="http://schemas.openxmlformats.org/officeDocument/2006/relationships" xmlns:p="http://schemas.openxmlformats.org/presentationml/2006/main" showMasterSp="0" showMasterPhAnim="0">
   <p:cSld>
     <p:spTree>
       <p:nvGrpSpPr>
-        <p:cNvPr id="142" name="Shape 142"/>
+        <p:cNvPr id="1" name="Shape 142"/>
         <p:cNvGrpSpPr/>
         <p:nvPr/>
       </p:nvGrpSpPr>
@@ -925,9 +950,11 @@
       <p:sp>
         <p:nvSpPr>
           <p:cNvPr id="143" name="Google Shape;143;g28674d4200c_0_130:notes"/>
-          <p:cNvSpPr/>
+          <p:cNvSpPr>
+            <a:spLocks noGrp="1" noRot="1" noChangeAspect="1"/>
+          </p:cNvSpPr>
           <p:nvPr>
-            <p:ph idx="2" type="sldImg"/>
+            <p:ph type="sldImg" idx="2"/>
           </p:nvPr>
         </p:nvSpPr>
         <p:spPr>
@@ -936,9 +963,13 @@
             <a:ext cx="6096000" cy="3429000"/>
           </a:xfrm>
           <a:custGeom>
-            <a:rect b="b" l="l" r="r" t="t"/>
+            <a:avLst/>
+            <a:gdLst/>
+            <a:ahLst/>
+            <a:cxnLst/>
+            <a:rect l="l" t="t" r="r" b="b"/>
             <a:pathLst>
-              <a:path extrusionOk="0" h="120000" w="120000">
+              <a:path w="120000" h="120000" extrusionOk="0">
                 <a:moveTo>
                   <a:pt x="0" y="0"/>
                 </a:moveTo>
@@ -960,9 +991,11 @@
       <p:sp>
         <p:nvSpPr>
           <p:cNvPr id="144" name="Google Shape;144;g28674d4200c_0_130:notes"/>
-          <p:cNvSpPr txBox="1"/>
+          <p:cNvSpPr txBox="1">
+            <a:spLocks noGrp="1"/>
+          </p:cNvSpPr>
           <p:nvPr>
-            <p:ph idx="1" type="body"/>
+            <p:ph type="body" idx="1"/>
           </p:nvPr>
         </p:nvSpPr>
         <p:spPr>
@@ -975,12 +1008,12 @@
           </a:prstGeom>
         </p:spPr>
         <p:txBody>
-          <a:bodyPr anchorCtr="0" anchor="t" bIns="91425" lIns="91425" spcFirstLastPara="1" rIns="91425" wrap="square" tIns="91425">
+          <a:bodyPr spcFirstLastPara="1" wrap="square" lIns="91425" tIns="91425" rIns="91425" bIns="91425" anchor="t" anchorCtr="0">
             <a:noAutofit/>
           </a:bodyPr>
           <a:lstStyle/>
           <a:p>
-            <a:pPr indent="0" lvl="0" marL="0" rtl="0" algn="l">
+            <a:pPr marL="0" lvl="0" indent="0" algn="l" rtl="0">
               <a:spcBef>
                 <a:spcPts val="0"/>
               </a:spcBef>
@@ -989,9 +1022,6 @@
               </a:spcAft>
               <a:buNone/>
             </a:pPr>
-            <a:r>
-              <a:t/>
-            </a:r>
             <a:endParaRPr/>
           </a:p>
         </p:txBody>
@@ -1005,11 +1035,11 @@
 </file>
 
 <file path=ppt/notesSlides/notesSlide4.xml><?xml version="1.0" encoding="utf-8"?>
-<p:notes xmlns:a="http://schemas.openxmlformats.org/drawingml/2006/main" xmlns:r="http://schemas.openxmlformats.org/officeDocument/2006/relationships" xmlns:mc="http://schemas.openxmlformats.org/markup-compatibility/2006" xmlns:mv="urn:schemas-microsoft-com:mac:vml" xmlns:p="http://schemas.openxmlformats.org/presentationml/2006/main" xmlns:c="http://schemas.openxmlformats.org/drawingml/2006/chart" xmlns:dgm="http://schemas.openxmlformats.org/drawingml/2006/diagram" xmlns:o="urn:schemas-microsoft-com:office:office" xmlns:v="urn:schemas-microsoft-com:vml" xmlns:pvml="urn:schemas-microsoft-com:office:powerpoint" xmlns:com="http://schemas.openxmlformats.org/drawingml/2006/compatibility" xmlns:p14="http://schemas.microsoft.com/office/powerpoint/2010/main" xmlns:p15="http://schemas.microsoft.com/office/powerpoint/2012/main" xmlns:ahyp="http://schemas.microsoft.com/office/drawing/2018/hyperlinkcolor" showMasterPhAnim="0" showMasterSp="0">
+<p:notes xmlns:a="http://schemas.openxmlformats.org/drawingml/2006/main" xmlns:r="http://schemas.openxmlformats.org/officeDocument/2006/relationships" xmlns:p="http://schemas.openxmlformats.org/presentationml/2006/main" showMasterSp="0" showMasterPhAnim="0">
   <p:cSld>
     <p:spTree>
       <p:nvGrpSpPr>
-        <p:cNvPr id="148" name="Shape 148"/>
+        <p:cNvPr id="1" name="Shape 148"/>
         <p:cNvGrpSpPr/>
         <p:nvPr/>
       </p:nvGrpSpPr>
@@ -1024,20 +1054,26 @@
       <p:sp>
         <p:nvSpPr>
           <p:cNvPr id="149" name="Google Shape;149;g28674d4200c_0_135:notes"/>
-          <p:cNvSpPr/>
+          <p:cNvSpPr>
+            <a:spLocks noGrp="1" noRot="1" noChangeAspect="1"/>
+          </p:cNvSpPr>
           <p:nvPr>
-            <p:ph idx="2" type="sldImg"/>
+            <p:ph type="sldImg" idx="2"/>
           </p:nvPr>
         </p:nvSpPr>
         <p:spPr>
           <a:xfrm>
-            <a:off x="381300" y="685800"/>
+            <a:off x="381000" y="685800"/>
             <a:ext cx="6096000" cy="3429000"/>
           </a:xfrm>
           <a:custGeom>
-            <a:rect b="b" l="l" r="r" t="t"/>
+            <a:avLst/>
+            <a:gdLst/>
+            <a:ahLst/>
+            <a:cxnLst/>
+            <a:rect l="l" t="t" r="r" b="b"/>
             <a:pathLst>
-              <a:path extrusionOk="0" h="120000" w="120000">
+              <a:path w="120000" h="120000" extrusionOk="0">
                 <a:moveTo>
                   <a:pt x="0" y="0"/>
                 </a:moveTo>
@@ -1059,9 +1095,11 @@
       <p:sp>
         <p:nvSpPr>
           <p:cNvPr id="150" name="Google Shape;150;g28674d4200c_0_135:notes"/>
-          <p:cNvSpPr txBox="1"/>
+          <p:cNvSpPr txBox="1">
+            <a:spLocks noGrp="1"/>
+          </p:cNvSpPr>
           <p:nvPr>
-            <p:ph idx="1" type="body"/>
+            <p:ph type="body" idx="1"/>
           </p:nvPr>
         </p:nvSpPr>
         <p:spPr>
@@ -1074,12 +1112,12 @@
           </a:prstGeom>
         </p:spPr>
         <p:txBody>
-          <a:bodyPr anchorCtr="0" anchor="t" bIns="91425" lIns="91425" spcFirstLastPara="1" rIns="91425" wrap="square" tIns="91425">
+          <a:bodyPr spcFirstLastPara="1" wrap="square" lIns="91425" tIns="91425" rIns="91425" bIns="91425" anchor="t" anchorCtr="0">
             <a:noAutofit/>
           </a:bodyPr>
           <a:lstStyle/>
           <a:p>
-            <a:pPr indent="0" lvl="0" marL="0" rtl="0" algn="l">
+            <a:pPr marL="0" lvl="0" indent="0" algn="l" rtl="0">
               <a:spcBef>
                 <a:spcPts val="0"/>
               </a:spcBef>
@@ -1088,9 +1126,6 @@
               </a:spcAft>
               <a:buNone/>
             </a:pPr>
-            <a:r>
-              <a:t/>
-            </a:r>
             <a:endParaRPr/>
           </a:p>
         </p:txBody>
@@ -1104,11 +1139,11 @@
 </file>
 
 <file path=ppt/notesSlides/notesSlide5.xml><?xml version="1.0" encoding="utf-8"?>
-<p:notes xmlns:a="http://schemas.openxmlformats.org/drawingml/2006/main" xmlns:r="http://schemas.openxmlformats.org/officeDocument/2006/relationships" xmlns:mc="http://schemas.openxmlformats.org/markup-compatibility/2006" xmlns:mv="urn:schemas-microsoft-com:mac:vml" xmlns:p="http://schemas.openxmlformats.org/presentationml/2006/main" xmlns:c="http://schemas.openxmlformats.org/drawingml/2006/chart" xmlns:dgm="http://schemas.openxmlformats.org/drawingml/2006/diagram" xmlns:o="urn:schemas-microsoft-com:office:office" xmlns:v="urn:schemas-microsoft-com:vml" xmlns:pvml="urn:schemas-microsoft-com:office:powerpoint" xmlns:com="http://schemas.openxmlformats.org/drawingml/2006/compatibility" xmlns:p14="http://schemas.microsoft.com/office/powerpoint/2010/main" xmlns:p15="http://schemas.microsoft.com/office/powerpoint/2012/main" xmlns:ahyp="http://schemas.microsoft.com/office/drawing/2018/hyperlinkcolor" showMasterPhAnim="0" showMasterSp="0">
+<p:notes xmlns:a="http://schemas.openxmlformats.org/drawingml/2006/main" xmlns:r="http://schemas.openxmlformats.org/officeDocument/2006/relationships" xmlns:p="http://schemas.openxmlformats.org/presentationml/2006/main" showMasterSp="0" showMasterPhAnim="0">
   <p:cSld>
     <p:spTree>
       <p:nvGrpSpPr>
-        <p:cNvPr id="154" name="Shape 154"/>
+        <p:cNvPr id="1" name="Shape 154"/>
         <p:cNvGrpSpPr/>
         <p:nvPr/>
       </p:nvGrpSpPr>
@@ -1123,9 +1158,11 @@
       <p:sp>
         <p:nvSpPr>
           <p:cNvPr id="155" name="Google Shape;155;g286ee612a7b_2_0:notes"/>
-          <p:cNvSpPr/>
+          <p:cNvSpPr>
+            <a:spLocks noGrp="1" noRot="1" noChangeAspect="1"/>
+          </p:cNvSpPr>
           <p:nvPr>
-            <p:ph idx="2" type="sldImg"/>
+            <p:ph type="sldImg" idx="2"/>
           </p:nvPr>
         </p:nvSpPr>
         <p:spPr>
@@ -1134,9 +1171,13 @@
             <a:ext cx="6096000" cy="3429000"/>
           </a:xfrm>
           <a:custGeom>
-            <a:rect b="b" l="l" r="r" t="t"/>
+            <a:avLst/>
+            <a:gdLst/>
+            <a:ahLst/>
+            <a:cxnLst/>
+            <a:rect l="l" t="t" r="r" b="b"/>
             <a:pathLst>
-              <a:path extrusionOk="0" h="120000" w="120000">
+              <a:path w="120000" h="120000" extrusionOk="0">
                 <a:moveTo>
                   <a:pt x="0" y="0"/>
                 </a:moveTo>
@@ -1158,9 +1199,11 @@
       <p:sp>
         <p:nvSpPr>
           <p:cNvPr id="156" name="Google Shape;156;g286ee612a7b_2_0:notes"/>
-          <p:cNvSpPr txBox="1"/>
+          <p:cNvSpPr txBox="1">
+            <a:spLocks noGrp="1"/>
+          </p:cNvSpPr>
           <p:nvPr>
-            <p:ph idx="1" type="body"/>
+            <p:ph type="body" idx="1"/>
           </p:nvPr>
         </p:nvSpPr>
         <p:spPr>
@@ -1173,12 +1216,12 @@
           </a:prstGeom>
         </p:spPr>
         <p:txBody>
-          <a:bodyPr anchorCtr="0" anchor="t" bIns="91425" lIns="91425" spcFirstLastPara="1" rIns="91425" wrap="square" tIns="91425">
+          <a:bodyPr spcFirstLastPara="1" wrap="square" lIns="91425" tIns="91425" rIns="91425" bIns="91425" anchor="t" anchorCtr="0">
             <a:noAutofit/>
           </a:bodyPr>
           <a:lstStyle/>
           <a:p>
-            <a:pPr indent="0" lvl="0" marL="0" rtl="0" algn="l">
+            <a:pPr marL="0" lvl="0" indent="0" algn="l" rtl="0">
               <a:spcBef>
                 <a:spcPts val="0"/>
               </a:spcBef>
@@ -1187,9 +1230,6 @@
               </a:spcAft>
               <a:buNone/>
             </a:pPr>
-            <a:r>
-              <a:t/>
-            </a:r>
             <a:endParaRPr/>
           </a:p>
         </p:txBody>
@@ -1203,11 +1243,11 @@
 </file>
 
 <file path=ppt/notesSlides/notesSlide6.xml><?xml version="1.0" encoding="utf-8"?>
-<p:notes xmlns:a="http://schemas.openxmlformats.org/drawingml/2006/main" xmlns:r="http://schemas.openxmlformats.org/officeDocument/2006/relationships" xmlns:mc="http://schemas.openxmlformats.org/markup-compatibility/2006" xmlns:mv="urn:schemas-microsoft-com:mac:vml" xmlns:p="http://schemas.openxmlformats.org/presentationml/2006/main" xmlns:c="http://schemas.openxmlformats.org/drawingml/2006/chart" xmlns:dgm="http://schemas.openxmlformats.org/drawingml/2006/diagram" xmlns:o="urn:schemas-microsoft-com:office:office" xmlns:v="urn:schemas-microsoft-com:vml" xmlns:pvml="urn:schemas-microsoft-com:office:powerpoint" xmlns:com="http://schemas.openxmlformats.org/drawingml/2006/compatibility" xmlns:p14="http://schemas.microsoft.com/office/powerpoint/2010/main" xmlns:p15="http://schemas.microsoft.com/office/powerpoint/2012/main" xmlns:ahyp="http://schemas.microsoft.com/office/drawing/2018/hyperlinkcolor" showMasterPhAnim="0" showMasterSp="0">
+<p:notes xmlns:a="http://schemas.openxmlformats.org/drawingml/2006/main" xmlns:r="http://schemas.openxmlformats.org/officeDocument/2006/relationships" xmlns:p="http://schemas.openxmlformats.org/presentationml/2006/main" showMasterSp="0" showMasterPhAnim="0">
   <p:cSld>
     <p:spTree>
       <p:nvGrpSpPr>
-        <p:cNvPr id="159" name="Shape 159"/>
+        <p:cNvPr id="1" name="Shape 159"/>
         <p:cNvGrpSpPr/>
         <p:nvPr/>
       </p:nvGrpSpPr>
@@ -1222,9 +1262,11 @@
       <p:sp>
         <p:nvSpPr>
           <p:cNvPr id="160" name="Google Shape;160;g286ee612a7b_2_5:notes"/>
-          <p:cNvSpPr/>
+          <p:cNvSpPr>
+            <a:spLocks noGrp="1" noRot="1" noChangeAspect="1"/>
+          </p:cNvSpPr>
           <p:nvPr>
-            <p:ph idx="2" type="sldImg"/>
+            <p:ph type="sldImg" idx="2"/>
           </p:nvPr>
         </p:nvSpPr>
         <p:spPr>
@@ -1233,9 +1275,13 @@
             <a:ext cx="6096000" cy="3429000"/>
           </a:xfrm>
           <a:custGeom>
-            <a:rect b="b" l="l" r="r" t="t"/>
+            <a:avLst/>
+            <a:gdLst/>
+            <a:ahLst/>
+            <a:cxnLst/>
+            <a:rect l="l" t="t" r="r" b="b"/>
             <a:pathLst>
-              <a:path extrusionOk="0" h="120000" w="120000">
+              <a:path w="120000" h="120000" extrusionOk="0">
                 <a:moveTo>
                   <a:pt x="0" y="0"/>
                 </a:moveTo>
@@ -1257,9 +1303,11 @@
       <p:sp>
         <p:nvSpPr>
           <p:cNvPr id="161" name="Google Shape;161;g286ee612a7b_2_5:notes"/>
-          <p:cNvSpPr txBox="1"/>
+          <p:cNvSpPr txBox="1">
+            <a:spLocks noGrp="1"/>
+          </p:cNvSpPr>
           <p:nvPr>
-            <p:ph idx="1" type="body"/>
+            <p:ph type="body" idx="1"/>
           </p:nvPr>
         </p:nvSpPr>
         <p:spPr>
@@ -1272,12 +1320,12 @@
           </a:prstGeom>
         </p:spPr>
         <p:txBody>
-          <a:bodyPr anchorCtr="0" anchor="t" bIns="91425" lIns="91425" spcFirstLastPara="1" rIns="91425" wrap="square" tIns="91425">
+          <a:bodyPr spcFirstLastPara="1" wrap="square" lIns="91425" tIns="91425" rIns="91425" bIns="91425" anchor="t" anchorCtr="0">
             <a:noAutofit/>
           </a:bodyPr>
           <a:lstStyle/>
           <a:p>
-            <a:pPr indent="0" lvl="0" marL="0" rtl="0" algn="l">
+            <a:pPr marL="0" lvl="0" indent="0" algn="l" rtl="0">
               <a:spcBef>
                 <a:spcPts val="0"/>
               </a:spcBef>
@@ -1286,9 +1334,6 @@
               </a:spcAft>
               <a:buNone/>
             </a:pPr>
-            <a:r>
-              <a:t/>
-            </a:r>
             <a:endParaRPr/>
           </a:p>
         </p:txBody>
@@ -1302,11 +1347,11 @@
 </file>
 
 <file path=ppt/slideLayouts/slideLayout1.xml><?xml version="1.0" encoding="utf-8"?>
-<p:sldLayout xmlns:a="http://schemas.openxmlformats.org/drawingml/2006/main" xmlns:r="http://schemas.openxmlformats.org/officeDocument/2006/relationships" xmlns:mc="http://schemas.openxmlformats.org/markup-compatibility/2006" xmlns:mv="urn:schemas-microsoft-com:mac:vml" xmlns:p="http://schemas.openxmlformats.org/presentationml/2006/main" xmlns:c="http://schemas.openxmlformats.org/drawingml/2006/chart" xmlns:dgm="http://schemas.openxmlformats.org/drawingml/2006/diagram" xmlns:o="urn:schemas-microsoft-com:office:office" xmlns:v="urn:schemas-microsoft-com:vml" xmlns:pvml="urn:schemas-microsoft-com:office:powerpoint" xmlns:com="http://schemas.openxmlformats.org/drawingml/2006/compatibility" xmlns:p14="http://schemas.microsoft.com/office/powerpoint/2010/main" xmlns:p15="http://schemas.microsoft.com/office/powerpoint/2012/main" xmlns:ahyp="http://schemas.microsoft.com/office/drawing/2018/hyperlinkcolor" matchingName="Title slide" type="title">
+<p:sldLayout xmlns:a="http://schemas.openxmlformats.org/drawingml/2006/main" xmlns:r="http://schemas.openxmlformats.org/officeDocument/2006/relationships" xmlns:p="http://schemas.openxmlformats.org/presentationml/2006/main" matchingName="Title slide" type="title">
   <p:cSld name="TITLE">
     <p:spTree>
       <p:nvGrpSpPr>
-        <p:cNvPr id="9" name="Shape 9"/>
+        <p:cNvPr id="1" name="Shape 9"/>
         <p:cNvGrpSpPr/>
         <p:nvPr/>
       </p:nvGrpSpPr>
@@ -1331,7 +1376,7 @@
           </a:xfrm>
           <a:prstGeom prst="diagStripe">
             <a:avLst>
-              <a:gd fmla="val 0" name="adj"/>
+              <a:gd name="adj" fmla="val 0"/>
             </a:avLst>
           </a:prstGeom>
           <a:solidFill>
@@ -1344,12 +1389,12 @@
           </a:ln>
         </p:spPr>
         <p:txBody>
-          <a:bodyPr anchorCtr="0" anchor="ctr" bIns="91425" lIns="91425" spcFirstLastPara="1" rIns="91425" wrap="square" tIns="91425">
+          <a:bodyPr spcFirstLastPara="1" wrap="square" lIns="91425" tIns="91425" rIns="91425" bIns="91425" anchor="ctr" anchorCtr="0">
             <a:noAutofit/>
           </a:bodyPr>
           <a:lstStyle/>
           <a:p>
-            <a:pPr indent="0" lvl="0" marL="0" rtl="0" algn="l">
+            <a:pPr marL="0" lvl="0" indent="0" algn="l" rtl="0">
               <a:spcBef>
                 <a:spcPts val="0"/>
               </a:spcBef>
@@ -1358,9 +1403,6 @@
               </a:spcAft>
               <a:buNone/>
             </a:pPr>
-            <a:r>
-              <a:t/>
-            </a:r>
             <a:endParaRPr/>
           </a:p>
         </p:txBody>
@@ -1392,7 +1434,7 @@
             </a:xfrm>
             <a:prstGeom prst="diagStripe">
               <a:avLst>
-                <a:gd fmla="val 50000" name="adj"/>
+                <a:gd name="adj" fmla="val 50000"/>
               </a:avLst>
             </a:prstGeom>
             <a:solidFill>
@@ -1405,12 +1447,12 @@
             </a:ln>
           </p:spPr>
           <p:txBody>
-            <a:bodyPr anchorCtr="0" anchor="ctr" bIns="91425" lIns="91425" spcFirstLastPara="1" rIns="91425" wrap="square" tIns="91425">
+            <a:bodyPr spcFirstLastPara="1" wrap="square" lIns="91425" tIns="91425" rIns="91425" bIns="91425" anchor="ctr" anchorCtr="0">
               <a:noAutofit/>
             </a:bodyPr>
             <a:lstStyle/>
             <a:p>
-              <a:pPr indent="0" lvl="0" marL="0" rtl="0" algn="l">
+              <a:pPr marL="0" lvl="0" indent="0" algn="l" rtl="0">
                 <a:spcBef>
                   <a:spcPts val="0"/>
                 </a:spcBef>
@@ -1419,9 +1461,6 @@
                 </a:spcAft>
                 <a:buNone/>
               </a:pPr>
-              <a:r>
-                <a:t/>
-              </a:r>
               <a:endParaRPr/>
             </a:p>
           </p:txBody>
@@ -1439,7 +1478,7 @@
             </a:xfrm>
             <a:prstGeom prst="diagStripe">
               <a:avLst>
-                <a:gd fmla="val 58774" name="adj"/>
+                <a:gd name="adj" fmla="val 58774"/>
               </a:avLst>
             </a:prstGeom>
             <a:solidFill>
@@ -1452,12 +1491,12 @@
             </a:ln>
           </p:spPr>
           <p:txBody>
-            <a:bodyPr anchorCtr="0" anchor="ctr" bIns="91425" lIns="91425" spcFirstLastPara="1" rIns="91425" wrap="square" tIns="91425">
+            <a:bodyPr spcFirstLastPara="1" wrap="square" lIns="91425" tIns="91425" rIns="91425" bIns="91425" anchor="ctr" anchorCtr="0">
               <a:noAutofit/>
             </a:bodyPr>
             <a:lstStyle/>
             <a:p>
-              <a:pPr indent="0" lvl="0" marL="0" rtl="0" algn="l">
+              <a:pPr marL="0" lvl="0" indent="0" algn="l" rtl="0">
                 <a:spcBef>
                   <a:spcPts val="0"/>
                 </a:spcBef>
@@ -1466,9 +1505,6 @@
                 </a:spcAft>
                 <a:buNone/>
               </a:pPr>
-              <a:r>
-                <a:t/>
-              </a:r>
               <a:endParaRPr/>
             </a:p>
           </p:txBody>
@@ -1486,7 +1522,7 @@
             </a:xfrm>
             <a:prstGeom prst="diagStripe">
               <a:avLst>
-                <a:gd fmla="val 50000" name="adj"/>
+                <a:gd name="adj" fmla="val 50000"/>
               </a:avLst>
             </a:prstGeom>
             <a:solidFill>
@@ -1497,12 +1533,12 @@
             </a:ln>
           </p:spPr>
           <p:txBody>
-            <a:bodyPr anchorCtr="0" anchor="ctr" bIns="91425" lIns="91425" spcFirstLastPara="1" rIns="91425" wrap="square" tIns="91425">
+            <a:bodyPr spcFirstLastPara="1" wrap="square" lIns="91425" tIns="91425" rIns="91425" bIns="91425" anchor="ctr" anchorCtr="0">
               <a:noAutofit/>
             </a:bodyPr>
             <a:lstStyle/>
             <a:p>
-              <a:pPr indent="0" lvl="0" marL="0" rtl="0" algn="l">
+              <a:pPr marL="0" lvl="0" indent="0" algn="l" rtl="0">
                 <a:spcBef>
                   <a:spcPts val="0"/>
                 </a:spcBef>
@@ -1511,9 +1547,6 @@
                 </a:spcAft>
                 <a:buNone/>
               </a:pPr>
-              <a:r>
-                <a:t/>
-              </a:r>
               <a:endParaRPr/>
             </a:p>
           </p:txBody>
@@ -1531,7 +1564,7 @@
             </a:xfrm>
             <a:prstGeom prst="diagStripe">
               <a:avLst>
-                <a:gd fmla="val 50000" name="adj"/>
+                <a:gd name="adj" fmla="val 50000"/>
               </a:avLst>
             </a:prstGeom>
             <a:solidFill>
@@ -1542,12 +1575,12 @@
             </a:ln>
           </p:spPr>
           <p:txBody>
-            <a:bodyPr anchorCtr="0" anchor="ctr" bIns="91425" lIns="91425" spcFirstLastPara="1" rIns="91425" wrap="square" tIns="91425">
+            <a:bodyPr spcFirstLastPara="1" wrap="square" lIns="91425" tIns="91425" rIns="91425" bIns="91425" anchor="ctr" anchorCtr="0">
               <a:noAutofit/>
             </a:bodyPr>
             <a:lstStyle/>
             <a:p>
-              <a:pPr indent="0" lvl="0" marL="0" rtl="0" algn="l">
+              <a:pPr marL="0" lvl="0" indent="0" algn="l" rtl="0">
                 <a:spcBef>
                   <a:spcPts val="0"/>
                 </a:spcBef>
@@ -1556,9 +1589,6 @@
                 </a:spcAft>
                 <a:buNone/>
               </a:pPr>
-              <a:r>
-                <a:t/>
-              </a:r>
               <a:endParaRPr/>
             </a:p>
           </p:txBody>
@@ -1567,7 +1597,9 @@
       <p:sp>
         <p:nvSpPr>
           <p:cNvPr id="16" name="Google Shape;16;p2"/>
-          <p:cNvSpPr txBox="1"/>
+          <p:cNvSpPr txBox="1">
+            <a:spLocks noGrp="1"/>
+          </p:cNvSpPr>
           <p:nvPr>
             <p:ph type="ctrTitle"/>
           </p:nvPr>
@@ -1582,7 +1614,7 @@
           </a:prstGeom>
         </p:spPr>
         <p:txBody>
-          <a:bodyPr anchorCtr="0" anchor="t" bIns="91425" lIns="91425" spcFirstLastPara="1" rIns="91425" wrap="square" tIns="91425">
+          <a:bodyPr spcFirstLastPara="1" wrap="square" lIns="91425" tIns="91425" rIns="91425" bIns="91425" anchor="t" anchorCtr="0">
             <a:normAutofit/>
           </a:bodyPr>
           <a:lstStyle>
@@ -1686,15 +1718,19 @@
               <a:defRPr sz="4000"/>
             </a:lvl9pPr>
           </a:lstStyle>
-          <a:p/>
+          <a:p>
+            <a:endParaRPr/>
+          </a:p>
         </p:txBody>
       </p:sp>
       <p:sp>
         <p:nvSpPr>
           <p:cNvPr id="17" name="Google Shape;17;p2"/>
-          <p:cNvSpPr txBox="1"/>
+          <p:cNvSpPr txBox="1">
+            <a:spLocks noGrp="1"/>
+          </p:cNvSpPr>
           <p:nvPr>
-            <p:ph idx="1" type="subTitle"/>
+            <p:ph type="subTitle" idx="1"/>
           </p:nvPr>
         </p:nvSpPr>
         <p:spPr>
@@ -1707,7 +1743,7 @@
           </a:prstGeom>
         </p:spPr>
         <p:txBody>
-          <a:bodyPr anchorCtr="0" anchor="t" bIns="91425" lIns="91425" spcFirstLastPara="1" rIns="91425" wrap="square" tIns="91425">
+          <a:bodyPr spcFirstLastPara="1" wrap="square" lIns="91425" tIns="91425" rIns="91425" bIns="91425" anchor="t" anchorCtr="0">
             <a:normAutofit/>
           </a:bodyPr>
           <a:lstStyle>
@@ -1838,15 +1874,19 @@
               <a:defRPr sz="1300"/>
             </a:lvl9pPr>
           </a:lstStyle>
-          <a:p/>
+          <a:p>
+            <a:endParaRPr/>
+          </a:p>
         </p:txBody>
       </p:sp>
       <p:sp>
         <p:nvSpPr>
           <p:cNvPr id="18" name="Google Shape;18;p2"/>
-          <p:cNvSpPr txBox="1"/>
+          <p:cNvSpPr txBox="1">
+            <a:spLocks noGrp="1"/>
+          </p:cNvSpPr>
           <p:nvPr>
-            <p:ph idx="12" type="sldNum"/>
+            <p:ph type="sldNum" idx="12"/>
           </p:nvPr>
         </p:nvSpPr>
         <p:spPr>
@@ -1859,7 +1899,7 @@
           </a:prstGeom>
         </p:spPr>
         <p:txBody>
-          <a:bodyPr anchorCtr="0" anchor="ctr" bIns="91425" lIns="91425" spcFirstLastPara="1" rIns="91425" wrap="square" tIns="91425">
+          <a:bodyPr spcFirstLastPara="1" wrap="square" lIns="91425" tIns="91425" rIns="91425" bIns="91425" anchor="ctr" anchorCtr="0">
             <a:normAutofit/>
           </a:bodyPr>
           <a:lstStyle>
@@ -1901,7 +1941,7 @@
             </a:lvl9pPr>
           </a:lstStyle>
           <a:p>
-            <a:pPr indent="0" lvl="0" marL="0" rtl="0" algn="r">
+            <a:pPr marL="0" lvl="0" indent="0" algn="r" rtl="0">
               <a:spcBef>
                 <a:spcPts val="0"/>
               </a:spcBef>
@@ -1927,11 +1967,11 @@
 </file>
 
 <file path=ppt/slideLayouts/slideLayout10.xml><?xml version="1.0" encoding="utf-8"?>
-<p:sldLayout xmlns:a="http://schemas.openxmlformats.org/drawingml/2006/main" xmlns:r="http://schemas.openxmlformats.org/officeDocument/2006/relationships" xmlns:mc="http://schemas.openxmlformats.org/markup-compatibility/2006" xmlns:mv="urn:schemas-microsoft-com:mac:vml" xmlns:p="http://schemas.openxmlformats.org/presentationml/2006/main" xmlns:c="http://schemas.openxmlformats.org/drawingml/2006/chart" xmlns:dgm="http://schemas.openxmlformats.org/drawingml/2006/diagram" xmlns:o="urn:schemas-microsoft-com:office:office" xmlns:v="urn:schemas-microsoft-com:vml" xmlns:pvml="urn:schemas-microsoft-com:office:powerpoint" xmlns:com="http://schemas.openxmlformats.org/drawingml/2006/compatibility" xmlns:p14="http://schemas.microsoft.com/office/powerpoint/2010/main" xmlns:p15="http://schemas.microsoft.com/office/powerpoint/2012/main" xmlns:ahyp="http://schemas.microsoft.com/office/drawing/2018/hyperlinkcolor" matchingName="Big number">
+<p:sldLayout xmlns:a="http://schemas.openxmlformats.org/drawingml/2006/main" xmlns:r="http://schemas.openxmlformats.org/officeDocument/2006/relationships" xmlns:p="http://schemas.openxmlformats.org/presentationml/2006/main" matchingName="Big number">
   <p:cSld name="BIG_NUMBER">
     <p:spTree>
       <p:nvGrpSpPr>
-        <p:cNvPr id="105" name="Shape 105"/>
+        <p:cNvPr id="1" name="Shape 105"/>
         <p:cNvGrpSpPr/>
         <p:nvPr/>
       </p:nvGrpSpPr>
@@ -1970,7 +2010,7 @@
             </a:xfrm>
             <a:prstGeom prst="diagStripe">
               <a:avLst>
-                <a:gd fmla="val 49469" name="adj"/>
+                <a:gd name="adj" fmla="val 49469"/>
               </a:avLst>
             </a:prstGeom>
             <a:solidFill>
@@ -1983,12 +2023,12 @@
             </a:ln>
           </p:spPr>
           <p:txBody>
-            <a:bodyPr anchorCtr="0" anchor="ctr" bIns="91425" lIns="91425" spcFirstLastPara="1" rIns="91425" wrap="square" tIns="91425">
+            <a:bodyPr spcFirstLastPara="1" wrap="square" lIns="91425" tIns="91425" rIns="91425" bIns="91425" anchor="ctr" anchorCtr="0">
               <a:noAutofit/>
             </a:bodyPr>
             <a:lstStyle/>
             <a:p>
-              <a:pPr indent="0" lvl="0" marL="0" rtl="0" algn="l">
+              <a:pPr marL="0" lvl="0" indent="0" algn="l" rtl="0">
                 <a:spcBef>
                   <a:spcPts val="0"/>
                 </a:spcBef>
@@ -1997,9 +2037,6 @@
                 </a:spcAft>
                 <a:buNone/>
               </a:pPr>
-              <a:r>
-                <a:t/>
-              </a:r>
               <a:endParaRPr/>
             </a:p>
           </p:txBody>
@@ -2017,7 +2054,7 @@
             </a:xfrm>
             <a:prstGeom prst="diagStripe">
               <a:avLst>
-                <a:gd fmla="val 0" name="adj"/>
+                <a:gd name="adj" fmla="val 0"/>
               </a:avLst>
             </a:prstGeom>
             <a:solidFill>
@@ -2030,12 +2067,12 @@
             </a:ln>
           </p:spPr>
           <p:txBody>
-            <a:bodyPr anchorCtr="0" anchor="ctr" bIns="91425" lIns="91425" spcFirstLastPara="1" rIns="91425" wrap="square" tIns="91425">
+            <a:bodyPr spcFirstLastPara="1" wrap="square" lIns="91425" tIns="91425" rIns="91425" bIns="91425" anchor="ctr" anchorCtr="0">
               <a:noAutofit/>
             </a:bodyPr>
             <a:lstStyle/>
             <a:p>
-              <a:pPr indent="0" lvl="0" marL="0" rtl="0" algn="l">
+              <a:pPr marL="0" lvl="0" indent="0" algn="l" rtl="0">
                 <a:spcBef>
                   <a:spcPts val="0"/>
                 </a:spcBef>
@@ -2044,9 +2081,6 @@
                 </a:spcAft>
                 <a:buNone/>
               </a:pPr>
-              <a:r>
-                <a:t/>
-              </a:r>
               <a:endParaRPr/>
             </a:p>
           </p:txBody>
@@ -2064,7 +2098,7 @@
             </a:xfrm>
             <a:prstGeom prst="diagStripe">
               <a:avLst>
-                <a:gd fmla="val 50000" name="adj"/>
+                <a:gd name="adj" fmla="val 50000"/>
               </a:avLst>
             </a:prstGeom>
             <a:solidFill>
@@ -2077,12 +2111,12 @@
             </a:ln>
           </p:spPr>
           <p:txBody>
-            <a:bodyPr anchorCtr="0" anchor="ctr" bIns="91425" lIns="91425" spcFirstLastPara="1" rIns="91425" wrap="square" tIns="91425">
+            <a:bodyPr spcFirstLastPara="1" wrap="square" lIns="91425" tIns="91425" rIns="91425" bIns="91425" anchor="ctr" anchorCtr="0">
               <a:noAutofit/>
             </a:bodyPr>
             <a:lstStyle/>
             <a:p>
-              <a:pPr indent="0" lvl="0" marL="0" rtl="0" algn="l">
+              <a:pPr marL="0" lvl="0" indent="0" algn="l" rtl="0">
                 <a:spcBef>
                   <a:spcPts val="0"/>
                 </a:spcBef>
@@ -2091,9 +2125,6 @@
                 </a:spcAft>
                 <a:buNone/>
               </a:pPr>
-              <a:r>
-                <a:t/>
-              </a:r>
               <a:endParaRPr/>
             </a:p>
           </p:txBody>
@@ -2111,7 +2142,7 @@
             </a:xfrm>
             <a:prstGeom prst="diagStripe">
               <a:avLst>
-                <a:gd fmla="val 50000" name="adj"/>
+                <a:gd name="adj" fmla="val 50000"/>
               </a:avLst>
             </a:prstGeom>
             <a:solidFill>
@@ -2124,12 +2155,12 @@
             </a:ln>
           </p:spPr>
           <p:txBody>
-            <a:bodyPr anchorCtr="0" anchor="ctr" bIns="91425" lIns="91425" spcFirstLastPara="1" rIns="91425" wrap="square" tIns="91425">
+            <a:bodyPr spcFirstLastPara="1" wrap="square" lIns="91425" tIns="91425" rIns="91425" bIns="91425" anchor="ctr" anchorCtr="0">
               <a:noAutofit/>
             </a:bodyPr>
             <a:lstStyle/>
             <a:p>
-              <a:pPr indent="0" lvl="0" marL="0" rtl="0" algn="l">
+              <a:pPr marL="0" lvl="0" indent="0" algn="l" rtl="0">
                 <a:spcBef>
                   <a:spcPts val="0"/>
                 </a:spcBef>
@@ -2138,9 +2169,6 @@
                 </a:spcAft>
                 <a:buNone/>
               </a:pPr>
-              <a:r>
-                <a:t/>
-              </a:r>
               <a:endParaRPr/>
             </a:p>
           </p:txBody>
@@ -2158,7 +2186,7 @@
             </a:xfrm>
             <a:prstGeom prst="diagStripe">
               <a:avLst>
-                <a:gd fmla="val 50000" name="adj"/>
+                <a:gd name="adj" fmla="val 50000"/>
               </a:avLst>
             </a:prstGeom>
             <a:solidFill>
@@ -2171,12 +2199,12 @@
             </a:ln>
           </p:spPr>
           <p:txBody>
-            <a:bodyPr anchorCtr="0" anchor="ctr" bIns="91425" lIns="91425" spcFirstLastPara="1" rIns="91425" wrap="square" tIns="91425">
+            <a:bodyPr spcFirstLastPara="1" wrap="square" lIns="91425" tIns="91425" rIns="91425" bIns="91425" anchor="ctr" anchorCtr="0">
               <a:noAutofit/>
             </a:bodyPr>
             <a:lstStyle/>
             <a:p>
-              <a:pPr indent="0" lvl="0" marL="0" rtl="0" algn="l">
+              <a:pPr marL="0" lvl="0" indent="0" algn="l" rtl="0">
                 <a:spcBef>
                   <a:spcPts val="0"/>
                 </a:spcBef>
@@ -2185,9 +2213,6 @@
                 </a:spcAft>
                 <a:buNone/>
               </a:pPr>
-              <a:r>
-                <a:t/>
-              </a:r>
               <a:endParaRPr/>
             </a:p>
           </p:txBody>
@@ -2205,7 +2230,7 @@
             </a:xfrm>
             <a:prstGeom prst="diagStripe">
               <a:avLst>
-                <a:gd fmla="val 50000" name="adj"/>
+                <a:gd name="adj" fmla="val 50000"/>
               </a:avLst>
             </a:prstGeom>
             <a:solidFill>
@@ -2218,12 +2243,12 @@
             </a:ln>
           </p:spPr>
           <p:txBody>
-            <a:bodyPr anchorCtr="0" anchor="ctr" bIns="91425" lIns="91425" spcFirstLastPara="1" rIns="91425" wrap="square" tIns="91425">
+            <a:bodyPr spcFirstLastPara="1" wrap="square" lIns="91425" tIns="91425" rIns="91425" bIns="91425" anchor="ctr" anchorCtr="0">
               <a:noAutofit/>
             </a:bodyPr>
             <a:lstStyle/>
             <a:p>
-              <a:pPr indent="0" lvl="0" marL="0" rtl="0" algn="l">
+              <a:pPr marL="0" lvl="0" indent="0" algn="l" rtl="0">
                 <a:spcBef>
                   <a:spcPts val="0"/>
                 </a:spcBef>
@@ -2232,9 +2257,6 @@
                 </a:spcAft>
                 <a:buNone/>
               </a:pPr>
-              <a:r>
-                <a:t/>
-              </a:r>
               <a:endParaRPr/>
             </a:p>
           </p:txBody>
@@ -2252,7 +2274,7 @@
             </a:xfrm>
             <a:prstGeom prst="diagStripe">
               <a:avLst>
-                <a:gd fmla="val 50000" name="adj"/>
+                <a:gd name="adj" fmla="val 50000"/>
               </a:avLst>
             </a:prstGeom>
             <a:solidFill>
@@ -2265,12 +2287,12 @@
             </a:ln>
           </p:spPr>
           <p:txBody>
-            <a:bodyPr anchorCtr="0" anchor="ctr" bIns="91425" lIns="91425" spcFirstLastPara="1" rIns="91425" wrap="square" tIns="91425">
+            <a:bodyPr spcFirstLastPara="1" wrap="square" lIns="91425" tIns="91425" rIns="91425" bIns="91425" anchor="ctr" anchorCtr="0">
               <a:noAutofit/>
             </a:bodyPr>
             <a:lstStyle/>
             <a:p>
-              <a:pPr indent="0" lvl="0" marL="0" rtl="0" algn="l">
+              <a:pPr marL="0" lvl="0" indent="0" algn="l" rtl="0">
                 <a:spcBef>
                   <a:spcPts val="0"/>
                 </a:spcBef>
@@ -2279,9 +2301,6 @@
                 </a:spcAft>
                 <a:buNone/>
               </a:pPr>
-              <a:r>
-                <a:t/>
-              </a:r>
               <a:endParaRPr/>
             </a:p>
           </p:txBody>
@@ -2299,7 +2318,7 @@
             </a:xfrm>
             <a:prstGeom prst="diagStripe">
               <a:avLst>
-                <a:gd fmla="val 50000" name="adj"/>
+                <a:gd name="adj" fmla="val 50000"/>
               </a:avLst>
             </a:prstGeom>
             <a:solidFill>
@@ -2310,12 +2329,12 @@
             </a:ln>
           </p:spPr>
           <p:txBody>
-            <a:bodyPr anchorCtr="0" anchor="ctr" bIns="91425" lIns="91425" spcFirstLastPara="1" rIns="91425" wrap="square" tIns="91425">
+            <a:bodyPr spcFirstLastPara="1" wrap="square" lIns="91425" tIns="91425" rIns="91425" bIns="91425" anchor="ctr" anchorCtr="0">
               <a:noAutofit/>
             </a:bodyPr>
             <a:lstStyle/>
             <a:p>
-              <a:pPr indent="0" lvl="0" marL="0" rtl="0" algn="l">
+              <a:pPr marL="0" lvl="0" indent="0" algn="l" rtl="0">
                 <a:spcBef>
                   <a:spcPts val="0"/>
                 </a:spcBef>
@@ -2324,9 +2343,6 @@
                 </a:spcAft>
                 <a:buNone/>
               </a:pPr>
-              <a:r>
-                <a:t/>
-              </a:r>
               <a:endParaRPr/>
             </a:p>
           </p:txBody>
@@ -2344,7 +2360,7 @@
             </a:xfrm>
             <a:prstGeom prst="diagStripe">
               <a:avLst>
-                <a:gd fmla="val 50000" name="adj"/>
+                <a:gd name="adj" fmla="val 50000"/>
               </a:avLst>
             </a:prstGeom>
             <a:solidFill>
@@ -2357,12 +2373,12 @@
             </a:ln>
           </p:spPr>
           <p:txBody>
-            <a:bodyPr anchorCtr="0" anchor="ctr" bIns="91425" lIns="91425" spcFirstLastPara="1" rIns="91425" wrap="square" tIns="91425">
+            <a:bodyPr spcFirstLastPara="1" wrap="square" lIns="91425" tIns="91425" rIns="91425" bIns="91425" anchor="ctr" anchorCtr="0">
               <a:noAutofit/>
             </a:bodyPr>
             <a:lstStyle/>
             <a:p>
-              <a:pPr indent="0" lvl="0" marL="0" rtl="0" algn="l">
+              <a:pPr marL="0" lvl="0" indent="0" algn="l" rtl="0">
                 <a:spcBef>
                   <a:spcPts val="0"/>
                 </a:spcBef>
@@ -2371,9 +2387,6 @@
                 </a:spcAft>
                 <a:buNone/>
               </a:pPr>
-              <a:r>
-                <a:t/>
-              </a:r>
               <a:endParaRPr/>
             </a:p>
           </p:txBody>
@@ -2391,7 +2404,7 @@
             </a:xfrm>
             <a:prstGeom prst="diagStripe">
               <a:avLst>
-                <a:gd fmla="val 50000" name="adj"/>
+                <a:gd name="adj" fmla="val 50000"/>
               </a:avLst>
             </a:prstGeom>
             <a:solidFill>
@@ -2404,12 +2417,12 @@
             </a:ln>
           </p:spPr>
           <p:txBody>
-            <a:bodyPr anchorCtr="0" anchor="ctr" bIns="91425" lIns="91425" spcFirstLastPara="1" rIns="91425" wrap="square" tIns="91425">
+            <a:bodyPr spcFirstLastPara="1" wrap="square" lIns="91425" tIns="91425" rIns="91425" bIns="91425" anchor="ctr" anchorCtr="0">
               <a:noAutofit/>
             </a:bodyPr>
             <a:lstStyle/>
             <a:p>
-              <a:pPr indent="0" lvl="0" marL="0" rtl="0" algn="l">
+              <a:pPr marL="0" lvl="0" indent="0" algn="l" rtl="0">
                 <a:spcBef>
                   <a:spcPts val="0"/>
                 </a:spcBef>
@@ -2418,9 +2431,6 @@
                 </a:spcAft>
                 <a:buNone/>
               </a:pPr>
-              <a:r>
-                <a:t/>
-              </a:r>
               <a:endParaRPr/>
             </a:p>
           </p:txBody>
@@ -2438,7 +2448,7 @@
             </a:xfrm>
             <a:prstGeom prst="diagStripe">
               <a:avLst>
-                <a:gd fmla="val 50000" name="adj"/>
+                <a:gd name="adj" fmla="val 50000"/>
               </a:avLst>
             </a:prstGeom>
             <a:solidFill>
@@ -2451,12 +2461,12 @@
             </a:ln>
           </p:spPr>
           <p:txBody>
-            <a:bodyPr anchorCtr="0" anchor="ctr" bIns="91425" lIns="91425" spcFirstLastPara="1" rIns="91425" wrap="square" tIns="91425">
+            <a:bodyPr spcFirstLastPara="1" wrap="square" lIns="91425" tIns="91425" rIns="91425" bIns="91425" anchor="ctr" anchorCtr="0">
               <a:noAutofit/>
             </a:bodyPr>
             <a:lstStyle/>
             <a:p>
-              <a:pPr indent="0" lvl="0" marL="0" rtl="0" algn="l">
+              <a:pPr marL="0" lvl="0" indent="0" algn="l" rtl="0">
                 <a:spcBef>
                   <a:spcPts val="0"/>
                 </a:spcBef>
@@ -2465,9 +2475,6 @@
                 </a:spcAft>
                 <a:buNone/>
               </a:pPr>
-              <a:r>
-                <a:t/>
-              </a:r>
               <a:endParaRPr/>
             </a:p>
           </p:txBody>
@@ -2485,7 +2492,7 @@
             </a:xfrm>
             <a:prstGeom prst="diagStripe">
               <a:avLst>
-                <a:gd fmla="val 50000" name="adj"/>
+                <a:gd name="adj" fmla="val 50000"/>
               </a:avLst>
             </a:prstGeom>
             <a:solidFill>
@@ -2498,12 +2505,12 @@
             </a:ln>
           </p:spPr>
           <p:txBody>
-            <a:bodyPr anchorCtr="0" anchor="ctr" bIns="91425" lIns="91425" spcFirstLastPara="1" rIns="91425" wrap="square" tIns="91425">
+            <a:bodyPr spcFirstLastPara="1" wrap="square" lIns="91425" tIns="91425" rIns="91425" bIns="91425" anchor="ctr" anchorCtr="0">
               <a:noAutofit/>
             </a:bodyPr>
             <a:lstStyle/>
             <a:p>
-              <a:pPr indent="0" lvl="0" marL="0" rtl="0" algn="l">
+              <a:pPr marL="0" lvl="0" indent="0" algn="l" rtl="0">
                 <a:spcBef>
                   <a:spcPts val="0"/>
                 </a:spcBef>
@@ -2512,9 +2519,6 @@
                 </a:spcAft>
                 <a:buNone/>
               </a:pPr>
-              <a:r>
-                <a:t/>
-              </a:r>
               <a:endParaRPr/>
             </a:p>
           </p:txBody>
@@ -2532,7 +2536,7 @@
             </a:xfrm>
             <a:prstGeom prst="diagStripe">
               <a:avLst>
-                <a:gd fmla="val 50000" name="adj"/>
+                <a:gd name="adj" fmla="val 50000"/>
               </a:avLst>
             </a:prstGeom>
             <a:solidFill>
@@ -2545,12 +2549,12 @@
             </a:ln>
           </p:spPr>
           <p:txBody>
-            <a:bodyPr anchorCtr="0" anchor="ctr" bIns="91425" lIns="91425" spcFirstLastPara="1" rIns="91425" wrap="square" tIns="91425">
+            <a:bodyPr spcFirstLastPara="1" wrap="square" lIns="91425" tIns="91425" rIns="91425" bIns="91425" anchor="ctr" anchorCtr="0">
               <a:noAutofit/>
             </a:bodyPr>
             <a:lstStyle/>
             <a:p>
-              <a:pPr indent="0" lvl="0" marL="0" rtl="0" algn="l">
+              <a:pPr marL="0" lvl="0" indent="0" algn="l" rtl="0">
                 <a:spcBef>
                   <a:spcPts val="0"/>
                 </a:spcBef>
@@ -2559,9 +2563,6 @@
                 </a:spcAft>
                 <a:buNone/>
               </a:pPr>
-              <a:r>
-                <a:t/>
-              </a:r>
               <a:endParaRPr/>
             </a:p>
           </p:txBody>
@@ -2579,7 +2580,7 @@
             </a:xfrm>
             <a:prstGeom prst="diagStripe">
               <a:avLst>
-                <a:gd fmla="val 50000" name="adj"/>
+                <a:gd name="adj" fmla="val 50000"/>
               </a:avLst>
             </a:prstGeom>
             <a:solidFill>
@@ -2590,12 +2591,12 @@
             </a:ln>
           </p:spPr>
           <p:txBody>
-            <a:bodyPr anchorCtr="0" anchor="ctr" bIns="91425" lIns="91425" spcFirstLastPara="1" rIns="91425" wrap="square" tIns="91425">
+            <a:bodyPr spcFirstLastPara="1" wrap="square" lIns="91425" tIns="91425" rIns="91425" bIns="91425" anchor="ctr" anchorCtr="0">
               <a:noAutofit/>
             </a:bodyPr>
             <a:lstStyle/>
             <a:p>
-              <a:pPr indent="0" lvl="0" marL="0" rtl="0" algn="l">
+              <a:pPr marL="0" lvl="0" indent="0" algn="l" rtl="0">
                 <a:spcBef>
                   <a:spcPts val="0"/>
                 </a:spcBef>
@@ -2604,9 +2605,6 @@
                 </a:spcAft>
                 <a:buNone/>
               </a:pPr>
-              <a:r>
-                <a:t/>
-              </a:r>
               <a:endParaRPr/>
             </a:p>
           </p:txBody>
@@ -2624,7 +2622,7 @@
             </a:xfrm>
             <a:prstGeom prst="diagStripe">
               <a:avLst>
-                <a:gd fmla="val 50000" name="adj"/>
+                <a:gd name="adj" fmla="val 50000"/>
               </a:avLst>
             </a:prstGeom>
             <a:solidFill>
@@ -2637,12 +2635,12 @@
             </a:ln>
           </p:spPr>
           <p:txBody>
-            <a:bodyPr anchorCtr="0" anchor="ctr" bIns="91425" lIns="91425" spcFirstLastPara="1" rIns="91425" wrap="square" tIns="91425">
+            <a:bodyPr spcFirstLastPara="1" wrap="square" lIns="91425" tIns="91425" rIns="91425" bIns="91425" anchor="ctr" anchorCtr="0">
               <a:noAutofit/>
             </a:bodyPr>
             <a:lstStyle/>
             <a:p>
-              <a:pPr indent="0" lvl="0" marL="0" rtl="0" algn="l">
+              <a:pPr marL="0" lvl="0" indent="0" algn="l" rtl="0">
                 <a:spcBef>
                   <a:spcPts val="0"/>
                 </a:spcBef>
@@ -2651,9 +2649,6 @@
                 </a:spcAft>
                 <a:buNone/>
               </a:pPr>
-              <a:r>
-                <a:t/>
-              </a:r>
               <a:endParaRPr/>
             </a:p>
           </p:txBody>
@@ -2671,7 +2666,7 @@
             </a:xfrm>
             <a:prstGeom prst="diagStripe">
               <a:avLst>
-                <a:gd fmla="val 50000" name="adj"/>
+                <a:gd name="adj" fmla="val 50000"/>
               </a:avLst>
             </a:prstGeom>
             <a:solidFill>
@@ -2684,12 +2679,12 @@
             </a:ln>
           </p:spPr>
           <p:txBody>
-            <a:bodyPr anchorCtr="0" anchor="ctr" bIns="91425" lIns="91425" spcFirstLastPara="1" rIns="91425" wrap="square" tIns="91425">
+            <a:bodyPr spcFirstLastPara="1" wrap="square" lIns="91425" tIns="91425" rIns="91425" bIns="91425" anchor="ctr" anchorCtr="0">
               <a:noAutofit/>
             </a:bodyPr>
             <a:lstStyle/>
             <a:p>
-              <a:pPr indent="0" lvl="0" marL="0" rtl="0" algn="l">
+              <a:pPr marL="0" lvl="0" indent="0" algn="l" rtl="0">
                 <a:spcBef>
                   <a:spcPts val="0"/>
                 </a:spcBef>
@@ -2698,9 +2693,6 @@
                 </a:spcAft>
                 <a:buNone/>
               </a:pPr>
-              <a:r>
-                <a:t/>
-              </a:r>
               <a:endParaRPr/>
             </a:p>
           </p:txBody>
@@ -2718,7 +2710,7 @@
             </a:xfrm>
             <a:prstGeom prst="diagStripe">
               <a:avLst>
-                <a:gd fmla="val 50000" name="adj"/>
+                <a:gd name="adj" fmla="val 50000"/>
               </a:avLst>
             </a:prstGeom>
             <a:solidFill>
@@ -2731,12 +2723,12 @@
             </a:ln>
           </p:spPr>
           <p:txBody>
-            <a:bodyPr anchorCtr="0" anchor="ctr" bIns="91425" lIns="91425" spcFirstLastPara="1" rIns="91425" wrap="square" tIns="91425">
+            <a:bodyPr spcFirstLastPara="1" wrap="square" lIns="91425" tIns="91425" rIns="91425" bIns="91425" anchor="ctr" anchorCtr="0">
               <a:noAutofit/>
             </a:bodyPr>
             <a:lstStyle/>
             <a:p>
-              <a:pPr indent="0" lvl="0" marL="0" rtl="0" algn="l">
+              <a:pPr marL="0" lvl="0" indent="0" algn="l" rtl="0">
                 <a:spcBef>
                   <a:spcPts val="0"/>
                 </a:spcBef>
@@ -2745,9 +2737,6 @@
                 </a:spcAft>
                 <a:buNone/>
               </a:pPr>
-              <a:r>
-                <a:t/>
-              </a:r>
               <a:endParaRPr/>
             </a:p>
           </p:txBody>
@@ -2765,7 +2754,7 @@
             </a:xfrm>
             <a:prstGeom prst="diagStripe">
               <a:avLst>
-                <a:gd fmla="val 50000" name="adj"/>
+                <a:gd name="adj" fmla="val 50000"/>
               </a:avLst>
             </a:prstGeom>
             <a:solidFill>
@@ -2778,12 +2767,12 @@
             </a:ln>
           </p:spPr>
           <p:txBody>
-            <a:bodyPr anchorCtr="0" anchor="ctr" bIns="91425" lIns="91425" spcFirstLastPara="1" rIns="91425" wrap="square" tIns="91425">
+            <a:bodyPr spcFirstLastPara="1" wrap="square" lIns="91425" tIns="91425" rIns="91425" bIns="91425" anchor="ctr" anchorCtr="0">
               <a:noAutofit/>
             </a:bodyPr>
             <a:lstStyle/>
             <a:p>
-              <a:pPr indent="0" lvl="0" marL="0" rtl="0" algn="l">
+              <a:pPr marL="0" lvl="0" indent="0" algn="l" rtl="0">
                 <a:spcBef>
                   <a:spcPts val="0"/>
                 </a:spcBef>
@@ -2792,9 +2781,6 @@
                 </a:spcAft>
                 <a:buNone/>
               </a:pPr>
-              <a:r>
-                <a:t/>
-              </a:r>
               <a:endParaRPr/>
             </a:p>
           </p:txBody>
@@ -2803,9 +2789,11 @@
       <p:sp>
         <p:nvSpPr>
           <p:cNvPr id="125" name="Google Shape;125;p11"/>
-          <p:cNvSpPr txBox="1"/>
+          <p:cNvSpPr txBox="1">
+            <a:spLocks noGrp="1"/>
+          </p:cNvSpPr>
           <p:nvPr>
-            <p:ph hasCustomPrompt="1" type="title"/>
+            <p:ph type="title" hasCustomPrompt="1"/>
           </p:nvPr>
         </p:nvSpPr>
         <p:spPr>
@@ -2818,7 +2806,7 @@
           </a:prstGeom>
         </p:spPr>
         <p:txBody>
-          <a:bodyPr anchorCtr="0" anchor="t" bIns="91425" lIns="91425" spcFirstLastPara="1" rIns="91425" wrap="square" tIns="91425">
+          <a:bodyPr spcFirstLastPara="1" wrap="square" lIns="91425" tIns="91425" rIns="91425" bIns="91425" anchor="t" anchorCtr="0">
             <a:normAutofit/>
           </a:bodyPr>
           <a:lstStyle>
@@ -2932,9 +2920,11 @@
       <p:sp>
         <p:nvSpPr>
           <p:cNvPr id="126" name="Google Shape;126;p11"/>
-          <p:cNvSpPr txBox="1"/>
+          <p:cNvSpPr txBox="1">
+            <a:spLocks noGrp="1"/>
+          </p:cNvSpPr>
           <p:nvPr>
-            <p:ph idx="1" type="body"/>
+            <p:ph type="body" idx="1"/>
           </p:nvPr>
         </p:nvSpPr>
         <p:spPr>
@@ -2947,11 +2937,11 @@
           </a:prstGeom>
         </p:spPr>
         <p:txBody>
-          <a:bodyPr anchorCtr="0" anchor="t" bIns="91425" lIns="91425" spcFirstLastPara="1" rIns="91425" wrap="square" tIns="91425">
+          <a:bodyPr spcFirstLastPara="1" wrap="square" lIns="91425" tIns="91425" rIns="91425" bIns="91425" anchor="t" anchorCtr="0">
             <a:normAutofit/>
           </a:bodyPr>
           <a:lstStyle>
-            <a:lvl1pPr indent="-311150" lvl="0" marL="457200">
+            <a:lvl1pPr marL="457200" lvl="0" indent="-311150">
               <a:spcBef>
                 <a:spcPts val="0"/>
               </a:spcBef>
@@ -2962,7 +2952,7 @@
               <a:buChar char="●"/>
               <a:defRPr/>
             </a:lvl1pPr>
-            <a:lvl2pPr indent="-298450" lvl="1" marL="914400">
+            <a:lvl2pPr marL="914400" lvl="1" indent="-298450">
               <a:spcBef>
                 <a:spcPts val="0"/>
               </a:spcBef>
@@ -2973,7 +2963,7 @@
               <a:buChar char="○"/>
               <a:defRPr/>
             </a:lvl2pPr>
-            <a:lvl3pPr indent="-298450" lvl="2" marL="1371600">
+            <a:lvl3pPr marL="1371600" lvl="2" indent="-298450">
               <a:spcBef>
                 <a:spcPts val="0"/>
               </a:spcBef>
@@ -2984,7 +2974,7 @@
               <a:buChar char="■"/>
               <a:defRPr/>
             </a:lvl3pPr>
-            <a:lvl4pPr indent="-298450" lvl="3" marL="1828800">
+            <a:lvl4pPr marL="1828800" lvl="3" indent="-298450">
               <a:spcBef>
                 <a:spcPts val="0"/>
               </a:spcBef>
@@ -2995,7 +2985,7 @@
               <a:buChar char="●"/>
               <a:defRPr/>
             </a:lvl4pPr>
-            <a:lvl5pPr indent="-298450" lvl="4" marL="2286000">
+            <a:lvl5pPr marL="2286000" lvl="4" indent="-298450">
               <a:spcBef>
                 <a:spcPts val="0"/>
               </a:spcBef>
@@ -3006,7 +2996,7 @@
               <a:buChar char="○"/>
               <a:defRPr/>
             </a:lvl5pPr>
-            <a:lvl6pPr indent="-298450" lvl="5" marL="2743200">
+            <a:lvl6pPr marL="2743200" lvl="5" indent="-298450">
               <a:spcBef>
                 <a:spcPts val="0"/>
               </a:spcBef>
@@ -3017,7 +3007,7 @@
               <a:buChar char="■"/>
               <a:defRPr/>
             </a:lvl6pPr>
-            <a:lvl7pPr indent="-298450" lvl="6" marL="3200400">
+            <a:lvl7pPr marL="3200400" lvl="6" indent="-298450">
               <a:spcBef>
                 <a:spcPts val="0"/>
               </a:spcBef>
@@ -3028,7 +3018,7 @@
               <a:buChar char="●"/>
               <a:defRPr/>
             </a:lvl7pPr>
-            <a:lvl8pPr indent="-298450" lvl="7" marL="3657600">
+            <a:lvl8pPr marL="3657600" lvl="7" indent="-298450">
               <a:spcBef>
                 <a:spcPts val="0"/>
               </a:spcBef>
@@ -3039,7 +3029,7 @@
               <a:buChar char="○"/>
               <a:defRPr/>
             </a:lvl8pPr>
-            <a:lvl9pPr indent="-298450" lvl="8" marL="4114800">
+            <a:lvl9pPr marL="4114800" lvl="8" indent="-298450">
               <a:spcBef>
                 <a:spcPts val="0"/>
               </a:spcBef>
@@ -3051,15 +3041,19 @@
               <a:defRPr/>
             </a:lvl9pPr>
           </a:lstStyle>
-          <a:p/>
+          <a:p>
+            <a:endParaRPr/>
+          </a:p>
         </p:txBody>
       </p:sp>
       <p:sp>
         <p:nvSpPr>
           <p:cNvPr id="127" name="Google Shape;127;p11"/>
-          <p:cNvSpPr txBox="1"/>
+          <p:cNvSpPr txBox="1">
+            <a:spLocks noGrp="1"/>
+          </p:cNvSpPr>
           <p:nvPr>
-            <p:ph idx="12" type="sldNum"/>
+            <p:ph type="sldNum" idx="12"/>
           </p:nvPr>
         </p:nvSpPr>
         <p:spPr>
@@ -3072,7 +3066,7 @@
           </a:prstGeom>
         </p:spPr>
         <p:txBody>
-          <a:bodyPr anchorCtr="0" anchor="ctr" bIns="91425" lIns="91425" spcFirstLastPara="1" rIns="91425" wrap="square" tIns="91425">
+          <a:bodyPr spcFirstLastPara="1" wrap="square" lIns="91425" tIns="91425" rIns="91425" bIns="91425" anchor="ctr" anchorCtr="0">
             <a:normAutofit/>
           </a:bodyPr>
           <a:lstStyle>
@@ -3114,7 +3108,7 @@
             </a:lvl9pPr>
           </a:lstStyle>
           <a:p>
-            <a:pPr indent="0" lvl="0" marL="0" rtl="0" algn="r">
+            <a:pPr marL="0" lvl="0" indent="0" algn="r" rtl="0">
               <a:spcBef>
                 <a:spcPts val="0"/>
               </a:spcBef>
@@ -3140,11 +3134,11 @@
 </file>
 
 <file path=ppt/slideLayouts/slideLayout11.xml><?xml version="1.0" encoding="utf-8"?>
-<p:sldLayout xmlns:a="http://schemas.openxmlformats.org/drawingml/2006/main" xmlns:r="http://schemas.openxmlformats.org/officeDocument/2006/relationships" xmlns:mc="http://schemas.openxmlformats.org/markup-compatibility/2006" xmlns:mv="urn:schemas-microsoft-com:mac:vml" xmlns:p="http://schemas.openxmlformats.org/presentationml/2006/main" xmlns:c="http://schemas.openxmlformats.org/drawingml/2006/chart" xmlns:dgm="http://schemas.openxmlformats.org/drawingml/2006/diagram" xmlns:o="urn:schemas-microsoft-com:office:office" xmlns:v="urn:schemas-microsoft-com:vml" xmlns:pvml="urn:schemas-microsoft-com:office:powerpoint" xmlns:com="http://schemas.openxmlformats.org/drawingml/2006/compatibility" xmlns:p14="http://schemas.microsoft.com/office/powerpoint/2010/main" xmlns:p15="http://schemas.microsoft.com/office/powerpoint/2012/main" xmlns:ahyp="http://schemas.microsoft.com/office/drawing/2018/hyperlinkcolor" matchingName="Blank" type="blank">
+<p:sldLayout xmlns:a="http://schemas.openxmlformats.org/drawingml/2006/main" xmlns:r="http://schemas.openxmlformats.org/officeDocument/2006/relationships" xmlns:p="http://schemas.openxmlformats.org/presentationml/2006/main" matchingName="Blank" type="blank">
   <p:cSld name="BLANK">
     <p:spTree>
       <p:nvGrpSpPr>
-        <p:cNvPr id="128" name="Shape 128"/>
+        <p:cNvPr id="1" name="Shape 128"/>
         <p:cNvGrpSpPr/>
         <p:nvPr/>
       </p:nvGrpSpPr>
@@ -3159,9 +3153,11 @@
       <p:sp>
         <p:nvSpPr>
           <p:cNvPr id="129" name="Google Shape;129;p12"/>
-          <p:cNvSpPr txBox="1"/>
+          <p:cNvSpPr txBox="1">
+            <a:spLocks noGrp="1"/>
+          </p:cNvSpPr>
           <p:nvPr>
-            <p:ph idx="12" type="sldNum"/>
+            <p:ph type="sldNum" idx="12"/>
           </p:nvPr>
         </p:nvSpPr>
         <p:spPr>
@@ -3174,7 +3170,7 @@
           </a:prstGeom>
         </p:spPr>
         <p:txBody>
-          <a:bodyPr anchorCtr="0" anchor="ctr" bIns="91425" lIns="91425" spcFirstLastPara="1" rIns="91425" wrap="square" tIns="91425">
+          <a:bodyPr spcFirstLastPara="1" wrap="square" lIns="91425" tIns="91425" rIns="91425" bIns="91425" anchor="ctr" anchorCtr="0">
             <a:normAutofit/>
           </a:bodyPr>
           <a:lstStyle>
@@ -3216,7 +3212,7 @@
             </a:lvl9pPr>
           </a:lstStyle>
           <a:p>
-            <a:pPr indent="0" lvl="0" marL="0" rtl="0" algn="r">
+            <a:pPr marL="0" lvl="0" indent="0" algn="r" rtl="0">
               <a:spcBef>
                 <a:spcPts val="0"/>
               </a:spcBef>
@@ -3242,11 +3238,11 @@
 </file>
 
 <file path=ppt/slideLayouts/slideLayout2.xml><?xml version="1.0" encoding="utf-8"?>
-<p:sldLayout xmlns:a="http://schemas.openxmlformats.org/drawingml/2006/main" xmlns:r="http://schemas.openxmlformats.org/officeDocument/2006/relationships" xmlns:mc="http://schemas.openxmlformats.org/markup-compatibility/2006" xmlns:mv="urn:schemas-microsoft-com:mac:vml" xmlns:p="http://schemas.openxmlformats.org/presentationml/2006/main" xmlns:c="http://schemas.openxmlformats.org/drawingml/2006/chart" xmlns:dgm="http://schemas.openxmlformats.org/drawingml/2006/diagram" xmlns:o="urn:schemas-microsoft-com:office:office" xmlns:v="urn:schemas-microsoft-com:vml" xmlns:pvml="urn:schemas-microsoft-com:office:powerpoint" xmlns:com="http://schemas.openxmlformats.org/drawingml/2006/compatibility" xmlns:p14="http://schemas.microsoft.com/office/powerpoint/2010/main" xmlns:p15="http://schemas.microsoft.com/office/powerpoint/2012/main" xmlns:ahyp="http://schemas.microsoft.com/office/drawing/2018/hyperlinkcolor" matchingName="Section header" type="secHead">
+<p:sldLayout xmlns:a="http://schemas.openxmlformats.org/drawingml/2006/main" xmlns:r="http://schemas.openxmlformats.org/officeDocument/2006/relationships" xmlns:p="http://schemas.openxmlformats.org/presentationml/2006/main" matchingName="Section header" type="secHead">
   <p:cSld name="SECTION_HEADER">
     <p:spTree>
       <p:nvGrpSpPr>
-        <p:cNvPr id="19" name="Shape 19"/>
+        <p:cNvPr id="1" name="Shape 19"/>
         <p:cNvGrpSpPr/>
         <p:nvPr/>
       </p:nvGrpSpPr>
@@ -3285,7 +3281,7 @@
             </a:xfrm>
             <a:prstGeom prst="diagStripe">
               <a:avLst>
-                <a:gd fmla="val 49469" name="adj"/>
+                <a:gd name="adj" fmla="val 49469"/>
               </a:avLst>
             </a:prstGeom>
             <a:solidFill>
@@ -3298,12 +3294,12 @@
             </a:ln>
           </p:spPr>
           <p:txBody>
-            <a:bodyPr anchorCtr="0" anchor="ctr" bIns="91425" lIns="91425" spcFirstLastPara="1" rIns="91425" wrap="square" tIns="91425">
+            <a:bodyPr spcFirstLastPara="1" wrap="square" lIns="91425" tIns="91425" rIns="91425" bIns="91425" anchor="ctr" anchorCtr="0">
               <a:noAutofit/>
             </a:bodyPr>
             <a:lstStyle/>
             <a:p>
-              <a:pPr indent="0" lvl="0" marL="0" rtl="0" algn="l">
+              <a:pPr marL="0" lvl="0" indent="0" algn="l" rtl="0">
                 <a:spcBef>
                   <a:spcPts val="0"/>
                 </a:spcBef>
@@ -3312,9 +3308,6 @@
                 </a:spcAft>
                 <a:buNone/>
               </a:pPr>
-              <a:r>
-                <a:t/>
-              </a:r>
               <a:endParaRPr/>
             </a:p>
           </p:txBody>
@@ -3332,7 +3325,7 @@
             </a:xfrm>
             <a:prstGeom prst="diagStripe">
               <a:avLst>
-                <a:gd fmla="val 0" name="adj"/>
+                <a:gd name="adj" fmla="val 0"/>
               </a:avLst>
             </a:prstGeom>
             <a:solidFill>
@@ -3345,12 +3338,12 @@
             </a:ln>
           </p:spPr>
           <p:txBody>
-            <a:bodyPr anchorCtr="0" anchor="ctr" bIns="91425" lIns="91425" spcFirstLastPara="1" rIns="91425" wrap="square" tIns="91425">
+            <a:bodyPr spcFirstLastPara="1" wrap="square" lIns="91425" tIns="91425" rIns="91425" bIns="91425" anchor="ctr" anchorCtr="0">
               <a:noAutofit/>
             </a:bodyPr>
             <a:lstStyle/>
             <a:p>
-              <a:pPr indent="0" lvl="0" marL="0" rtl="0" algn="l">
+              <a:pPr marL="0" lvl="0" indent="0" algn="l" rtl="0">
                 <a:spcBef>
                   <a:spcPts val="0"/>
                 </a:spcBef>
@@ -3359,9 +3352,6 @@
                 </a:spcAft>
                 <a:buNone/>
               </a:pPr>
-              <a:r>
-                <a:t/>
-              </a:r>
               <a:endParaRPr/>
             </a:p>
           </p:txBody>
@@ -3379,7 +3369,7 @@
             </a:xfrm>
             <a:prstGeom prst="diagStripe">
               <a:avLst>
-                <a:gd fmla="val 50000" name="adj"/>
+                <a:gd name="adj" fmla="val 50000"/>
               </a:avLst>
             </a:prstGeom>
             <a:solidFill>
@@ -3392,12 +3382,12 @@
             </a:ln>
           </p:spPr>
           <p:txBody>
-            <a:bodyPr anchorCtr="0" anchor="ctr" bIns="91425" lIns="91425" spcFirstLastPara="1" rIns="91425" wrap="square" tIns="91425">
+            <a:bodyPr spcFirstLastPara="1" wrap="square" lIns="91425" tIns="91425" rIns="91425" bIns="91425" anchor="ctr" anchorCtr="0">
               <a:noAutofit/>
             </a:bodyPr>
             <a:lstStyle/>
             <a:p>
-              <a:pPr indent="0" lvl="0" marL="0" rtl="0" algn="l">
+              <a:pPr marL="0" lvl="0" indent="0" algn="l" rtl="0">
                 <a:spcBef>
                   <a:spcPts val="0"/>
                 </a:spcBef>
@@ -3406,9 +3396,6 @@
                 </a:spcAft>
                 <a:buNone/>
               </a:pPr>
-              <a:r>
-                <a:t/>
-              </a:r>
               <a:endParaRPr/>
             </a:p>
           </p:txBody>
@@ -3426,7 +3413,7 @@
             </a:xfrm>
             <a:prstGeom prst="diagStripe">
               <a:avLst>
-                <a:gd fmla="val 50000" name="adj"/>
+                <a:gd name="adj" fmla="val 50000"/>
               </a:avLst>
             </a:prstGeom>
             <a:solidFill>
@@ -3439,12 +3426,12 @@
             </a:ln>
           </p:spPr>
           <p:txBody>
-            <a:bodyPr anchorCtr="0" anchor="ctr" bIns="91425" lIns="91425" spcFirstLastPara="1" rIns="91425" wrap="square" tIns="91425">
+            <a:bodyPr spcFirstLastPara="1" wrap="square" lIns="91425" tIns="91425" rIns="91425" bIns="91425" anchor="ctr" anchorCtr="0">
               <a:noAutofit/>
             </a:bodyPr>
             <a:lstStyle/>
             <a:p>
-              <a:pPr indent="0" lvl="0" marL="0" rtl="0" algn="l">
+              <a:pPr marL="0" lvl="0" indent="0" algn="l" rtl="0">
                 <a:spcBef>
                   <a:spcPts val="0"/>
                 </a:spcBef>
@@ -3453,9 +3440,6 @@
                 </a:spcAft>
                 <a:buNone/>
               </a:pPr>
-              <a:r>
-                <a:t/>
-              </a:r>
               <a:endParaRPr/>
             </a:p>
           </p:txBody>
@@ -3473,7 +3457,7 @@
             </a:xfrm>
             <a:prstGeom prst="diagStripe">
               <a:avLst>
-                <a:gd fmla="val 50000" name="adj"/>
+                <a:gd name="adj" fmla="val 50000"/>
               </a:avLst>
             </a:prstGeom>
             <a:solidFill>
@@ -3486,12 +3470,12 @@
             </a:ln>
           </p:spPr>
           <p:txBody>
-            <a:bodyPr anchorCtr="0" anchor="ctr" bIns="91425" lIns="91425" spcFirstLastPara="1" rIns="91425" wrap="square" tIns="91425">
+            <a:bodyPr spcFirstLastPara="1" wrap="square" lIns="91425" tIns="91425" rIns="91425" bIns="91425" anchor="ctr" anchorCtr="0">
               <a:noAutofit/>
             </a:bodyPr>
             <a:lstStyle/>
             <a:p>
-              <a:pPr indent="0" lvl="0" marL="0" rtl="0" algn="l">
+              <a:pPr marL="0" lvl="0" indent="0" algn="l" rtl="0">
                 <a:spcBef>
                   <a:spcPts val="0"/>
                 </a:spcBef>
@@ -3500,9 +3484,6 @@
                 </a:spcAft>
                 <a:buNone/>
               </a:pPr>
-              <a:r>
-                <a:t/>
-              </a:r>
               <a:endParaRPr/>
             </a:p>
           </p:txBody>
@@ -3520,7 +3501,7 @@
             </a:xfrm>
             <a:prstGeom prst="diagStripe">
               <a:avLst>
-                <a:gd fmla="val 50000" name="adj"/>
+                <a:gd name="adj" fmla="val 50000"/>
               </a:avLst>
             </a:prstGeom>
             <a:solidFill>
@@ -3533,12 +3514,12 @@
             </a:ln>
           </p:spPr>
           <p:txBody>
-            <a:bodyPr anchorCtr="0" anchor="ctr" bIns="91425" lIns="91425" spcFirstLastPara="1" rIns="91425" wrap="square" tIns="91425">
+            <a:bodyPr spcFirstLastPara="1" wrap="square" lIns="91425" tIns="91425" rIns="91425" bIns="91425" anchor="ctr" anchorCtr="0">
               <a:noAutofit/>
             </a:bodyPr>
             <a:lstStyle/>
             <a:p>
-              <a:pPr indent="0" lvl="0" marL="0" rtl="0" algn="l">
+              <a:pPr marL="0" lvl="0" indent="0" algn="l" rtl="0">
                 <a:spcBef>
                   <a:spcPts val="0"/>
                 </a:spcBef>
@@ -3547,9 +3528,6 @@
                 </a:spcAft>
                 <a:buNone/>
               </a:pPr>
-              <a:r>
-                <a:t/>
-              </a:r>
               <a:endParaRPr/>
             </a:p>
           </p:txBody>
@@ -3567,7 +3545,7 @@
             </a:xfrm>
             <a:prstGeom prst="diagStripe">
               <a:avLst>
-                <a:gd fmla="val 50000" name="adj"/>
+                <a:gd name="adj" fmla="val 50000"/>
               </a:avLst>
             </a:prstGeom>
             <a:solidFill>
@@ -3580,12 +3558,12 @@
             </a:ln>
           </p:spPr>
           <p:txBody>
-            <a:bodyPr anchorCtr="0" anchor="ctr" bIns="91425" lIns="91425" spcFirstLastPara="1" rIns="91425" wrap="square" tIns="91425">
+            <a:bodyPr spcFirstLastPara="1" wrap="square" lIns="91425" tIns="91425" rIns="91425" bIns="91425" anchor="ctr" anchorCtr="0">
               <a:noAutofit/>
             </a:bodyPr>
             <a:lstStyle/>
             <a:p>
-              <a:pPr indent="0" lvl="0" marL="0" rtl="0" algn="l">
+              <a:pPr marL="0" lvl="0" indent="0" algn="l" rtl="0">
                 <a:spcBef>
                   <a:spcPts val="0"/>
                 </a:spcBef>
@@ -3594,9 +3572,6 @@
                 </a:spcAft>
                 <a:buNone/>
               </a:pPr>
-              <a:r>
-                <a:t/>
-              </a:r>
               <a:endParaRPr/>
             </a:p>
           </p:txBody>
@@ -3614,7 +3589,7 @@
             </a:xfrm>
             <a:prstGeom prst="diagStripe">
               <a:avLst>
-                <a:gd fmla="val 50000" name="adj"/>
+                <a:gd name="adj" fmla="val 50000"/>
               </a:avLst>
             </a:prstGeom>
             <a:solidFill>
@@ -3625,12 +3600,12 @@
             </a:ln>
           </p:spPr>
           <p:txBody>
-            <a:bodyPr anchorCtr="0" anchor="ctr" bIns="91425" lIns="91425" spcFirstLastPara="1" rIns="91425" wrap="square" tIns="91425">
+            <a:bodyPr spcFirstLastPara="1" wrap="square" lIns="91425" tIns="91425" rIns="91425" bIns="91425" anchor="ctr" anchorCtr="0">
               <a:noAutofit/>
             </a:bodyPr>
             <a:lstStyle/>
             <a:p>
-              <a:pPr indent="0" lvl="0" marL="0" rtl="0" algn="l">
+              <a:pPr marL="0" lvl="0" indent="0" algn="l" rtl="0">
                 <a:spcBef>
                   <a:spcPts val="0"/>
                 </a:spcBef>
@@ -3639,9 +3614,6 @@
                 </a:spcAft>
                 <a:buNone/>
               </a:pPr>
-              <a:r>
-                <a:t/>
-              </a:r>
               <a:endParaRPr/>
             </a:p>
           </p:txBody>
@@ -3659,7 +3631,7 @@
             </a:xfrm>
             <a:prstGeom prst="diagStripe">
               <a:avLst>
-                <a:gd fmla="val 50000" name="adj"/>
+                <a:gd name="adj" fmla="val 50000"/>
               </a:avLst>
             </a:prstGeom>
             <a:solidFill>
@@ -3672,12 +3644,12 @@
             </a:ln>
           </p:spPr>
           <p:txBody>
-            <a:bodyPr anchorCtr="0" anchor="ctr" bIns="91425" lIns="91425" spcFirstLastPara="1" rIns="91425" wrap="square" tIns="91425">
+            <a:bodyPr spcFirstLastPara="1" wrap="square" lIns="91425" tIns="91425" rIns="91425" bIns="91425" anchor="ctr" anchorCtr="0">
               <a:noAutofit/>
             </a:bodyPr>
             <a:lstStyle/>
             <a:p>
-              <a:pPr indent="0" lvl="0" marL="0" rtl="0" algn="l">
+              <a:pPr marL="0" lvl="0" indent="0" algn="l" rtl="0">
                 <a:spcBef>
                   <a:spcPts val="0"/>
                 </a:spcBef>
@@ -3686,9 +3658,6 @@
                 </a:spcAft>
                 <a:buNone/>
               </a:pPr>
-              <a:r>
-                <a:t/>
-              </a:r>
               <a:endParaRPr/>
             </a:p>
           </p:txBody>
@@ -3706,7 +3675,7 @@
             </a:xfrm>
             <a:prstGeom prst="diagStripe">
               <a:avLst>
-                <a:gd fmla="val 50000" name="adj"/>
+                <a:gd name="adj" fmla="val 50000"/>
               </a:avLst>
             </a:prstGeom>
             <a:solidFill>
@@ -3719,12 +3688,12 @@
             </a:ln>
           </p:spPr>
           <p:txBody>
-            <a:bodyPr anchorCtr="0" anchor="ctr" bIns="91425" lIns="91425" spcFirstLastPara="1" rIns="91425" wrap="square" tIns="91425">
+            <a:bodyPr spcFirstLastPara="1" wrap="square" lIns="91425" tIns="91425" rIns="91425" bIns="91425" anchor="ctr" anchorCtr="0">
               <a:noAutofit/>
             </a:bodyPr>
             <a:lstStyle/>
             <a:p>
-              <a:pPr indent="0" lvl="0" marL="0" rtl="0" algn="l">
+              <a:pPr marL="0" lvl="0" indent="0" algn="l" rtl="0">
                 <a:spcBef>
                   <a:spcPts val="0"/>
                 </a:spcBef>
@@ -3733,9 +3702,6 @@
                 </a:spcAft>
                 <a:buNone/>
               </a:pPr>
-              <a:r>
-                <a:t/>
-              </a:r>
               <a:endParaRPr/>
             </a:p>
           </p:txBody>
@@ -3753,7 +3719,7 @@
             </a:xfrm>
             <a:prstGeom prst="diagStripe">
               <a:avLst>
-                <a:gd fmla="val 50000" name="adj"/>
+                <a:gd name="adj" fmla="val 50000"/>
               </a:avLst>
             </a:prstGeom>
             <a:solidFill>
@@ -3766,12 +3732,12 @@
             </a:ln>
           </p:spPr>
           <p:txBody>
-            <a:bodyPr anchorCtr="0" anchor="ctr" bIns="91425" lIns="91425" spcFirstLastPara="1" rIns="91425" wrap="square" tIns="91425">
+            <a:bodyPr spcFirstLastPara="1" wrap="square" lIns="91425" tIns="91425" rIns="91425" bIns="91425" anchor="ctr" anchorCtr="0">
               <a:noAutofit/>
             </a:bodyPr>
             <a:lstStyle/>
             <a:p>
-              <a:pPr indent="0" lvl="0" marL="0" rtl="0" algn="l">
+              <a:pPr marL="0" lvl="0" indent="0" algn="l" rtl="0">
                 <a:spcBef>
                   <a:spcPts val="0"/>
                 </a:spcBef>
@@ -3780,9 +3746,6 @@
                 </a:spcAft>
                 <a:buNone/>
               </a:pPr>
-              <a:r>
-                <a:t/>
-              </a:r>
               <a:endParaRPr/>
             </a:p>
           </p:txBody>
@@ -3800,7 +3763,7 @@
             </a:xfrm>
             <a:prstGeom prst="diagStripe">
               <a:avLst>
-                <a:gd fmla="val 50000" name="adj"/>
+                <a:gd name="adj" fmla="val 50000"/>
               </a:avLst>
             </a:prstGeom>
             <a:solidFill>
@@ -3813,12 +3776,12 @@
             </a:ln>
           </p:spPr>
           <p:txBody>
-            <a:bodyPr anchorCtr="0" anchor="ctr" bIns="91425" lIns="91425" spcFirstLastPara="1" rIns="91425" wrap="square" tIns="91425">
+            <a:bodyPr spcFirstLastPara="1" wrap="square" lIns="91425" tIns="91425" rIns="91425" bIns="91425" anchor="ctr" anchorCtr="0">
               <a:noAutofit/>
             </a:bodyPr>
             <a:lstStyle/>
             <a:p>
-              <a:pPr indent="0" lvl="0" marL="0" rtl="0" algn="l">
+              <a:pPr marL="0" lvl="0" indent="0" algn="l" rtl="0">
                 <a:spcBef>
                   <a:spcPts val="0"/>
                 </a:spcBef>
@@ -3827,9 +3790,6 @@
                 </a:spcAft>
                 <a:buNone/>
               </a:pPr>
-              <a:r>
-                <a:t/>
-              </a:r>
               <a:endParaRPr/>
             </a:p>
           </p:txBody>
@@ -3847,7 +3807,7 @@
             </a:xfrm>
             <a:prstGeom prst="diagStripe">
               <a:avLst>
-                <a:gd fmla="val 50000" name="adj"/>
+                <a:gd name="adj" fmla="val 50000"/>
               </a:avLst>
             </a:prstGeom>
             <a:solidFill>
@@ -3860,12 +3820,12 @@
             </a:ln>
           </p:spPr>
           <p:txBody>
-            <a:bodyPr anchorCtr="0" anchor="ctr" bIns="91425" lIns="91425" spcFirstLastPara="1" rIns="91425" wrap="square" tIns="91425">
+            <a:bodyPr spcFirstLastPara="1" wrap="square" lIns="91425" tIns="91425" rIns="91425" bIns="91425" anchor="ctr" anchorCtr="0">
               <a:noAutofit/>
             </a:bodyPr>
             <a:lstStyle/>
             <a:p>
-              <a:pPr indent="0" lvl="0" marL="0" rtl="0" algn="l">
+              <a:pPr marL="0" lvl="0" indent="0" algn="l" rtl="0">
                 <a:spcBef>
                   <a:spcPts val="0"/>
                 </a:spcBef>
@@ -3874,9 +3834,6 @@
                 </a:spcAft>
                 <a:buNone/>
               </a:pPr>
-              <a:r>
-                <a:t/>
-              </a:r>
               <a:endParaRPr/>
             </a:p>
           </p:txBody>
@@ -3894,7 +3851,7 @@
             </a:xfrm>
             <a:prstGeom prst="diagStripe">
               <a:avLst>
-                <a:gd fmla="val 50000" name="adj"/>
+                <a:gd name="adj" fmla="val 50000"/>
               </a:avLst>
             </a:prstGeom>
             <a:solidFill>
@@ -3905,12 +3862,12 @@
             </a:ln>
           </p:spPr>
           <p:txBody>
-            <a:bodyPr anchorCtr="0" anchor="ctr" bIns="91425" lIns="91425" spcFirstLastPara="1" rIns="91425" wrap="square" tIns="91425">
+            <a:bodyPr spcFirstLastPara="1" wrap="square" lIns="91425" tIns="91425" rIns="91425" bIns="91425" anchor="ctr" anchorCtr="0">
               <a:noAutofit/>
             </a:bodyPr>
             <a:lstStyle/>
             <a:p>
-              <a:pPr indent="0" lvl="0" marL="0" rtl="0" algn="l">
+              <a:pPr marL="0" lvl="0" indent="0" algn="l" rtl="0">
                 <a:spcBef>
                   <a:spcPts val="0"/>
                 </a:spcBef>
@@ -3919,9 +3876,6 @@
                 </a:spcAft>
                 <a:buNone/>
               </a:pPr>
-              <a:r>
-                <a:t/>
-              </a:r>
               <a:endParaRPr/>
             </a:p>
           </p:txBody>
@@ -3939,7 +3893,7 @@
             </a:xfrm>
             <a:prstGeom prst="diagStripe">
               <a:avLst>
-                <a:gd fmla="val 50000" name="adj"/>
+                <a:gd name="adj" fmla="val 50000"/>
               </a:avLst>
             </a:prstGeom>
             <a:solidFill>
@@ -3952,12 +3906,12 @@
             </a:ln>
           </p:spPr>
           <p:txBody>
-            <a:bodyPr anchorCtr="0" anchor="ctr" bIns="91425" lIns="91425" spcFirstLastPara="1" rIns="91425" wrap="square" tIns="91425">
+            <a:bodyPr spcFirstLastPara="1" wrap="square" lIns="91425" tIns="91425" rIns="91425" bIns="91425" anchor="ctr" anchorCtr="0">
               <a:noAutofit/>
             </a:bodyPr>
             <a:lstStyle/>
             <a:p>
-              <a:pPr indent="0" lvl="0" marL="0" rtl="0" algn="l">
+              <a:pPr marL="0" lvl="0" indent="0" algn="l" rtl="0">
                 <a:spcBef>
                   <a:spcPts val="0"/>
                 </a:spcBef>
@@ -3966,9 +3920,6 @@
                 </a:spcAft>
                 <a:buNone/>
               </a:pPr>
-              <a:r>
-                <a:t/>
-              </a:r>
               <a:endParaRPr/>
             </a:p>
           </p:txBody>
@@ -3986,7 +3937,7 @@
             </a:xfrm>
             <a:prstGeom prst="diagStripe">
               <a:avLst>
-                <a:gd fmla="val 50000" name="adj"/>
+                <a:gd name="adj" fmla="val 50000"/>
               </a:avLst>
             </a:prstGeom>
             <a:solidFill>
@@ -3999,12 +3950,12 @@
             </a:ln>
           </p:spPr>
           <p:txBody>
-            <a:bodyPr anchorCtr="0" anchor="ctr" bIns="91425" lIns="91425" spcFirstLastPara="1" rIns="91425" wrap="square" tIns="91425">
+            <a:bodyPr spcFirstLastPara="1" wrap="square" lIns="91425" tIns="91425" rIns="91425" bIns="91425" anchor="ctr" anchorCtr="0">
               <a:noAutofit/>
             </a:bodyPr>
             <a:lstStyle/>
             <a:p>
-              <a:pPr indent="0" lvl="0" marL="0" rtl="0" algn="l">
+              <a:pPr marL="0" lvl="0" indent="0" algn="l" rtl="0">
                 <a:spcBef>
                   <a:spcPts val="0"/>
                 </a:spcBef>
@@ -4013,9 +3964,6 @@
                 </a:spcAft>
                 <a:buNone/>
               </a:pPr>
-              <a:r>
-                <a:t/>
-              </a:r>
               <a:endParaRPr/>
             </a:p>
           </p:txBody>
@@ -4033,7 +3981,7 @@
             </a:xfrm>
             <a:prstGeom prst="diagStripe">
               <a:avLst>
-                <a:gd fmla="val 50000" name="adj"/>
+                <a:gd name="adj" fmla="val 50000"/>
               </a:avLst>
             </a:prstGeom>
             <a:solidFill>
@@ -4046,12 +3994,12 @@
             </a:ln>
           </p:spPr>
           <p:txBody>
-            <a:bodyPr anchorCtr="0" anchor="ctr" bIns="91425" lIns="91425" spcFirstLastPara="1" rIns="91425" wrap="square" tIns="91425">
+            <a:bodyPr spcFirstLastPara="1" wrap="square" lIns="91425" tIns="91425" rIns="91425" bIns="91425" anchor="ctr" anchorCtr="0">
               <a:noAutofit/>
             </a:bodyPr>
             <a:lstStyle/>
             <a:p>
-              <a:pPr indent="0" lvl="0" marL="0" rtl="0" algn="l">
+              <a:pPr marL="0" lvl="0" indent="0" algn="l" rtl="0">
                 <a:spcBef>
                   <a:spcPts val="0"/>
                 </a:spcBef>
@@ -4060,9 +4008,6 @@
                 </a:spcAft>
                 <a:buNone/>
               </a:pPr>
-              <a:r>
-                <a:t/>
-              </a:r>
               <a:endParaRPr/>
             </a:p>
           </p:txBody>
@@ -4080,7 +4025,7 @@
             </a:xfrm>
             <a:prstGeom prst="diagStripe">
               <a:avLst>
-                <a:gd fmla="val 50000" name="adj"/>
+                <a:gd name="adj" fmla="val 50000"/>
               </a:avLst>
             </a:prstGeom>
             <a:solidFill>
@@ -4093,12 +4038,12 @@
             </a:ln>
           </p:spPr>
           <p:txBody>
-            <a:bodyPr anchorCtr="0" anchor="ctr" bIns="91425" lIns="91425" spcFirstLastPara="1" rIns="91425" wrap="square" tIns="91425">
+            <a:bodyPr spcFirstLastPara="1" wrap="square" lIns="91425" tIns="91425" rIns="91425" bIns="91425" anchor="ctr" anchorCtr="0">
               <a:noAutofit/>
             </a:bodyPr>
             <a:lstStyle/>
             <a:p>
-              <a:pPr indent="0" lvl="0" marL="0" rtl="0" algn="l">
+              <a:pPr marL="0" lvl="0" indent="0" algn="l" rtl="0">
                 <a:spcBef>
                   <a:spcPts val="0"/>
                 </a:spcBef>
@@ -4107,9 +4052,6 @@
                 </a:spcAft>
                 <a:buNone/>
               </a:pPr>
-              <a:r>
-                <a:t/>
-              </a:r>
               <a:endParaRPr/>
             </a:p>
           </p:txBody>
@@ -4118,7 +4060,9 @@
       <p:sp>
         <p:nvSpPr>
           <p:cNvPr id="39" name="Google Shape;39;p3"/>
-          <p:cNvSpPr txBox="1"/>
+          <p:cNvSpPr txBox="1">
+            <a:spLocks noGrp="1"/>
+          </p:cNvSpPr>
           <p:nvPr>
             <p:ph type="title"/>
           </p:nvPr>
@@ -4133,7 +4077,7 @@
           </a:prstGeom>
         </p:spPr>
         <p:txBody>
-          <a:bodyPr anchorCtr="0" anchor="ctr" bIns="91425" lIns="91425" spcFirstLastPara="1" rIns="91425" wrap="square" tIns="91425">
+          <a:bodyPr spcFirstLastPara="1" wrap="square" lIns="91425" tIns="91425" rIns="91425" bIns="91425" anchor="ctr" anchorCtr="0">
             <a:normAutofit/>
           </a:bodyPr>
           <a:lstStyle>
@@ -4237,15 +4181,19 @@
               <a:defRPr/>
             </a:lvl9pPr>
           </a:lstStyle>
-          <a:p/>
+          <a:p>
+            <a:endParaRPr/>
+          </a:p>
         </p:txBody>
       </p:sp>
       <p:sp>
         <p:nvSpPr>
           <p:cNvPr id="40" name="Google Shape;40;p3"/>
-          <p:cNvSpPr txBox="1"/>
+          <p:cNvSpPr txBox="1">
+            <a:spLocks noGrp="1"/>
+          </p:cNvSpPr>
           <p:nvPr>
-            <p:ph idx="12" type="sldNum"/>
+            <p:ph type="sldNum" idx="12"/>
           </p:nvPr>
         </p:nvSpPr>
         <p:spPr>
@@ -4258,7 +4206,7 @@
           </a:prstGeom>
         </p:spPr>
         <p:txBody>
-          <a:bodyPr anchorCtr="0" anchor="ctr" bIns="91425" lIns="91425" spcFirstLastPara="1" rIns="91425" wrap="square" tIns="91425">
+          <a:bodyPr spcFirstLastPara="1" wrap="square" lIns="91425" tIns="91425" rIns="91425" bIns="91425" anchor="ctr" anchorCtr="0">
             <a:normAutofit/>
           </a:bodyPr>
           <a:lstStyle>
@@ -4300,7 +4248,7 @@
             </a:lvl9pPr>
           </a:lstStyle>
           <a:p>
-            <a:pPr indent="0" lvl="0" marL="0" rtl="0" algn="r">
+            <a:pPr marL="0" lvl="0" indent="0" algn="r" rtl="0">
               <a:spcBef>
                 <a:spcPts val="0"/>
               </a:spcBef>
@@ -4326,11 +4274,11 @@
 </file>
 
 <file path=ppt/slideLayouts/slideLayout3.xml><?xml version="1.0" encoding="utf-8"?>
-<p:sldLayout xmlns:a="http://schemas.openxmlformats.org/drawingml/2006/main" xmlns:r="http://schemas.openxmlformats.org/officeDocument/2006/relationships" xmlns:mc="http://schemas.openxmlformats.org/markup-compatibility/2006" xmlns:mv="urn:schemas-microsoft-com:mac:vml" xmlns:p="http://schemas.openxmlformats.org/presentationml/2006/main" xmlns:c="http://schemas.openxmlformats.org/drawingml/2006/chart" xmlns:dgm="http://schemas.openxmlformats.org/drawingml/2006/diagram" xmlns:o="urn:schemas-microsoft-com:office:office" xmlns:v="urn:schemas-microsoft-com:vml" xmlns:pvml="urn:schemas-microsoft-com:office:powerpoint" xmlns:com="http://schemas.openxmlformats.org/drawingml/2006/compatibility" xmlns:p14="http://schemas.microsoft.com/office/powerpoint/2010/main" xmlns:p15="http://schemas.microsoft.com/office/powerpoint/2012/main" xmlns:ahyp="http://schemas.microsoft.com/office/drawing/2018/hyperlinkcolor" matchingName="Title and body" type="tx">
+<p:sldLayout xmlns:a="http://schemas.openxmlformats.org/drawingml/2006/main" xmlns:r="http://schemas.openxmlformats.org/officeDocument/2006/relationships" xmlns:p="http://schemas.openxmlformats.org/presentationml/2006/main" matchingName="Title and body" type="tx">
   <p:cSld name="TITLE_AND_BODY">
     <p:spTree>
       <p:nvGrpSpPr>
-        <p:cNvPr id="41" name="Shape 41"/>
+        <p:cNvPr id="1" name="Shape 41"/>
         <p:cNvGrpSpPr/>
         <p:nvPr/>
       </p:nvGrpSpPr>
@@ -4369,7 +4317,7 @@
             </a:xfrm>
             <a:prstGeom prst="diagStripe">
               <a:avLst>
-                <a:gd fmla="val 50000" name="adj"/>
+                <a:gd name="adj" fmla="val 50000"/>
               </a:avLst>
             </a:prstGeom>
             <a:solidFill>
@@ -4380,12 +4328,12 @@
             </a:ln>
           </p:spPr>
           <p:txBody>
-            <a:bodyPr anchorCtr="0" anchor="ctr" bIns="91425" lIns="91425" spcFirstLastPara="1" rIns="91425" wrap="square" tIns="91425">
+            <a:bodyPr spcFirstLastPara="1" wrap="square" lIns="91425" tIns="91425" rIns="91425" bIns="91425" anchor="ctr" anchorCtr="0">
               <a:noAutofit/>
             </a:bodyPr>
             <a:lstStyle/>
             <a:p>
-              <a:pPr indent="0" lvl="0" marL="0" rtl="0" algn="l">
+              <a:pPr marL="0" lvl="0" indent="0" algn="l" rtl="0">
                 <a:spcBef>
                   <a:spcPts val="0"/>
                 </a:spcBef>
@@ -4394,9 +4342,6 @@
                 </a:spcAft>
                 <a:buNone/>
               </a:pPr>
-              <a:r>
-                <a:t/>
-              </a:r>
               <a:endParaRPr/>
             </a:p>
           </p:txBody>
@@ -4414,7 +4359,7 @@
             </a:xfrm>
             <a:prstGeom prst="diagStripe">
               <a:avLst>
-                <a:gd fmla="val 50000" name="adj"/>
+                <a:gd name="adj" fmla="val 50000"/>
               </a:avLst>
             </a:prstGeom>
             <a:solidFill>
@@ -4425,12 +4370,12 @@
             </a:ln>
           </p:spPr>
           <p:txBody>
-            <a:bodyPr anchorCtr="0" anchor="ctr" bIns="91425" lIns="91425" spcFirstLastPara="1" rIns="91425" wrap="square" tIns="91425">
+            <a:bodyPr spcFirstLastPara="1" wrap="square" lIns="91425" tIns="91425" rIns="91425" bIns="91425" anchor="ctr" anchorCtr="0">
               <a:noAutofit/>
             </a:bodyPr>
             <a:lstStyle/>
             <a:p>
-              <a:pPr indent="0" lvl="0" marL="0" rtl="0" algn="l">
+              <a:pPr marL="0" lvl="0" indent="0" algn="l" rtl="0">
                 <a:spcBef>
                   <a:spcPts val="0"/>
                 </a:spcBef>
@@ -4439,9 +4384,6 @@
                 </a:spcAft>
                 <a:buNone/>
               </a:pPr>
-              <a:r>
-                <a:t/>
-              </a:r>
               <a:endParaRPr/>
             </a:p>
           </p:txBody>
@@ -4450,7 +4392,9 @@
       <p:sp>
         <p:nvSpPr>
           <p:cNvPr id="45" name="Google Shape;45;p4"/>
-          <p:cNvSpPr txBox="1"/>
+          <p:cNvSpPr txBox="1">
+            <a:spLocks noGrp="1"/>
+          </p:cNvSpPr>
           <p:nvPr>
             <p:ph type="title"/>
           </p:nvPr>
@@ -4465,7 +4409,7 @@
           </a:prstGeom>
         </p:spPr>
         <p:txBody>
-          <a:bodyPr anchorCtr="0" anchor="t" bIns="91425" lIns="91425" spcFirstLastPara="1" rIns="91425" wrap="square" tIns="91425">
+          <a:bodyPr spcFirstLastPara="1" wrap="square" lIns="91425" tIns="91425" rIns="91425" bIns="91425" anchor="t" anchorCtr="0">
             <a:normAutofit/>
           </a:bodyPr>
           <a:lstStyle>
@@ -4569,15 +4513,19 @@
               <a:defRPr sz="2400"/>
             </a:lvl9pPr>
           </a:lstStyle>
-          <a:p/>
+          <a:p>
+            <a:endParaRPr/>
+          </a:p>
         </p:txBody>
       </p:sp>
       <p:sp>
         <p:nvSpPr>
           <p:cNvPr id="46" name="Google Shape;46;p4"/>
-          <p:cNvSpPr txBox="1"/>
+          <p:cNvSpPr txBox="1">
+            <a:spLocks noGrp="1"/>
+          </p:cNvSpPr>
           <p:nvPr>
-            <p:ph idx="1" type="body"/>
+            <p:ph type="body" idx="1"/>
           </p:nvPr>
         </p:nvSpPr>
         <p:spPr>
@@ -4590,11 +4538,11 @@
           </a:prstGeom>
         </p:spPr>
         <p:txBody>
-          <a:bodyPr anchorCtr="0" anchor="t" bIns="91425" lIns="91425" spcFirstLastPara="1" rIns="91425" wrap="square" tIns="91425">
+          <a:bodyPr spcFirstLastPara="1" wrap="square" lIns="91425" tIns="91425" rIns="91425" bIns="91425" anchor="t" anchorCtr="0">
             <a:normAutofit/>
           </a:bodyPr>
           <a:lstStyle>
-            <a:lvl1pPr indent="-311150" lvl="0" marL="457200">
+            <a:lvl1pPr marL="457200" lvl="0" indent="-311150">
               <a:spcBef>
                 <a:spcPts val="0"/>
               </a:spcBef>
@@ -4605,7 +4553,7 @@
               <a:buChar char="●"/>
               <a:defRPr/>
             </a:lvl1pPr>
-            <a:lvl2pPr indent="-298450" lvl="1" marL="914400">
+            <a:lvl2pPr marL="914400" lvl="1" indent="-298450">
               <a:spcBef>
                 <a:spcPts val="0"/>
               </a:spcBef>
@@ -4616,7 +4564,7 @@
               <a:buChar char="○"/>
               <a:defRPr/>
             </a:lvl2pPr>
-            <a:lvl3pPr indent="-298450" lvl="2" marL="1371600">
+            <a:lvl3pPr marL="1371600" lvl="2" indent="-298450">
               <a:spcBef>
                 <a:spcPts val="0"/>
               </a:spcBef>
@@ -4627,7 +4575,7 @@
               <a:buChar char="■"/>
               <a:defRPr/>
             </a:lvl3pPr>
-            <a:lvl4pPr indent="-298450" lvl="3" marL="1828800">
+            <a:lvl4pPr marL="1828800" lvl="3" indent="-298450">
               <a:spcBef>
                 <a:spcPts val="0"/>
               </a:spcBef>
@@ -4638,7 +4586,7 @@
               <a:buChar char="●"/>
               <a:defRPr/>
             </a:lvl4pPr>
-            <a:lvl5pPr indent="-298450" lvl="4" marL="2286000">
+            <a:lvl5pPr marL="2286000" lvl="4" indent="-298450">
               <a:spcBef>
                 <a:spcPts val="0"/>
               </a:spcBef>
@@ -4649,7 +4597,7 @@
               <a:buChar char="○"/>
               <a:defRPr/>
             </a:lvl5pPr>
-            <a:lvl6pPr indent="-298450" lvl="5" marL="2743200">
+            <a:lvl6pPr marL="2743200" lvl="5" indent="-298450">
               <a:spcBef>
                 <a:spcPts val="0"/>
               </a:spcBef>
@@ -4660,7 +4608,7 @@
               <a:buChar char="■"/>
               <a:defRPr/>
             </a:lvl6pPr>
-            <a:lvl7pPr indent="-298450" lvl="6" marL="3200400">
+            <a:lvl7pPr marL="3200400" lvl="6" indent="-298450">
               <a:spcBef>
                 <a:spcPts val="0"/>
               </a:spcBef>
@@ -4671,7 +4619,7 @@
               <a:buChar char="●"/>
               <a:defRPr/>
             </a:lvl7pPr>
-            <a:lvl8pPr indent="-298450" lvl="7" marL="3657600">
+            <a:lvl8pPr marL="3657600" lvl="7" indent="-298450">
               <a:spcBef>
                 <a:spcPts val="0"/>
               </a:spcBef>
@@ -4682,7 +4630,7 @@
               <a:buChar char="○"/>
               <a:defRPr/>
             </a:lvl8pPr>
-            <a:lvl9pPr indent="-298450" lvl="8" marL="4114800">
+            <a:lvl9pPr marL="4114800" lvl="8" indent="-298450">
               <a:spcBef>
                 <a:spcPts val="0"/>
               </a:spcBef>
@@ -4694,15 +4642,19 @@
               <a:defRPr/>
             </a:lvl9pPr>
           </a:lstStyle>
-          <a:p/>
+          <a:p>
+            <a:endParaRPr/>
+          </a:p>
         </p:txBody>
       </p:sp>
       <p:sp>
         <p:nvSpPr>
           <p:cNvPr id="47" name="Google Shape;47;p4"/>
-          <p:cNvSpPr txBox="1"/>
+          <p:cNvSpPr txBox="1">
+            <a:spLocks noGrp="1"/>
+          </p:cNvSpPr>
           <p:nvPr>
-            <p:ph idx="12" type="sldNum"/>
+            <p:ph type="sldNum" idx="12"/>
           </p:nvPr>
         </p:nvSpPr>
         <p:spPr>
@@ -4715,7 +4667,7 @@
           </a:prstGeom>
         </p:spPr>
         <p:txBody>
-          <a:bodyPr anchorCtr="0" anchor="ctr" bIns="91425" lIns="91425" spcFirstLastPara="1" rIns="91425" wrap="square" tIns="91425">
+          <a:bodyPr spcFirstLastPara="1" wrap="square" lIns="91425" tIns="91425" rIns="91425" bIns="91425" anchor="ctr" anchorCtr="0">
             <a:normAutofit/>
           </a:bodyPr>
           <a:lstStyle>
@@ -4757,7 +4709,7 @@
             </a:lvl9pPr>
           </a:lstStyle>
           <a:p>
-            <a:pPr indent="0" lvl="0" marL="0" rtl="0" algn="r">
+            <a:pPr marL="0" lvl="0" indent="0" algn="r" rtl="0">
               <a:spcBef>
                 <a:spcPts val="0"/>
               </a:spcBef>
@@ -4783,11 +4735,11 @@
 </file>
 
 <file path=ppt/slideLayouts/slideLayout4.xml><?xml version="1.0" encoding="utf-8"?>
-<p:sldLayout xmlns:a="http://schemas.openxmlformats.org/drawingml/2006/main" xmlns:r="http://schemas.openxmlformats.org/officeDocument/2006/relationships" xmlns:mc="http://schemas.openxmlformats.org/markup-compatibility/2006" xmlns:mv="urn:schemas-microsoft-com:mac:vml" xmlns:p="http://schemas.openxmlformats.org/presentationml/2006/main" xmlns:c="http://schemas.openxmlformats.org/drawingml/2006/chart" xmlns:dgm="http://schemas.openxmlformats.org/drawingml/2006/diagram" xmlns:o="urn:schemas-microsoft-com:office:office" xmlns:v="urn:schemas-microsoft-com:vml" xmlns:pvml="urn:schemas-microsoft-com:office:powerpoint" xmlns:com="http://schemas.openxmlformats.org/drawingml/2006/compatibility" xmlns:p14="http://schemas.microsoft.com/office/powerpoint/2010/main" xmlns:p15="http://schemas.microsoft.com/office/powerpoint/2012/main" xmlns:ahyp="http://schemas.microsoft.com/office/drawing/2018/hyperlinkcolor" matchingName="Title and two columns" type="twoColTx">
+<p:sldLayout xmlns:a="http://schemas.openxmlformats.org/drawingml/2006/main" xmlns:r="http://schemas.openxmlformats.org/officeDocument/2006/relationships" xmlns:p="http://schemas.openxmlformats.org/presentationml/2006/main" matchingName="Title and two columns" type="twoColTx">
   <p:cSld name="TITLE_AND_TWO_COLUMNS">
     <p:spTree>
       <p:nvGrpSpPr>
-        <p:cNvPr id="48" name="Shape 48"/>
+        <p:cNvPr id="1" name="Shape 48"/>
         <p:cNvGrpSpPr/>
         <p:nvPr/>
       </p:nvGrpSpPr>
@@ -4826,7 +4778,7 @@
             </a:xfrm>
             <a:prstGeom prst="diagStripe">
               <a:avLst>
-                <a:gd fmla="val 50000" name="adj"/>
+                <a:gd name="adj" fmla="val 50000"/>
               </a:avLst>
             </a:prstGeom>
             <a:solidFill>
@@ -4837,12 +4789,12 @@
             </a:ln>
           </p:spPr>
           <p:txBody>
-            <a:bodyPr anchorCtr="0" anchor="ctr" bIns="91425" lIns="91425" spcFirstLastPara="1" rIns="91425" wrap="square" tIns="91425">
+            <a:bodyPr spcFirstLastPara="1" wrap="square" lIns="91425" tIns="91425" rIns="91425" bIns="91425" anchor="ctr" anchorCtr="0">
               <a:noAutofit/>
             </a:bodyPr>
             <a:lstStyle/>
             <a:p>
-              <a:pPr indent="0" lvl="0" marL="0" rtl="0" algn="l">
+              <a:pPr marL="0" lvl="0" indent="0" algn="l" rtl="0">
                 <a:spcBef>
                   <a:spcPts val="0"/>
                 </a:spcBef>
@@ -4851,9 +4803,6 @@
                 </a:spcAft>
                 <a:buNone/>
               </a:pPr>
-              <a:r>
-                <a:t/>
-              </a:r>
               <a:endParaRPr/>
             </a:p>
           </p:txBody>
@@ -4871,7 +4820,7 @@
             </a:xfrm>
             <a:prstGeom prst="diagStripe">
               <a:avLst>
-                <a:gd fmla="val 50000" name="adj"/>
+                <a:gd name="adj" fmla="val 50000"/>
               </a:avLst>
             </a:prstGeom>
             <a:solidFill>
@@ -4882,12 +4831,12 @@
             </a:ln>
           </p:spPr>
           <p:txBody>
-            <a:bodyPr anchorCtr="0" anchor="ctr" bIns="91425" lIns="91425" spcFirstLastPara="1" rIns="91425" wrap="square" tIns="91425">
+            <a:bodyPr spcFirstLastPara="1" wrap="square" lIns="91425" tIns="91425" rIns="91425" bIns="91425" anchor="ctr" anchorCtr="0">
               <a:noAutofit/>
             </a:bodyPr>
             <a:lstStyle/>
             <a:p>
-              <a:pPr indent="0" lvl="0" marL="0" rtl="0" algn="l">
+              <a:pPr marL="0" lvl="0" indent="0" algn="l" rtl="0">
                 <a:spcBef>
                   <a:spcPts val="0"/>
                 </a:spcBef>
@@ -4896,9 +4845,6 @@
                 </a:spcAft>
                 <a:buNone/>
               </a:pPr>
-              <a:r>
-                <a:t/>
-              </a:r>
               <a:endParaRPr/>
             </a:p>
           </p:txBody>
@@ -4907,7 +4853,9 @@
       <p:sp>
         <p:nvSpPr>
           <p:cNvPr id="52" name="Google Shape;52;p5"/>
-          <p:cNvSpPr txBox="1"/>
+          <p:cNvSpPr txBox="1">
+            <a:spLocks noGrp="1"/>
+          </p:cNvSpPr>
           <p:nvPr>
             <p:ph type="title"/>
           </p:nvPr>
@@ -4922,7 +4870,7 @@
           </a:prstGeom>
         </p:spPr>
         <p:txBody>
-          <a:bodyPr anchorCtr="0" anchor="t" bIns="91425" lIns="91425" spcFirstLastPara="1" rIns="91425" wrap="square" tIns="91425">
+          <a:bodyPr spcFirstLastPara="1" wrap="square" lIns="91425" tIns="91425" rIns="91425" bIns="91425" anchor="t" anchorCtr="0">
             <a:normAutofit/>
           </a:bodyPr>
           <a:lstStyle>
@@ -5026,15 +4974,19 @@
               <a:defRPr sz="2400"/>
             </a:lvl9pPr>
           </a:lstStyle>
-          <a:p/>
+          <a:p>
+            <a:endParaRPr/>
+          </a:p>
         </p:txBody>
       </p:sp>
       <p:sp>
         <p:nvSpPr>
           <p:cNvPr id="53" name="Google Shape;53;p5"/>
-          <p:cNvSpPr txBox="1"/>
+          <p:cNvSpPr txBox="1">
+            <a:spLocks noGrp="1"/>
+          </p:cNvSpPr>
           <p:nvPr>
-            <p:ph idx="1" type="body"/>
+            <p:ph type="body" idx="1"/>
           </p:nvPr>
         </p:nvSpPr>
         <p:spPr>
@@ -5047,11 +4999,11 @@
           </a:prstGeom>
         </p:spPr>
         <p:txBody>
-          <a:bodyPr anchorCtr="0" anchor="t" bIns="91425" lIns="91425" spcFirstLastPara="1" rIns="91425" wrap="square" tIns="91425">
+          <a:bodyPr spcFirstLastPara="1" wrap="square" lIns="91425" tIns="91425" rIns="91425" bIns="91425" anchor="t" anchorCtr="0">
             <a:normAutofit/>
           </a:bodyPr>
           <a:lstStyle>
-            <a:lvl1pPr indent="-311150" lvl="0" marL="457200">
+            <a:lvl1pPr marL="457200" lvl="0" indent="-311150">
               <a:spcBef>
                 <a:spcPts val="0"/>
               </a:spcBef>
@@ -5062,7 +5014,7 @@
               <a:buChar char="●"/>
               <a:defRPr/>
             </a:lvl1pPr>
-            <a:lvl2pPr indent="-298450" lvl="1" marL="914400">
+            <a:lvl2pPr marL="914400" lvl="1" indent="-298450">
               <a:spcBef>
                 <a:spcPts val="0"/>
               </a:spcBef>
@@ -5073,7 +5025,7 @@
               <a:buChar char="○"/>
               <a:defRPr/>
             </a:lvl2pPr>
-            <a:lvl3pPr indent="-298450" lvl="2" marL="1371600">
+            <a:lvl3pPr marL="1371600" lvl="2" indent="-298450">
               <a:spcBef>
                 <a:spcPts val="0"/>
               </a:spcBef>
@@ -5084,7 +5036,7 @@
               <a:buChar char="■"/>
               <a:defRPr/>
             </a:lvl3pPr>
-            <a:lvl4pPr indent="-298450" lvl="3" marL="1828800">
+            <a:lvl4pPr marL="1828800" lvl="3" indent="-298450">
               <a:spcBef>
                 <a:spcPts val="0"/>
               </a:spcBef>
@@ -5095,7 +5047,7 @@
               <a:buChar char="●"/>
               <a:defRPr/>
             </a:lvl4pPr>
-            <a:lvl5pPr indent="-298450" lvl="4" marL="2286000">
+            <a:lvl5pPr marL="2286000" lvl="4" indent="-298450">
               <a:spcBef>
                 <a:spcPts val="0"/>
               </a:spcBef>
@@ -5106,7 +5058,7 @@
               <a:buChar char="○"/>
               <a:defRPr/>
             </a:lvl5pPr>
-            <a:lvl6pPr indent="-298450" lvl="5" marL="2743200">
+            <a:lvl6pPr marL="2743200" lvl="5" indent="-298450">
               <a:spcBef>
                 <a:spcPts val="0"/>
               </a:spcBef>
@@ -5117,7 +5069,7 @@
               <a:buChar char="■"/>
               <a:defRPr/>
             </a:lvl6pPr>
-            <a:lvl7pPr indent="-298450" lvl="6" marL="3200400">
+            <a:lvl7pPr marL="3200400" lvl="6" indent="-298450">
               <a:spcBef>
                 <a:spcPts val="0"/>
               </a:spcBef>
@@ -5128,7 +5080,7 @@
               <a:buChar char="●"/>
               <a:defRPr/>
             </a:lvl7pPr>
-            <a:lvl8pPr indent="-298450" lvl="7" marL="3657600">
+            <a:lvl8pPr marL="3657600" lvl="7" indent="-298450">
               <a:spcBef>
                 <a:spcPts val="0"/>
               </a:spcBef>
@@ -5139,7 +5091,7 @@
               <a:buChar char="○"/>
               <a:defRPr/>
             </a:lvl8pPr>
-            <a:lvl9pPr indent="-298450" lvl="8" marL="4114800">
+            <a:lvl9pPr marL="4114800" lvl="8" indent="-298450">
               <a:spcBef>
                 <a:spcPts val="0"/>
               </a:spcBef>
@@ -5151,15 +5103,19 @@
               <a:defRPr/>
             </a:lvl9pPr>
           </a:lstStyle>
-          <a:p/>
+          <a:p>
+            <a:endParaRPr/>
+          </a:p>
         </p:txBody>
       </p:sp>
       <p:sp>
         <p:nvSpPr>
           <p:cNvPr id="54" name="Google Shape;54;p5"/>
-          <p:cNvSpPr txBox="1"/>
+          <p:cNvSpPr txBox="1">
+            <a:spLocks noGrp="1"/>
+          </p:cNvSpPr>
           <p:nvPr>
-            <p:ph idx="2" type="body"/>
+            <p:ph type="body" idx="2"/>
           </p:nvPr>
         </p:nvSpPr>
         <p:spPr>
@@ -5172,11 +5128,11 @@
           </a:prstGeom>
         </p:spPr>
         <p:txBody>
-          <a:bodyPr anchorCtr="0" anchor="t" bIns="91425" lIns="91425" spcFirstLastPara="1" rIns="91425" wrap="square" tIns="91425">
+          <a:bodyPr spcFirstLastPara="1" wrap="square" lIns="91425" tIns="91425" rIns="91425" bIns="91425" anchor="t" anchorCtr="0">
             <a:normAutofit/>
           </a:bodyPr>
           <a:lstStyle>
-            <a:lvl1pPr indent="-311150" lvl="0" marL="457200">
+            <a:lvl1pPr marL="457200" lvl="0" indent="-311150">
               <a:spcBef>
                 <a:spcPts val="0"/>
               </a:spcBef>
@@ -5187,7 +5143,7 @@
               <a:buChar char="●"/>
               <a:defRPr/>
             </a:lvl1pPr>
-            <a:lvl2pPr indent="-298450" lvl="1" marL="914400">
+            <a:lvl2pPr marL="914400" lvl="1" indent="-298450">
               <a:spcBef>
                 <a:spcPts val="0"/>
               </a:spcBef>
@@ -5198,7 +5154,7 @@
               <a:buChar char="○"/>
               <a:defRPr/>
             </a:lvl2pPr>
-            <a:lvl3pPr indent="-298450" lvl="2" marL="1371600">
+            <a:lvl3pPr marL="1371600" lvl="2" indent="-298450">
               <a:spcBef>
                 <a:spcPts val="0"/>
               </a:spcBef>
@@ -5209,7 +5165,7 @@
               <a:buChar char="■"/>
               <a:defRPr/>
             </a:lvl3pPr>
-            <a:lvl4pPr indent="-298450" lvl="3" marL="1828800">
+            <a:lvl4pPr marL="1828800" lvl="3" indent="-298450">
               <a:spcBef>
                 <a:spcPts val="0"/>
               </a:spcBef>
@@ -5220,7 +5176,7 @@
               <a:buChar char="●"/>
               <a:defRPr/>
             </a:lvl4pPr>
-            <a:lvl5pPr indent="-298450" lvl="4" marL="2286000">
+            <a:lvl5pPr marL="2286000" lvl="4" indent="-298450">
               <a:spcBef>
                 <a:spcPts val="0"/>
               </a:spcBef>
@@ -5231,7 +5187,7 @@
               <a:buChar char="○"/>
               <a:defRPr/>
             </a:lvl5pPr>
-            <a:lvl6pPr indent="-298450" lvl="5" marL="2743200">
+            <a:lvl6pPr marL="2743200" lvl="5" indent="-298450">
               <a:spcBef>
                 <a:spcPts val="0"/>
               </a:spcBef>
@@ -5242,7 +5198,7 @@
               <a:buChar char="■"/>
               <a:defRPr/>
             </a:lvl6pPr>
-            <a:lvl7pPr indent="-298450" lvl="6" marL="3200400">
+            <a:lvl7pPr marL="3200400" lvl="6" indent="-298450">
               <a:spcBef>
                 <a:spcPts val="0"/>
               </a:spcBef>
@@ -5253,7 +5209,7 @@
               <a:buChar char="●"/>
               <a:defRPr/>
             </a:lvl7pPr>
-            <a:lvl8pPr indent="-298450" lvl="7" marL="3657600">
+            <a:lvl8pPr marL="3657600" lvl="7" indent="-298450">
               <a:spcBef>
                 <a:spcPts val="0"/>
               </a:spcBef>
@@ -5264,7 +5220,7 @@
               <a:buChar char="○"/>
               <a:defRPr/>
             </a:lvl8pPr>
-            <a:lvl9pPr indent="-298450" lvl="8" marL="4114800">
+            <a:lvl9pPr marL="4114800" lvl="8" indent="-298450">
               <a:spcBef>
                 <a:spcPts val="0"/>
               </a:spcBef>
@@ -5276,15 +5232,19 @@
               <a:defRPr/>
             </a:lvl9pPr>
           </a:lstStyle>
-          <a:p/>
+          <a:p>
+            <a:endParaRPr/>
+          </a:p>
         </p:txBody>
       </p:sp>
       <p:sp>
         <p:nvSpPr>
           <p:cNvPr id="55" name="Google Shape;55;p5"/>
-          <p:cNvSpPr txBox="1"/>
+          <p:cNvSpPr txBox="1">
+            <a:spLocks noGrp="1"/>
+          </p:cNvSpPr>
           <p:nvPr>
-            <p:ph idx="12" type="sldNum"/>
+            <p:ph type="sldNum" idx="12"/>
           </p:nvPr>
         </p:nvSpPr>
         <p:spPr>
@@ -5297,7 +5257,7 @@
           </a:prstGeom>
         </p:spPr>
         <p:txBody>
-          <a:bodyPr anchorCtr="0" anchor="ctr" bIns="91425" lIns="91425" spcFirstLastPara="1" rIns="91425" wrap="square" tIns="91425">
+          <a:bodyPr spcFirstLastPara="1" wrap="square" lIns="91425" tIns="91425" rIns="91425" bIns="91425" anchor="ctr" anchorCtr="0">
             <a:normAutofit/>
           </a:bodyPr>
           <a:lstStyle>
@@ -5339,7 +5299,7 @@
             </a:lvl9pPr>
           </a:lstStyle>
           <a:p>
-            <a:pPr indent="0" lvl="0" marL="0" rtl="0" algn="r">
+            <a:pPr marL="0" lvl="0" indent="0" algn="r" rtl="0">
               <a:spcBef>
                 <a:spcPts val="0"/>
               </a:spcBef>
@@ -5365,11 +5325,11 @@
 </file>
 
 <file path=ppt/slideLayouts/slideLayout5.xml><?xml version="1.0" encoding="utf-8"?>
-<p:sldLayout xmlns:a="http://schemas.openxmlformats.org/drawingml/2006/main" xmlns:r="http://schemas.openxmlformats.org/officeDocument/2006/relationships" xmlns:mc="http://schemas.openxmlformats.org/markup-compatibility/2006" xmlns:mv="urn:schemas-microsoft-com:mac:vml" xmlns:p="http://schemas.openxmlformats.org/presentationml/2006/main" xmlns:c="http://schemas.openxmlformats.org/drawingml/2006/chart" xmlns:dgm="http://schemas.openxmlformats.org/drawingml/2006/diagram" xmlns:o="urn:schemas-microsoft-com:office:office" xmlns:v="urn:schemas-microsoft-com:vml" xmlns:pvml="urn:schemas-microsoft-com:office:powerpoint" xmlns:com="http://schemas.openxmlformats.org/drawingml/2006/compatibility" xmlns:p14="http://schemas.microsoft.com/office/powerpoint/2010/main" xmlns:p15="http://schemas.microsoft.com/office/powerpoint/2012/main" xmlns:ahyp="http://schemas.microsoft.com/office/drawing/2018/hyperlinkcolor" matchingName="Title only" type="titleOnly">
+<p:sldLayout xmlns:a="http://schemas.openxmlformats.org/drawingml/2006/main" xmlns:r="http://schemas.openxmlformats.org/officeDocument/2006/relationships" xmlns:p="http://schemas.openxmlformats.org/presentationml/2006/main" matchingName="Title only" type="titleOnly">
   <p:cSld name="TITLE_ONLY">
     <p:spTree>
       <p:nvGrpSpPr>
-        <p:cNvPr id="56" name="Shape 56"/>
+        <p:cNvPr id="1" name="Shape 56"/>
         <p:cNvGrpSpPr/>
         <p:nvPr/>
       </p:nvGrpSpPr>
@@ -5408,7 +5368,7 @@
             </a:xfrm>
             <a:prstGeom prst="diagStripe">
               <a:avLst>
-                <a:gd fmla="val 50000" name="adj"/>
+                <a:gd name="adj" fmla="val 50000"/>
               </a:avLst>
             </a:prstGeom>
             <a:solidFill>
@@ -5419,12 +5379,12 @@
             </a:ln>
           </p:spPr>
           <p:txBody>
-            <a:bodyPr anchorCtr="0" anchor="ctr" bIns="91425" lIns="91425" spcFirstLastPara="1" rIns="91425" wrap="square" tIns="91425">
+            <a:bodyPr spcFirstLastPara="1" wrap="square" lIns="91425" tIns="91425" rIns="91425" bIns="91425" anchor="ctr" anchorCtr="0">
               <a:noAutofit/>
             </a:bodyPr>
             <a:lstStyle/>
             <a:p>
-              <a:pPr indent="0" lvl="0" marL="0" rtl="0" algn="l">
+              <a:pPr marL="0" lvl="0" indent="0" algn="l" rtl="0">
                 <a:spcBef>
                   <a:spcPts val="0"/>
                 </a:spcBef>
@@ -5433,9 +5393,6 @@
                 </a:spcAft>
                 <a:buNone/>
               </a:pPr>
-              <a:r>
-                <a:t/>
-              </a:r>
               <a:endParaRPr/>
             </a:p>
           </p:txBody>
@@ -5453,7 +5410,7 @@
             </a:xfrm>
             <a:prstGeom prst="diagStripe">
               <a:avLst>
-                <a:gd fmla="val 50000" name="adj"/>
+                <a:gd name="adj" fmla="val 50000"/>
               </a:avLst>
             </a:prstGeom>
             <a:solidFill>
@@ -5464,12 +5421,12 @@
             </a:ln>
           </p:spPr>
           <p:txBody>
-            <a:bodyPr anchorCtr="0" anchor="ctr" bIns="91425" lIns="91425" spcFirstLastPara="1" rIns="91425" wrap="square" tIns="91425">
+            <a:bodyPr spcFirstLastPara="1" wrap="square" lIns="91425" tIns="91425" rIns="91425" bIns="91425" anchor="ctr" anchorCtr="0">
               <a:noAutofit/>
             </a:bodyPr>
             <a:lstStyle/>
             <a:p>
-              <a:pPr indent="0" lvl="0" marL="0" rtl="0" algn="l">
+              <a:pPr marL="0" lvl="0" indent="0" algn="l" rtl="0">
                 <a:spcBef>
                   <a:spcPts val="0"/>
                 </a:spcBef>
@@ -5478,9 +5435,6 @@
                 </a:spcAft>
                 <a:buNone/>
               </a:pPr>
-              <a:r>
-                <a:t/>
-              </a:r>
               <a:endParaRPr/>
             </a:p>
           </p:txBody>
@@ -5489,7 +5443,9 @@
       <p:sp>
         <p:nvSpPr>
           <p:cNvPr id="60" name="Google Shape;60;p6"/>
-          <p:cNvSpPr txBox="1"/>
+          <p:cNvSpPr txBox="1">
+            <a:spLocks noGrp="1"/>
+          </p:cNvSpPr>
           <p:nvPr>
             <p:ph type="title"/>
           </p:nvPr>
@@ -5504,7 +5460,7 @@
           </a:prstGeom>
         </p:spPr>
         <p:txBody>
-          <a:bodyPr anchorCtr="0" anchor="t" bIns="91425" lIns="91425" spcFirstLastPara="1" rIns="91425" wrap="square" tIns="91425">
+          <a:bodyPr spcFirstLastPara="1" wrap="square" lIns="91425" tIns="91425" rIns="91425" bIns="91425" anchor="t" anchorCtr="0">
             <a:normAutofit/>
           </a:bodyPr>
           <a:lstStyle>
@@ -5608,15 +5564,19 @@
               <a:defRPr sz="2400"/>
             </a:lvl9pPr>
           </a:lstStyle>
-          <a:p/>
+          <a:p>
+            <a:endParaRPr/>
+          </a:p>
         </p:txBody>
       </p:sp>
       <p:sp>
         <p:nvSpPr>
           <p:cNvPr id="61" name="Google Shape;61;p6"/>
-          <p:cNvSpPr txBox="1"/>
+          <p:cNvSpPr txBox="1">
+            <a:spLocks noGrp="1"/>
+          </p:cNvSpPr>
           <p:nvPr>
-            <p:ph idx="12" type="sldNum"/>
+            <p:ph type="sldNum" idx="12"/>
           </p:nvPr>
         </p:nvSpPr>
         <p:spPr>
@@ -5629,7 +5589,7 @@
           </a:prstGeom>
         </p:spPr>
         <p:txBody>
-          <a:bodyPr anchorCtr="0" anchor="ctr" bIns="91425" lIns="91425" spcFirstLastPara="1" rIns="91425" wrap="square" tIns="91425">
+          <a:bodyPr spcFirstLastPara="1" wrap="square" lIns="91425" tIns="91425" rIns="91425" bIns="91425" anchor="ctr" anchorCtr="0">
             <a:normAutofit/>
           </a:bodyPr>
           <a:lstStyle>
@@ -5671,7 +5631,7 @@
             </a:lvl9pPr>
           </a:lstStyle>
           <a:p>
-            <a:pPr indent="0" lvl="0" marL="0" rtl="0" algn="r">
+            <a:pPr marL="0" lvl="0" indent="0" algn="r" rtl="0">
               <a:spcBef>
                 <a:spcPts val="0"/>
               </a:spcBef>
@@ -5697,11 +5657,11 @@
 </file>
 
 <file path=ppt/slideLayouts/slideLayout6.xml><?xml version="1.0" encoding="utf-8"?>
-<p:sldLayout xmlns:a="http://schemas.openxmlformats.org/drawingml/2006/main" xmlns:r="http://schemas.openxmlformats.org/officeDocument/2006/relationships" xmlns:mc="http://schemas.openxmlformats.org/markup-compatibility/2006" xmlns:mv="urn:schemas-microsoft-com:mac:vml" xmlns:p="http://schemas.openxmlformats.org/presentationml/2006/main" xmlns:c="http://schemas.openxmlformats.org/drawingml/2006/chart" xmlns:dgm="http://schemas.openxmlformats.org/drawingml/2006/diagram" xmlns:o="urn:schemas-microsoft-com:office:office" xmlns:v="urn:schemas-microsoft-com:vml" xmlns:pvml="urn:schemas-microsoft-com:office:powerpoint" xmlns:com="http://schemas.openxmlformats.org/drawingml/2006/compatibility" xmlns:p14="http://schemas.microsoft.com/office/powerpoint/2010/main" xmlns:p15="http://schemas.microsoft.com/office/powerpoint/2012/main" xmlns:ahyp="http://schemas.microsoft.com/office/drawing/2018/hyperlinkcolor" matchingName="One column text">
+<p:sldLayout xmlns:a="http://schemas.openxmlformats.org/drawingml/2006/main" xmlns:r="http://schemas.openxmlformats.org/officeDocument/2006/relationships" xmlns:p="http://schemas.openxmlformats.org/presentationml/2006/main" matchingName="One column text">
   <p:cSld name="ONE_COLUMN_TEXT">
     <p:spTree>
       <p:nvGrpSpPr>
-        <p:cNvPr id="62" name="Shape 62"/>
+        <p:cNvPr id="1" name="Shape 62"/>
         <p:cNvGrpSpPr/>
         <p:nvPr/>
       </p:nvGrpSpPr>
@@ -5740,7 +5700,7 @@
             </a:xfrm>
             <a:prstGeom prst="diagStripe">
               <a:avLst>
-                <a:gd fmla="val 50000" name="adj"/>
+                <a:gd name="adj" fmla="val 50000"/>
               </a:avLst>
             </a:prstGeom>
             <a:solidFill>
@@ -5751,12 +5711,12 @@
             </a:ln>
           </p:spPr>
           <p:txBody>
-            <a:bodyPr anchorCtr="0" anchor="ctr" bIns="91425" lIns="91425" spcFirstLastPara="1" rIns="91425" wrap="square" tIns="91425">
+            <a:bodyPr spcFirstLastPara="1" wrap="square" lIns="91425" tIns="91425" rIns="91425" bIns="91425" anchor="ctr" anchorCtr="0">
               <a:noAutofit/>
             </a:bodyPr>
             <a:lstStyle/>
             <a:p>
-              <a:pPr indent="0" lvl="0" marL="0" rtl="0" algn="l">
+              <a:pPr marL="0" lvl="0" indent="0" algn="l" rtl="0">
                 <a:spcBef>
                   <a:spcPts val="0"/>
                 </a:spcBef>
@@ -5765,9 +5725,6 @@
                 </a:spcAft>
                 <a:buNone/>
               </a:pPr>
-              <a:r>
-                <a:t/>
-              </a:r>
               <a:endParaRPr/>
             </a:p>
           </p:txBody>
@@ -5785,7 +5742,7 @@
             </a:xfrm>
             <a:prstGeom prst="diagStripe">
               <a:avLst>
-                <a:gd fmla="val 50000" name="adj"/>
+                <a:gd name="adj" fmla="val 50000"/>
               </a:avLst>
             </a:prstGeom>
             <a:solidFill>
@@ -5796,12 +5753,12 @@
             </a:ln>
           </p:spPr>
           <p:txBody>
-            <a:bodyPr anchorCtr="0" anchor="ctr" bIns="91425" lIns="91425" spcFirstLastPara="1" rIns="91425" wrap="square" tIns="91425">
+            <a:bodyPr spcFirstLastPara="1" wrap="square" lIns="91425" tIns="91425" rIns="91425" bIns="91425" anchor="ctr" anchorCtr="0">
               <a:noAutofit/>
             </a:bodyPr>
             <a:lstStyle/>
             <a:p>
-              <a:pPr indent="0" lvl="0" marL="0" rtl="0" algn="l">
+              <a:pPr marL="0" lvl="0" indent="0" algn="l" rtl="0">
                 <a:spcBef>
                   <a:spcPts val="0"/>
                 </a:spcBef>
@@ -5810,9 +5767,6 @@
                 </a:spcAft>
                 <a:buNone/>
               </a:pPr>
-              <a:r>
-                <a:t/>
-              </a:r>
               <a:endParaRPr/>
             </a:p>
           </p:txBody>
@@ -5821,7 +5775,9 @@
       <p:sp>
         <p:nvSpPr>
           <p:cNvPr id="66" name="Google Shape;66;p7"/>
-          <p:cNvSpPr txBox="1"/>
+          <p:cNvSpPr txBox="1">
+            <a:spLocks noGrp="1"/>
+          </p:cNvSpPr>
           <p:nvPr>
             <p:ph type="title"/>
           </p:nvPr>
@@ -5836,7 +5792,7 @@
           </a:prstGeom>
         </p:spPr>
         <p:txBody>
-          <a:bodyPr anchorCtr="0" anchor="t" bIns="91425" lIns="91425" spcFirstLastPara="1" rIns="91425" wrap="square" tIns="91425">
+          <a:bodyPr spcFirstLastPara="1" wrap="square" lIns="91425" tIns="91425" rIns="91425" bIns="91425" anchor="t" anchorCtr="0">
             <a:normAutofit/>
           </a:bodyPr>
           <a:lstStyle>
@@ -5940,15 +5896,19 @@
               <a:defRPr sz="2400"/>
             </a:lvl9pPr>
           </a:lstStyle>
-          <a:p/>
+          <a:p>
+            <a:endParaRPr/>
+          </a:p>
         </p:txBody>
       </p:sp>
       <p:sp>
         <p:nvSpPr>
           <p:cNvPr id="67" name="Google Shape;67;p7"/>
-          <p:cNvSpPr txBox="1"/>
+          <p:cNvSpPr txBox="1">
+            <a:spLocks noGrp="1"/>
+          </p:cNvSpPr>
           <p:nvPr>
-            <p:ph idx="1" type="body"/>
+            <p:ph type="body" idx="1"/>
           </p:nvPr>
         </p:nvSpPr>
         <p:spPr>
@@ -5961,11 +5921,11 @@
           </a:prstGeom>
         </p:spPr>
         <p:txBody>
-          <a:bodyPr anchorCtr="0" anchor="t" bIns="91425" lIns="91425" spcFirstLastPara="1" rIns="91425" wrap="square" tIns="91425">
+          <a:bodyPr spcFirstLastPara="1" wrap="square" lIns="91425" tIns="91425" rIns="91425" bIns="91425" anchor="t" anchorCtr="0">
             <a:normAutofit/>
           </a:bodyPr>
           <a:lstStyle>
-            <a:lvl1pPr indent="-311150" lvl="0" marL="457200">
+            <a:lvl1pPr marL="457200" lvl="0" indent="-311150">
               <a:spcBef>
                 <a:spcPts val="0"/>
               </a:spcBef>
@@ -5976,7 +5936,7 @@
               <a:buChar char="●"/>
               <a:defRPr/>
             </a:lvl1pPr>
-            <a:lvl2pPr indent="-298450" lvl="1" marL="914400">
+            <a:lvl2pPr marL="914400" lvl="1" indent="-298450">
               <a:spcBef>
                 <a:spcPts val="0"/>
               </a:spcBef>
@@ -5987,7 +5947,7 @@
               <a:buChar char="○"/>
               <a:defRPr/>
             </a:lvl2pPr>
-            <a:lvl3pPr indent="-298450" lvl="2" marL="1371600">
+            <a:lvl3pPr marL="1371600" lvl="2" indent="-298450">
               <a:spcBef>
                 <a:spcPts val="0"/>
               </a:spcBef>
@@ -5998,7 +5958,7 @@
               <a:buChar char="■"/>
               <a:defRPr/>
             </a:lvl3pPr>
-            <a:lvl4pPr indent="-298450" lvl="3" marL="1828800">
+            <a:lvl4pPr marL="1828800" lvl="3" indent="-298450">
               <a:spcBef>
                 <a:spcPts val="0"/>
               </a:spcBef>
@@ -6009,7 +5969,7 @@
               <a:buChar char="●"/>
               <a:defRPr/>
             </a:lvl4pPr>
-            <a:lvl5pPr indent="-298450" lvl="4" marL="2286000">
+            <a:lvl5pPr marL="2286000" lvl="4" indent="-298450">
               <a:spcBef>
                 <a:spcPts val="0"/>
               </a:spcBef>
@@ -6020,7 +5980,7 @@
               <a:buChar char="○"/>
               <a:defRPr/>
             </a:lvl5pPr>
-            <a:lvl6pPr indent="-298450" lvl="5" marL="2743200">
+            <a:lvl6pPr marL="2743200" lvl="5" indent="-298450">
               <a:spcBef>
                 <a:spcPts val="0"/>
               </a:spcBef>
@@ -6031,7 +5991,7 @@
               <a:buChar char="■"/>
               <a:defRPr/>
             </a:lvl6pPr>
-            <a:lvl7pPr indent="-298450" lvl="6" marL="3200400">
+            <a:lvl7pPr marL="3200400" lvl="6" indent="-298450">
               <a:spcBef>
                 <a:spcPts val="0"/>
               </a:spcBef>
@@ -6042,7 +6002,7 @@
               <a:buChar char="●"/>
               <a:defRPr/>
             </a:lvl7pPr>
-            <a:lvl8pPr indent="-298450" lvl="7" marL="3657600">
+            <a:lvl8pPr marL="3657600" lvl="7" indent="-298450">
               <a:spcBef>
                 <a:spcPts val="0"/>
               </a:spcBef>
@@ -6053,7 +6013,7 @@
               <a:buChar char="○"/>
               <a:defRPr/>
             </a:lvl8pPr>
-            <a:lvl9pPr indent="-298450" lvl="8" marL="4114800">
+            <a:lvl9pPr marL="4114800" lvl="8" indent="-298450">
               <a:spcBef>
                 <a:spcPts val="0"/>
               </a:spcBef>
@@ -6065,15 +6025,19 @@
               <a:defRPr/>
             </a:lvl9pPr>
           </a:lstStyle>
-          <a:p/>
+          <a:p>
+            <a:endParaRPr/>
+          </a:p>
         </p:txBody>
       </p:sp>
       <p:sp>
         <p:nvSpPr>
           <p:cNvPr id="68" name="Google Shape;68;p7"/>
-          <p:cNvSpPr txBox="1"/>
+          <p:cNvSpPr txBox="1">
+            <a:spLocks noGrp="1"/>
+          </p:cNvSpPr>
           <p:nvPr>
-            <p:ph idx="12" type="sldNum"/>
+            <p:ph type="sldNum" idx="12"/>
           </p:nvPr>
         </p:nvSpPr>
         <p:spPr>
@@ -6086,7 +6050,7 @@
           </a:prstGeom>
         </p:spPr>
         <p:txBody>
-          <a:bodyPr anchorCtr="0" anchor="ctr" bIns="91425" lIns="91425" spcFirstLastPara="1" rIns="91425" wrap="square" tIns="91425">
+          <a:bodyPr spcFirstLastPara="1" wrap="square" lIns="91425" tIns="91425" rIns="91425" bIns="91425" anchor="ctr" anchorCtr="0">
             <a:normAutofit/>
           </a:bodyPr>
           <a:lstStyle>
@@ -6128,7 +6092,7 @@
             </a:lvl9pPr>
           </a:lstStyle>
           <a:p>
-            <a:pPr indent="0" lvl="0" marL="0" rtl="0" algn="r">
+            <a:pPr marL="0" lvl="0" indent="0" algn="r" rtl="0">
               <a:spcBef>
                 <a:spcPts val="0"/>
               </a:spcBef>
@@ -6154,11 +6118,11 @@
 </file>
 
 <file path=ppt/slideLayouts/slideLayout7.xml><?xml version="1.0" encoding="utf-8"?>
-<p:sldLayout xmlns:a="http://schemas.openxmlformats.org/drawingml/2006/main" xmlns:r="http://schemas.openxmlformats.org/officeDocument/2006/relationships" xmlns:mc="http://schemas.openxmlformats.org/markup-compatibility/2006" xmlns:mv="urn:schemas-microsoft-com:mac:vml" xmlns:p="http://schemas.openxmlformats.org/presentationml/2006/main" xmlns:c="http://schemas.openxmlformats.org/drawingml/2006/chart" xmlns:dgm="http://schemas.openxmlformats.org/drawingml/2006/diagram" xmlns:o="urn:schemas-microsoft-com:office:office" xmlns:v="urn:schemas-microsoft-com:vml" xmlns:pvml="urn:schemas-microsoft-com:office:powerpoint" xmlns:com="http://schemas.openxmlformats.org/drawingml/2006/compatibility" xmlns:p14="http://schemas.microsoft.com/office/powerpoint/2010/main" xmlns:p15="http://schemas.microsoft.com/office/powerpoint/2012/main" xmlns:ahyp="http://schemas.microsoft.com/office/drawing/2018/hyperlinkcolor" matchingName="Main point">
+<p:sldLayout xmlns:a="http://schemas.openxmlformats.org/drawingml/2006/main" xmlns:r="http://schemas.openxmlformats.org/officeDocument/2006/relationships" xmlns:p="http://schemas.openxmlformats.org/presentationml/2006/main" matchingName="Main point">
   <p:cSld name="MAIN_POINT">
     <p:spTree>
       <p:nvGrpSpPr>
-        <p:cNvPr id="69" name="Shape 69"/>
+        <p:cNvPr id="1" name="Shape 69"/>
         <p:cNvGrpSpPr/>
         <p:nvPr/>
       </p:nvGrpSpPr>
@@ -6197,7 +6161,7 @@
             </a:xfrm>
             <a:prstGeom prst="diagStripe">
               <a:avLst>
-                <a:gd fmla="val 49469" name="adj"/>
+                <a:gd name="adj" fmla="val 49469"/>
               </a:avLst>
             </a:prstGeom>
             <a:solidFill>
@@ -6210,12 +6174,12 @@
             </a:ln>
           </p:spPr>
           <p:txBody>
-            <a:bodyPr anchorCtr="0" anchor="ctr" bIns="91425" lIns="91425" spcFirstLastPara="1" rIns="91425" wrap="square" tIns="91425">
+            <a:bodyPr spcFirstLastPara="1" wrap="square" lIns="91425" tIns="91425" rIns="91425" bIns="91425" anchor="ctr" anchorCtr="0">
               <a:noAutofit/>
             </a:bodyPr>
             <a:lstStyle/>
             <a:p>
-              <a:pPr indent="0" lvl="0" marL="0" rtl="0" algn="l">
+              <a:pPr marL="0" lvl="0" indent="0" algn="l" rtl="0">
                 <a:spcBef>
                   <a:spcPts val="0"/>
                 </a:spcBef>
@@ -6224,9 +6188,6 @@
                 </a:spcAft>
                 <a:buNone/>
               </a:pPr>
-              <a:r>
-                <a:t/>
-              </a:r>
               <a:endParaRPr/>
             </a:p>
           </p:txBody>
@@ -6244,7 +6205,7 @@
             </a:xfrm>
             <a:prstGeom prst="diagStripe">
               <a:avLst>
-                <a:gd fmla="val 0" name="adj"/>
+                <a:gd name="adj" fmla="val 0"/>
               </a:avLst>
             </a:prstGeom>
             <a:solidFill>
@@ -6257,12 +6218,12 @@
             </a:ln>
           </p:spPr>
           <p:txBody>
-            <a:bodyPr anchorCtr="0" anchor="ctr" bIns="91425" lIns="91425" spcFirstLastPara="1" rIns="91425" wrap="square" tIns="91425">
+            <a:bodyPr spcFirstLastPara="1" wrap="square" lIns="91425" tIns="91425" rIns="91425" bIns="91425" anchor="ctr" anchorCtr="0">
               <a:noAutofit/>
             </a:bodyPr>
             <a:lstStyle/>
             <a:p>
-              <a:pPr indent="0" lvl="0" marL="0" rtl="0" algn="l">
+              <a:pPr marL="0" lvl="0" indent="0" algn="l" rtl="0">
                 <a:spcBef>
                   <a:spcPts val="0"/>
                 </a:spcBef>
@@ -6271,9 +6232,6 @@
                 </a:spcAft>
                 <a:buNone/>
               </a:pPr>
-              <a:r>
-                <a:t/>
-              </a:r>
               <a:endParaRPr/>
             </a:p>
           </p:txBody>
@@ -6291,7 +6249,7 @@
             </a:xfrm>
             <a:prstGeom prst="diagStripe">
               <a:avLst>
-                <a:gd fmla="val 50000" name="adj"/>
+                <a:gd name="adj" fmla="val 50000"/>
               </a:avLst>
             </a:prstGeom>
             <a:solidFill>
@@ -6304,12 +6262,12 @@
             </a:ln>
           </p:spPr>
           <p:txBody>
-            <a:bodyPr anchorCtr="0" anchor="ctr" bIns="91425" lIns="91425" spcFirstLastPara="1" rIns="91425" wrap="square" tIns="91425">
+            <a:bodyPr spcFirstLastPara="1" wrap="square" lIns="91425" tIns="91425" rIns="91425" bIns="91425" anchor="ctr" anchorCtr="0">
               <a:noAutofit/>
             </a:bodyPr>
             <a:lstStyle/>
             <a:p>
-              <a:pPr indent="0" lvl="0" marL="0" rtl="0" algn="l">
+              <a:pPr marL="0" lvl="0" indent="0" algn="l" rtl="0">
                 <a:spcBef>
                   <a:spcPts val="0"/>
                 </a:spcBef>
@@ -6318,9 +6276,6 @@
                 </a:spcAft>
                 <a:buNone/>
               </a:pPr>
-              <a:r>
-                <a:t/>
-              </a:r>
               <a:endParaRPr/>
             </a:p>
           </p:txBody>
@@ -6338,7 +6293,7 @@
             </a:xfrm>
             <a:prstGeom prst="diagStripe">
               <a:avLst>
-                <a:gd fmla="val 50000" name="adj"/>
+                <a:gd name="adj" fmla="val 50000"/>
               </a:avLst>
             </a:prstGeom>
             <a:solidFill>
@@ -6351,12 +6306,12 @@
             </a:ln>
           </p:spPr>
           <p:txBody>
-            <a:bodyPr anchorCtr="0" anchor="ctr" bIns="91425" lIns="91425" spcFirstLastPara="1" rIns="91425" wrap="square" tIns="91425">
+            <a:bodyPr spcFirstLastPara="1" wrap="square" lIns="91425" tIns="91425" rIns="91425" bIns="91425" anchor="ctr" anchorCtr="0">
               <a:noAutofit/>
             </a:bodyPr>
             <a:lstStyle/>
             <a:p>
-              <a:pPr indent="0" lvl="0" marL="0" rtl="0" algn="l">
+              <a:pPr marL="0" lvl="0" indent="0" algn="l" rtl="0">
                 <a:spcBef>
                   <a:spcPts val="0"/>
                 </a:spcBef>
@@ -6365,9 +6320,6 @@
                 </a:spcAft>
                 <a:buNone/>
               </a:pPr>
-              <a:r>
-                <a:t/>
-              </a:r>
               <a:endParaRPr/>
             </a:p>
           </p:txBody>
@@ -6385,7 +6337,7 @@
             </a:xfrm>
             <a:prstGeom prst="diagStripe">
               <a:avLst>
-                <a:gd fmla="val 50000" name="adj"/>
+                <a:gd name="adj" fmla="val 50000"/>
               </a:avLst>
             </a:prstGeom>
             <a:solidFill>
@@ -6398,12 +6350,12 @@
             </a:ln>
           </p:spPr>
           <p:txBody>
-            <a:bodyPr anchorCtr="0" anchor="ctr" bIns="91425" lIns="91425" spcFirstLastPara="1" rIns="91425" wrap="square" tIns="91425">
+            <a:bodyPr spcFirstLastPara="1" wrap="square" lIns="91425" tIns="91425" rIns="91425" bIns="91425" anchor="ctr" anchorCtr="0">
               <a:noAutofit/>
             </a:bodyPr>
             <a:lstStyle/>
             <a:p>
-              <a:pPr indent="0" lvl="0" marL="0" rtl="0" algn="l">
+              <a:pPr marL="0" lvl="0" indent="0" algn="l" rtl="0">
                 <a:spcBef>
                   <a:spcPts val="0"/>
                 </a:spcBef>
@@ -6412,9 +6364,6 @@
                 </a:spcAft>
                 <a:buNone/>
               </a:pPr>
-              <a:r>
-                <a:t/>
-              </a:r>
               <a:endParaRPr/>
             </a:p>
           </p:txBody>
@@ -6432,7 +6381,7 @@
             </a:xfrm>
             <a:prstGeom prst="diagStripe">
               <a:avLst>
-                <a:gd fmla="val 50000" name="adj"/>
+                <a:gd name="adj" fmla="val 50000"/>
               </a:avLst>
             </a:prstGeom>
             <a:solidFill>
@@ -6445,12 +6394,12 @@
             </a:ln>
           </p:spPr>
           <p:txBody>
-            <a:bodyPr anchorCtr="0" anchor="ctr" bIns="91425" lIns="91425" spcFirstLastPara="1" rIns="91425" wrap="square" tIns="91425">
+            <a:bodyPr spcFirstLastPara="1" wrap="square" lIns="91425" tIns="91425" rIns="91425" bIns="91425" anchor="ctr" anchorCtr="0">
               <a:noAutofit/>
             </a:bodyPr>
             <a:lstStyle/>
             <a:p>
-              <a:pPr indent="0" lvl="0" marL="0" rtl="0" algn="l">
+              <a:pPr marL="0" lvl="0" indent="0" algn="l" rtl="0">
                 <a:spcBef>
                   <a:spcPts val="0"/>
                 </a:spcBef>
@@ -6459,9 +6408,6 @@
                 </a:spcAft>
                 <a:buNone/>
               </a:pPr>
-              <a:r>
-                <a:t/>
-              </a:r>
               <a:endParaRPr/>
             </a:p>
           </p:txBody>
@@ -6479,7 +6425,7 @@
             </a:xfrm>
             <a:prstGeom prst="diagStripe">
               <a:avLst>
-                <a:gd fmla="val 50000" name="adj"/>
+                <a:gd name="adj" fmla="val 50000"/>
               </a:avLst>
             </a:prstGeom>
             <a:solidFill>
@@ -6492,12 +6438,12 @@
             </a:ln>
           </p:spPr>
           <p:txBody>
-            <a:bodyPr anchorCtr="0" anchor="ctr" bIns="91425" lIns="91425" spcFirstLastPara="1" rIns="91425" wrap="square" tIns="91425">
+            <a:bodyPr spcFirstLastPara="1" wrap="square" lIns="91425" tIns="91425" rIns="91425" bIns="91425" anchor="ctr" anchorCtr="0">
               <a:noAutofit/>
             </a:bodyPr>
             <a:lstStyle/>
             <a:p>
-              <a:pPr indent="0" lvl="0" marL="0" rtl="0" algn="l">
+              <a:pPr marL="0" lvl="0" indent="0" algn="l" rtl="0">
                 <a:spcBef>
                   <a:spcPts val="0"/>
                 </a:spcBef>
@@ -6506,9 +6452,6 @@
                 </a:spcAft>
                 <a:buNone/>
               </a:pPr>
-              <a:r>
-                <a:t/>
-              </a:r>
               <a:endParaRPr/>
             </a:p>
           </p:txBody>
@@ -6526,7 +6469,7 @@
             </a:xfrm>
             <a:prstGeom prst="diagStripe">
               <a:avLst>
-                <a:gd fmla="val 50000" name="adj"/>
+                <a:gd name="adj" fmla="val 50000"/>
               </a:avLst>
             </a:prstGeom>
             <a:solidFill>
@@ -6537,12 +6480,12 @@
             </a:ln>
           </p:spPr>
           <p:txBody>
-            <a:bodyPr anchorCtr="0" anchor="ctr" bIns="91425" lIns="91425" spcFirstLastPara="1" rIns="91425" wrap="square" tIns="91425">
+            <a:bodyPr spcFirstLastPara="1" wrap="square" lIns="91425" tIns="91425" rIns="91425" bIns="91425" anchor="ctr" anchorCtr="0">
               <a:noAutofit/>
             </a:bodyPr>
             <a:lstStyle/>
             <a:p>
-              <a:pPr indent="0" lvl="0" marL="0" rtl="0" algn="l">
+              <a:pPr marL="0" lvl="0" indent="0" algn="l" rtl="0">
                 <a:spcBef>
                   <a:spcPts val="0"/>
                 </a:spcBef>
@@ -6551,9 +6494,6 @@
                 </a:spcAft>
                 <a:buNone/>
               </a:pPr>
-              <a:r>
-                <a:t/>
-              </a:r>
               <a:endParaRPr/>
             </a:p>
           </p:txBody>
@@ -6571,7 +6511,7 @@
             </a:xfrm>
             <a:prstGeom prst="diagStripe">
               <a:avLst>
-                <a:gd fmla="val 50000" name="adj"/>
+                <a:gd name="adj" fmla="val 50000"/>
               </a:avLst>
             </a:prstGeom>
             <a:solidFill>
@@ -6584,12 +6524,12 @@
             </a:ln>
           </p:spPr>
           <p:txBody>
-            <a:bodyPr anchorCtr="0" anchor="ctr" bIns="91425" lIns="91425" spcFirstLastPara="1" rIns="91425" wrap="square" tIns="91425">
+            <a:bodyPr spcFirstLastPara="1" wrap="square" lIns="91425" tIns="91425" rIns="91425" bIns="91425" anchor="ctr" anchorCtr="0">
               <a:noAutofit/>
             </a:bodyPr>
             <a:lstStyle/>
             <a:p>
-              <a:pPr indent="0" lvl="0" marL="0" rtl="0" algn="l">
+              <a:pPr marL="0" lvl="0" indent="0" algn="l" rtl="0">
                 <a:spcBef>
                   <a:spcPts val="0"/>
                 </a:spcBef>
@@ -6598,9 +6538,6 @@
                 </a:spcAft>
                 <a:buNone/>
               </a:pPr>
-              <a:r>
-                <a:t/>
-              </a:r>
               <a:endParaRPr/>
             </a:p>
           </p:txBody>
@@ -6618,7 +6555,7 @@
             </a:xfrm>
             <a:prstGeom prst="diagStripe">
               <a:avLst>
-                <a:gd fmla="val 50000" name="adj"/>
+                <a:gd name="adj" fmla="val 50000"/>
               </a:avLst>
             </a:prstGeom>
             <a:solidFill>
@@ -6631,12 +6568,12 @@
             </a:ln>
           </p:spPr>
           <p:txBody>
-            <a:bodyPr anchorCtr="0" anchor="ctr" bIns="91425" lIns="91425" spcFirstLastPara="1" rIns="91425" wrap="square" tIns="91425">
+            <a:bodyPr spcFirstLastPara="1" wrap="square" lIns="91425" tIns="91425" rIns="91425" bIns="91425" anchor="ctr" anchorCtr="0">
               <a:noAutofit/>
             </a:bodyPr>
             <a:lstStyle/>
             <a:p>
-              <a:pPr indent="0" lvl="0" marL="0" rtl="0" algn="l">
+              <a:pPr marL="0" lvl="0" indent="0" algn="l" rtl="0">
                 <a:spcBef>
                   <a:spcPts val="0"/>
                 </a:spcBef>
@@ -6645,9 +6582,6 @@
                 </a:spcAft>
                 <a:buNone/>
               </a:pPr>
-              <a:r>
-                <a:t/>
-              </a:r>
               <a:endParaRPr/>
             </a:p>
           </p:txBody>
@@ -6665,7 +6599,7 @@
             </a:xfrm>
             <a:prstGeom prst="diagStripe">
               <a:avLst>
-                <a:gd fmla="val 50000" name="adj"/>
+                <a:gd name="adj" fmla="val 50000"/>
               </a:avLst>
             </a:prstGeom>
             <a:solidFill>
@@ -6678,12 +6612,12 @@
             </a:ln>
           </p:spPr>
           <p:txBody>
-            <a:bodyPr anchorCtr="0" anchor="ctr" bIns="91425" lIns="91425" spcFirstLastPara="1" rIns="91425" wrap="square" tIns="91425">
+            <a:bodyPr spcFirstLastPara="1" wrap="square" lIns="91425" tIns="91425" rIns="91425" bIns="91425" anchor="ctr" anchorCtr="0">
               <a:noAutofit/>
             </a:bodyPr>
             <a:lstStyle/>
             <a:p>
-              <a:pPr indent="0" lvl="0" marL="0" rtl="0" algn="l">
+              <a:pPr marL="0" lvl="0" indent="0" algn="l" rtl="0">
                 <a:spcBef>
                   <a:spcPts val="0"/>
                 </a:spcBef>
@@ -6692,9 +6626,6 @@
                 </a:spcAft>
                 <a:buNone/>
               </a:pPr>
-              <a:r>
-                <a:t/>
-              </a:r>
               <a:endParaRPr/>
             </a:p>
           </p:txBody>
@@ -6712,7 +6643,7 @@
             </a:xfrm>
             <a:prstGeom prst="diagStripe">
               <a:avLst>
-                <a:gd fmla="val 50000" name="adj"/>
+                <a:gd name="adj" fmla="val 50000"/>
               </a:avLst>
             </a:prstGeom>
             <a:solidFill>
@@ -6725,12 +6656,12 @@
             </a:ln>
           </p:spPr>
           <p:txBody>
-            <a:bodyPr anchorCtr="0" anchor="ctr" bIns="91425" lIns="91425" spcFirstLastPara="1" rIns="91425" wrap="square" tIns="91425">
+            <a:bodyPr spcFirstLastPara="1" wrap="square" lIns="91425" tIns="91425" rIns="91425" bIns="91425" anchor="ctr" anchorCtr="0">
               <a:noAutofit/>
             </a:bodyPr>
             <a:lstStyle/>
             <a:p>
-              <a:pPr indent="0" lvl="0" marL="0" rtl="0" algn="l">
+              <a:pPr marL="0" lvl="0" indent="0" algn="l" rtl="0">
                 <a:spcBef>
                   <a:spcPts val="0"/>
                 </a:spcBef>
@@ -6739,9 +6670,6 @@
                 </a:spcAft>
                 <a:buNone/>
               </a:pPr>
-              <a:r>
-                <a:t/>
-              </a:r>
               <a:endParaRPr/>
             </a:p>
           </p:txBody>
@@ -6759,7 +6687,7 @@
             </a:xfrm>
             <a:prstGeom prst="diagStripe">
               <a:avLst>
-                <a:gd fmla="val 50000" name="adj"/>
+                <a:gd name="adj" fmla="val 50000"/>
               </a:avLst>
             </a:prstGeom>
             <a:solidFill>
@@ -6772,12 +6700,12 @@
             </a:ln>
           </p:spPr>
           <p:txBody>
-            <a:bodyPr anchorCtr="0" anchor="ctr" bIns="91425" lIns="91425" spcFirstLastPara="1" rIns="91425" wrap="square" tIns="91425">
+            <a:bodyPr spcFirstLastPara="1" wrap="square" lIns="91425" tIns="91425" rIns="91425" bIns="91425" anchor="ctr" anchorCtr="0">
               <a:noAutofit/>
             </a:bodyPr>
             <a:lstStyle/>
             <a:p>
-              <a:pPr indent="0" lvl="0" marL="0" rtl="0" algn="l">
+              <a:pPr marL="0" lvl="0" indent="0" algn="l" rtl="0">
                 <a:spcBef>
                   <a:spcPts val="0"/>
                 </a:spcBef>
@@ -6786,9 +6714,6 @@
                 </a:spcAft>
                 <a:buNone/>
               </a:pPr>
-              <a:r>
-                <a:t/>
-              </a:r>
               <a:endParaRPr/>
             </a:p>
           </p:txBody>
@@ -6806,7 +6731,7 @@
             </a:xfrm>
             <a:prstGeom prst="diagStripe">
               <a:avLst>
-                <a:gd fmla="val 50000" name="adj"/>
+                <a:gd name="adj" fmla="val 50000"/>
               </a:avLst>
             </a:prstGeom>
             <a:solidFill>
@@ -6817,12 +6742,12 @@
             </a:ln>
           </p:spPr>
           <p:txBody>
-            <a:bodyPr anchorCtr="0" anchor="ctr" bIns="91425" lIns="91425" spcFirstLastPara="1" rIns="91425" wrap="square" tIns="91425">
+            <a:bodyPr spcFirstLastPara="1" wrap="square" lIns="91425" tIns="91425" rIns="91425" bIns="91425" anchor="ctr" anchorCtr="0">
               <a:noAutofit/>
             </a:bodyPr>
             <a:lstStyle/>
             <a:p>
-              <a:pPr indent="0" lvl="0" marL="0" rtl="0" algn="l">
+              <a:pPr marL="0" lvl="0" indent="0" algn="l" rtl="0">
                 <a:spcBef>
                   <a:spcPts val="0"/>
                 </a:spcBef>
@@ -6831,9 +6756,6 @@
                 </a:spcAft>
                 <a:buNone/>
               </a:pPr>
-              <a:r>
-                <a:t/>
-              </a:r>
               <a:endParaRPr/>
             </a:p>
           </p:txBody>
@@ -6851,7 +6773,7 @@
             </a:xfrm>
             <a:prstGeom prst="diagStripe">
               <a:avLst>
-                <a:gd fmla="val 50000" name="adj"/>
+                <a:gd name="adj" fmla="val 50000"/>
               </a:avLst>
             </a:prstGeom>
             <a:solidFill>
@@ -6864,12 +6786,12 @@
             </a:ln>
           </p:spPr>
           <p:txBody>
-            <a:bodyPr anchorCtr="0" anchor="ctr" bIns="91425" lIns="91425" spcFirstLastPara="1" rIns="91425" wrap="square" tIns="91425">
+            <a:bodyPr spcFirstLastPara="1" wrap="square" lIns="91425" tIns="91425" rIns="91425" bIns="91425" anchor="ctr" anchorCtr="0">
               <a:noAutofit/>
             </a:bodyPr>
             <a:lstStyle/>
             <a:p>
-              <a:pPr indent="0" lvl="0" marL="0" rtl="0" algn="l">
+              <a:pPr marL="0" lvl="0" indent="0" algn="l" rtl="0">
                 <a:spcBef>
                   <a:spcPts val="0"/>
                 </a:spcBef>
@@ -6878,9 +6800,6 @@
                 </a:spcAft>
                 <a:buNone/>
               </a:pPr>
-              <a:r>
-                <a:t/>
-              </a:r>
               <a:endParaRPr/>
             </a:p>
           </p:txBody>
@@ -6898,7 +6817,7 @@
             </a:xfrm>
             <a:prstGeom prst="diagStripe">
               <a:avLst>
-                <a:gd fmla="val 50000" name="adj"/>
+                <a:gd name="adj" fmla="val 50000"/>
               </a:avLst>
             </a:prstGeom>
             <a:solidFill>
@@ -6911,12 +6830,12 @@
             </a:ln>
           </p:spPr>
           <p:txBody>
-            <a:bodyPr anchorCtr="0" anchor="ctr" bIns="91425" lIns="91425" spcFirstLastPara="1" rIns="91425" wrap="square" tIns="91425">
+            <a:bodyPr spcFirstLastPara="1" wrap="square" lIns="91425" tIns="91425" rIns="91425" bIns="91425" anchor="ctr" anchorCtr="0">
               <a:noAutofit/>
             </a:bodyPr>
             <a:lstStyle/>
             <a:p>
-              <a:pPr indent="0" lvl="0" marL="0" rtl="0" algn="l">
+              <a:pPr marL="0" lvl="0" indent="0" algn="l" rtl="0">
                 <a:spcBef>
                   <a:spcPts val="0"/>
                 </a:spcBef>
@@ -6925,9 +6844,6 @@
                 </a:spcAft>
                 <a:buNone/>
               </a:pPr>
-              <a:r>
-                <a:t/>
-              </a:r>
               <a:endParaRPr/>
             </a:p>
           </p:txBody>
@@ -6945,7 +6861,7 @@
             </a:xfrm>
             <a:prstGeom prst="diagStripe">
               <a:avLst>
-                <a:gd fmla="val 50000" name="adj"/>
+                <a:gd name="adj" fmla="val 50000"/>
               </a:avLst>
             </a:prstGeom>
             <a:solidFill>
@@ -6958,12 +6874,12 @@
             </a:ln>
           </p:spPr>
           <p:txBody>
-            <a:bodyPr anchorCtr="0" anchor="ctr" bIns="91425" lIns="91425" spcFirstLastPara="1" rIns="91425" wrap="square" tIns="91425">
+            <a:bodyPr spcFirstLastPara="1" wrap="square" lIns="91425" tIns="91425" rIns="91425" bIns="91425" anchor="ctr" anchorCtr="0">
               <a:noAutofit/>
             </a:bodyPr>
             <a:lstStyle/>
             <a:p>
-              <a:pPr indent="0" lvl="0" marL="0" rtl="0" algn="l">
+              <a:pPr marL="0" lvl="0" indent="0" algn="l" rtl="0">
                 <a:spcBef>
                   <a:spcPts val="0"/>
                 </a:spcBef>
@@ -6972,9 +6888,6 @@
                 </a:spcAft>
                 <a:buNone/>
               </a:pPr>
-              <a:r>
-                <a:t/>
-              </a:r>
               <a:endParaRPr/>
             </a:p>
           </p:txBody>
@@ -6992,7 +6905,7 @@
             </a:xfrm>
             <a:prstGeom prst="diagStripe">
               <a:avLst>
-                <a:gd fmla="val 50000" name="adj"/>
+                <a:gd name="adj" fmla="val 50000"/>
               </a:avLst>
             </a:prstGeom>
             <a:solidFill>
@@ -7005,12 +6918,12 @@
             </a:ln>
           </p:spPr>
           <p:txBody>
-            <a:bodyPr anchorCtr="0" anchor="ctr" bIns="91425" lIns="91425" spcFirstLastPara="1" rIns="91425" wrap="square" tIns="91425">
+            <a:bodyPr spcFirstLastPara="1" wrap="square" lIns="91425" tIns="91425" rIns="91425" bIns="91425" anchor="ctr" anchorCtr="0">
               <a:noAutofit/>
             </a:bodyPr>
             <a:lstStyle/>
             <a:p>
-              <a:pPr indent="0" lvl="0" marL="0" rtl="0" algn="l">
+              <a:pPr marL="0" lvl="0" indent="0" algn="l" rtl="0">
                 <a:spcBef>
                   <a:spcPts val="0"/>
                 </a:spcBef>
@@ -7019,9 +6932,6 @@
                 </a:spcAft>
                 <a:buNone/>
               </a:pPr>
-              <a:r>
-                <a:t/>
-              </a:r>
               <a:endParaRPr/>
             </a:p>
           </p:txBody>
@@ -7030,7 +6940,9 @@
       <p:sp>
         <p:nvSpPr>
           <p:cNvPr id="89" name="Google Shape;89;p8"/>
-          <p:cNvSpPr txBox="1"/>
+          <p:cNvSpPr txBox="1">
+            <a:spLocks noGrp="1"/>
+          </p:cNvSpPr>
           <p:nvPr>
             <p:ph type="title"/>
           </p:nvPr>
@@ -7045,7 +6957,7 @@
           </a:prstGeom>
         </p:spPr>
         <p:txBody>
-          <a:bodyPr anchorCtr="0" anchor="ctr" bIns="91425" lIns="91425" spcFirstLastPara="1" rIns="91425" wrap="square" tIns="91425">
+          <a:bodyPr spcFirstLastPara="1" wrap="square" lIns="91425" tIns="91425" rIns="91425" bIns="91425" anchor="ctr" anchorCtr="0">
             <a:normAutofit/>
           </a:bodyPr>
           <a:lstStyle>
@@ -7149,15 +7061,19 @@
               <a:defRPr/>
             </a:lvl9pPr>
           </a:lstStyle>
-          <a:p/>
+          <a:p>
+            <a:endParaRPr/>
+          </a:p>
         </p:txBody>
       </p:sp>
       <p:sp>
         <p:nvSpPr>
           <p:cNvPr id="90" name="Google Shape;90;p8"/>
-          <p:cNvSpPr txBox="1"/>
+          <p:cNvSpPr txBox="1">
+            <a:spLocks noGrp="1"/>
+          </p:cNvSpPr>
           <p:nvPr>
-            <p:ph idx="12" type="sldNum"/>
+            <p:ph type="sldNum" idx="12"/>
           </p:nvPr>
         </p:nvSpPr>
         <p:spPr>
@@ -7170,7 +7086,7 @@
           </a:prstGeom>
         </p:spPr>
         <p:txBody>
-          <a:bodyPr anchorCtr="0" anchor="ctr" bIns="91425" lIns="91425" spcFirstLastPara="1" rIns="91425" wrap="square" tIns="91425">
+          <a:bodyPr spcFirstLastPara="1" wrap="square" lIns="91425" tIns="91425" rIns="91425" bIns="91425" anchor="ctr" anchorCtr="0">
             <a:normAutofit/>
           </a:bodyPr>
           <a:lstStyle>
@@ -7212,7 +7128,7 @@
             </a:lvl9pPr>
           </a:lstStyle>
           <a:p>
-            <a:pPr indent="0" lvl="0" marL="0" rtl="0" algn="r">
+            <a:pPr marL="0" lvl="0" indent="0" algn="r" rtl="0">
               <a:spcBef>
                 <a:spcPts val="0"/>
               </a:spcBef>
@@ -7238,11 +7154,11 @@
 </file>
 
 <file path=ppt/slideLayouts/slideLayout8.xml><?xml version="1.0" encoding="utf-8"?>
-<p:sldLayout xmlns:a="http://schemas.openxmlformats.org/drawingml/2006/main" xmlns:r="http://schemas.openxmlformats.org/officeDocument/2006/relationships" xmlns:mc="http://schemas.openxmlformats.org/markup-compatibility/2006" xmlns:mv="urn:schemas-microsoft-com:mac:vml" xmlns:p="http://schemas.openxmlformats.org/presentationml/2006/main" xmlns:c="http://schemas.openxmlformats.org/drawingml/2006/chart" xmlns:dgm="http://schemas.openxmlformats.org/drawingml/2006/diagram" xmlns:o="urn:schemas-microsoft-com:office:office" xmlns:v="urn:schemas-microsoft-com:vml" xmlns:pvml="urn:schemas-microsoft-com:office:powerpoint" xmlns:com="http://schemas.openxmlformats.org/drawingml/2006/compatibility" xmlns:p14="http://schemas.microsoft.com/office/powerpoint/2010/main" xmlns:p15="http://schemas.microsoft.com/office/powerpoint/2012/main" xmlns:ahyp="http://schemas.microsoft.com/office/drawing/2018/hyperlinkcolor" matchingName="Section title and description">
+<p:sldLayout xmlns:a="http://schemas.openxmlformats.org/drawingml/2006/main" xmlns:r="http://schemas.openxmlformats.org/officeDocument/2006/relationships" xmlns:p="http://schemas.openxmlformats.org/presentationml/2006/main" matchingName="Section title and description">
   <p:cSld name="SECTION_TITLE_AND_DESCRIPTION">
     <p:spTree>
       <p:nvGrpSpPr>
-        <p:cNvPr id="91" name="Shape 91"/>
+        <p:cNvPr id="1" name="Shape 91"/>
         <p:cNvGrpSpPr/>
         <p:nvPr/>
       </p:nvGrpSpPr>
@@ -7281,7 +7197,7 @@
             </a:xfrm>
             <a:prstGeom prst="diagStripe">
               <a:avLst>
-                <a:gd fmla="val 50000" name="adj"/>
+                <a:gd name="adj" fmla="val 50000"/>
               </a:avLst>
             </a:prstGeom>
             <a:solidFill>
@@ -7292,12 +7208,12 @@
             </a:ln>
           </p:spPr>
           <p:txBody>
-            <a:bodyPr anchorCtr="0" anchor="ctr" bIns="91425" lIns="91425" spcFirstLastPara="1" rIns="91425" wrap="square" tIns="91425">
+            <a:bodyPr spcFirstLastPara="1" wrap="square" lIns="91425" tIns="91425" rIns="91425" bIns="91425" anchor="ctr" anchorCtr="0">
               <a:noAutofit/>
             </a:bodyPr>
             <a:lstStyle/>
             <a:p>
-              <a:pPr indent="0" lvl="0" marL="0" rtl="0" algn="l">
+              <a:pPr marL="0" lvl="0" indent="0" algn="l" rtl="0">
                 <a:spcBef>
                   <a:spcPts val="0"/>
                 </a:spcBef>
@@ -7306,9 +7222,6 @@
                 </a:spcAft>
                 <a:buNone/>
               </a:pPr>
-              <a:r>
-                <a:t/>
-              </a:r>
               <a:endParaRPr/>
             </a:p>
           </p:txBody>
@@ -7326,7 +7239,7 @@
             </a:xfrm>
             <a:prstGeom prst="diagStripe">
               <a:avLst>
-                <a:gd fmla="val 50000" name="adj"/>
+                <a:gd name="adj" fmla="val 50000"/>
               </a:avLst>
             </a:prstGeom>
             <a:solidFill>
@@ -7337,12 +7250,12 @@
             </a:ln>
           </p:spPr>
           <p:txBody>
-            <a:bodyPr anchorCtr="0" anchor="ctr" bIns="91425" lIns="91425" spcFirstLastPara="1" rIns="91425" wrap="square" tIns="91425">
+            <a:bodyPr spcFirstLastPara="1" wrap="square" lIns="91425" tIns="91425" rIns="91425" bIns="91425" anchor="ctr" anchorCtr="0">
               <a:noAutofit/>
             </a:bodyPr>
             <a:lstStyle/>
             <a:p>
-              <a:pPr indent="0" lvl="0" marL="0" rtl="0" algn="l">
+              <a:pPr marL="0" lvl="0" indent="0" algn="l" rtl="0">
                 <a:spcBef>
                   <a:spcPts val="0"/>
                 </a:spcBef>
@@ -7351,9 +7264,6 @@
                 </a:spcAft>
                 <a:buNone/>
               </a:pPr>
-              <a:r>
-                <a:t/>
-              </a:r>
               <a:endParaRPr/>
             </a:p>
           </p:txBody>
@@ -7362,7 +7272,9 @@
       <p:sp>
         <p:nvSpPr>
           <p:cNvPr id="95" name="Google Shape;95;p9"/>
-          <p:cNvSpPr txBox="1"/>
+          <p:cNvSpPr txBox="1">
+            <a:spLocks noGrp="1"/>
+          </p:cNvSpPr>
           <p:nvPr>
             <p:ph type="title"/>
           </p:nvPr>
@@ -7377,7 +7289,7 @@
           </a:prstGeom>
         </p:spPr>
         <p:txBody>
-          <a:bodyPr anchorCtr="0" anchor="t" bIns="91425" lIns="91425" spcFirstLastPara="1" rIns="91425" wrap="square" tIns="91425">
+          <a:bodyPr spcFirstLastPara="1" wrap="square" lIns="91425" tIns="91425" rIns="91425" bIns="91425" anchor="t" anchorCtr="0">
             <a:normAutofit/>
           </a:bodyPr>
           <a:lstStyle>
@@ -7481,15 +7393,19 @@
               <a:defRPr sz="2400"/>
             </a:lvl9pPr>
           </a:lstStyle>
-          <a:p/>
+          <a:p>
+            <a:endParaRPr/>
+          </a:p>
         </p:txBody>
       </p:sp>
       <p:sp>
         <p:nvSpPr>
           <p:cNvPr id="96" name="Google Shape;96;p9"/>
-          <p:cNvSpPr txBox="1"/>
+          <p:cNvSpPr txBox="1">
+            <a:spLocks noGrp="1"/>
+          </p:cNvSpPr>
           <p:nvPr>
-            <p:ph idx="1" type="subTitle"/>
+            <p:ph type="subTitle" idx="1"/>
           </p:nvPr>
         </p:nvSpPr>
         <p:spPr>
@@ -7502,7 +7418,7 @@
           </a:prstGeom>
         </p:spPr>
         <p:txBody>
-          <a:bodyPr anchorCtr="0" anchor="t" bIns="91425" lIns="91425" spcFirstLastPara="1" rIns="91425" wrap="square" tIns="91425">
+          <a:bodyPr spcFirstLastPara="1" wrap="square" lIns="91425" tIns="91425" rIns="91425" bIns="91425" anchor="t" anchorCtr="0">
             <a:normAutofit/>
           </a:bodyPr>
           <a:lstStyle>
@@ -7633,15 +7549,19 @@
               <a:defRPr sz="1300"/>
             </a:lvl9pPr>
           </a:lstStyle>
-          <a:p/>
+          <a:p>
+            <a:endParaRPr/>
+          </a:p>
         </p:txBody>
       </p:sp>
       <p:sp>
         <p:nvSpPr>
           <p:cNvPr id="97" name="Google Shape;97;p9"/>
-          <p:cNvSpPr txBox="1"/>
+          <p:cNvSpPr txBox="1">
+            <a:spLocks noGrp="1"/>
+          </p:cNvSpPr>
           <p:nvPr>
-            <p:ph idx="2" type="body"/>
+            <p:ph type="body" idx="2"/>
           </p:nvPr>
         </p:nvSpPr>
         <p:spPr>
@@ -7654,11 +7574,11 @@
           </a:prstGeom>
         </p:spPr>
         <p:txBody>
-          <a:bodyPr anchorCtr="0" anchor="t" bIns="91425" lIns="91425" spcFirstLastPara="1" rIns="91425" wrap="square" tIns="91425">
+          <a:bodyPr spcFirstLastPara="1" wrap="square" lIns="91425" tIns="91425" rIns="91425" bIns="91425" anchor="t" anchorCtr="0">
             <a:normAutofit/>
           </a:bodyPr>
           <a:lstStyle>
-            <a:lvl1pPr indent="-311150" lvl="0" marL="457200">
+            <a:lvl1pPr marL="457200" lvl="0" indent="-311150">
               <a:spcBef>
                 <a:spcPts val="0"/>
               </a:spcBef>
@@ -7669,7 +7589,7 @@
               <a:buChar char="●"/>
               <a:defRPr/>
             </a:lvl1pPr>
-            <a:lvl2pPr indent="-298450" lvl="1" marL="914400">
+            <a:lvl2pPr marL="914400" lvl="1" indent="-298450">
               <a:spcBef>
                 <a:spcPts val="0"/>
               </a:spcBef>
@@ -7680,7 +7600,7 @@
               <a:buChar char="○"/>
               <a:defRPr/>
             </a:lvl2pPr>
-            <a:lvl3pPr indent="-298450" lvl="2" marL="1371600">
+            <a:lvl3pPr marL="1371600" lvl="2" indent="-298450">
               <a:spcBef>
                 <a:spcPts val="0"/>
               </a:spcBef>
@@ -7691,7 +7611,7 @@
               <a:buChar char="■"/>
               <a:defRPr/>
             </a:lvl3pPr>
-            <a:lvl4pPr indent="-298450" lvl="3" marL="1828800">
+            <a:lvl4pPr marL="1828800" lvl="3" indent="-298450">
               <a:spcBef>
                 <a:spcPts val="0"/>
               </a:spcBef>
@@ -7702,7 +7622,7 @@
               <a:buChar char="●"/>
               <a:defRPr/>
             </a:lvl4pPr>
-            <a:lvl5pPr indent="-298450" lvl="4" marL="2286000">
+            <a:lvl5pPr marL="2286000" lvl="4" indent="-298450">
               <a:spcBef>
                 <a:spcPts val="0"/>
               </a:spcBef>
@@ -7713,7 +7633,7 @@
               <a:buChar char="○"/>
               <a:defRPr/>
             </a:lvl5pPr>
-            <a:lvl6pPr indent="-298450" lvl="5" marL="2743200">
+            <a:lvl6pPr marL="2743200" lvl="5" indent="-298450">
               <a:spcBef>
                 <a:spcPts val="0"/>
               </a:spcBef>
@@ -7724,7 +7644,7 @@
               <a:buChar char="■"/>
               <a:defRPr/>
             </a:lvl6pPr>
-            <a:lvl7pPr indent="-298450" lvl="6" marL="3200400">
+            <a:lvl7pPr marL="3200400" lvl="6" indent="-298450">
               <a:spcBef>
                 <a:spcPts val="0"/>
               </a:spcBef>
@@ -7735,7 +7655,7 @@
               <a:buChar char="●"/>
               <a:defRPr/>
             </a:lvl7pPr>
-            <a:lvl8pPr indent="-298450" lvl="7" marL="3657600">
+            <a:lvl8pPr marL="3657600" lvl="7" indent="-298450">
               <a:spcBef>
                 <a:spcPts val="0"/>
               </a:spcBef>
@@ -7746,7 +7666,7 @@
               <a:buChar char="○"/>
               <a:defRPr/>
             </a:lvl8pPr>
-            <a:lvl9pPr indent="-298450" lvl="8" marL="4114800">
+            <a:lvl9pPr marL="4114800" lvl="8" indent="-298450">
               <a:spcBef>
                 <a:spcPts val="0"/>
               </a:spcBef>
@@ -7758,15 +7678,19 @@
               <a:defRPr/>
             </a:lvl9pPr>
           </a:lstStyle>
-          <a:p/>
+          <a:p>
+            <a:endParaRPr/>
+          </a:p>
         </p:txBody>
       </p:sp>
       <p:sp>
         <p:nvSpPr>
           <p:cNvPr id="98" name="Google Shape;98;p9"/>
-          <p:cNvSpPr txBox="1"/>
+          <p:cNvSpPr txBox="1">
+            <a:spLocks noGrp="1"/>
+          </p:cNvSpPr>
           <p:nvPr>
-            <p:ph idx="12" type="sldNum"/>
+            <p:ph type="sldNum" idx="12"/>
           </p:nvPr>
         </p:nvSpPr>
         <p:spPr>
@@ -7779,7 +7703,7 @@
           </a:prstGeom>
         </p:spPr>
         <p:txBody>
-          <a:bodyPr anchorCtr="0" anchor="ctr" bIns="91425" lIns="91425" spcFirstLastPara="1" rIns="91425" wrap="square" tIns="91425">
+          <a:bodyPr spcFirstLastPara="1" wrap="square" lIns="91425" tIns="91425" rIns="91425" bIns="91425" anchor="ctr" anchorCtr="0">
             <a:normAutofit/>
           </a:bodyPr>
           <a:lstStyle>
@@ -7821,7 +7745,7 @@
             </a:lvl9pPr>
           </a:lstStyle>
           <a:p>
-            <a:pPr indent="0" lvl="0" marL="0" rtl="0" algn="r">
+            <a:pPr marL="0" lvl="0" indent="0" algn="r" rtl="0">
               <a:spcBef>
                 <a:spcPts val="0"/>
               </a:spcBef>
@@ -7847,11 +7771,11 @@
 </file>
 
 <file path=ppt/slideLayouts/slideLayout9.xml><?xml version="1.0" encoding="utf-8"?>
-<p:sldLayout xmlns:a="http://schemas.openxmlformats.org/drawingml/2006/main" xmlns:r="http://schemas.openxmlformats.org/officeDocument/2006/relationships" xmlns:mc="http://schemas.openxmlformats.org/markup-compatibility/2006" xmlns:mv="urn:schemas-microsoft-com:mac:vml" xmlns:p="http://schemas.openxmlformats.org/presentationml/2006/main" xmlns:c="http://schemas.openxmlformats.org/drawingml/2006/chart" xmlns:dgm="http://schemas.openxmlformats.org/drawingml/2006/diagram" xmlns:o="urn:schemas-microsoft-com:office:office" xmlns:v="urn:schemas-microsoft-com:vml" xmlns:pvml="urn:schemas-microsoft-com:office:powerpoint" xmlns:com="http://schemas.openxmlformats.org/drawingml/2006/compatibility" xmlns:p14="http://schemas.microsoft.com/office/powerpoint/2010/main" xmlns:p15="http://schemas.microsoft.com/office/powerpoint/2012/main" xmlns:ahyp="http://schemas.microsoft.com/office/drawing/2018/hyperlinkcolor" matchingName="Caption">
+<p:sldLayout xmlns:a="http://schemas.openxmlformats.org/drawingml/2006/main" xmlns:r="http://schemas.openxmlformats.org/officeDocument/2006/relationships" xmlns:p="http://schemas.openxmlformats.org/presentationml/2006/main" matchingName="Caption">
   <p:cSld name="CAPTION_ONLY">
     <p:spTree>
       <p:nvGrpSpPr>
-        <p:cNvPr id="99" name="Shape 99"/>
+        <p:cNvPr id="1" name="Shape 99"/>
         <p:cNvGrpSpPr/>
         <p:nvPr/>
       </p:nvGrpSpPr>
@@ -7890,7 +7814,7 @@
             </a:xfrm>
             <a:prstGeom prst="diagStripe">
               <a:avLst>
-                <a:gd fmla="val 50000" name="adj"/>
+                <a:gd name="adj" fmla="val 50000"/>
               </a:avLst>
             </a:prstGeom>
             <a:solidFill>
@@ -7903,12 +7827,12 @@
             </a:ln>
           </p:spPr>
           <p:txBody>
-            <a:bodyPr anchorCtr="0" anchor="ctr" bIns="91425" lIns="91425" spcFirstLastPara="1" rIns="91425" wrap="square" tIns="91425">
+            <a:bodyPr spcFirstLastPara="1" wrap="square" lIns="91425" tIns="91425" rIns="91425" bIns="91425" anchor="ctr" anchorCtr="0">
               <a:noAutofit/>
             </a:bodyPr>
             <a:lstStyle/>
             <a:p>
-              <a:pPr indent="0" lvl="0" marL="0" rtl="0" algn="l">
+              <a:pPr marL="0" lvl="0" indent="0" algn="l" rtl="0">
                 <a:spcBef>
                   <a:spcPts val="0"/>
                 </a:spcBef>
@@ -7917,9 +7841,6 @@
                 </a:spcAft>
                 <a:buNone/>
               </a:pPr>
-              <a:r>
-                <a:t/>
-              </a:r>
               <a:endParaRPr/>
             </a:p>
           </p:txBody>
@@ -7937,7 +7858,7 @@
             </a:xfrm>
             <a:prstGeom prst="diagStripe">
               <a:avLst>
-                <a:gd fmla="val 50000" name="adj"/>
+                <a:gd name="adj" fmla="val 50000"/>
               </a:avLst>
             </a:prstGeom>
             <a:solidFill>
@@ -7950,12 +7871,12 @@
             </a:ln>
           </p:spPr>
           <p:txBody>
-            <a:bodyPr anchorCtr="0" anchor="ctr" bIns="91425" lIns="91425" spcFirstLastPara="1" rIns="91425" wrap="square" tIns="91425">
+            <a:bodyPr spcFirstLastPara="1" wrap="square" lIns="91425" tIns="91425" rIns="91425" bIns="91425" anchor="ctr" anchorCtr="0">
               <a:noAutofit/>
             </a:bodyPr>
             <a:lstStyle/>
             <a:p>
-              <a:pPr indent="0" lvl="0" marL="0" rtl="0" algn="l">
+              <a:pPr marL="0" lvl="0" indent="0" algn="l" rtl="0">
                 <a:spcBef>
                   <a:spcPts val="0"/>
                 </a:spcBef>
@@ -7964,9 +7885,6 @@
                 </a:spcAft>
                 <a:buNone/>
               </a:pPr>
-              <a:r>
-                <a:t/>
-              </a:r>
               <a:endParaRPr/>
             </a:p>
           </p:txBody>
@@ -7975,9 +7893,11 @@
       <p:sp>
         <p:nvSpPr>
           <p:cNvPr id="103" name="Google Shape;103;p10"/>
-          <p:cNvSpPr txBox="1"/>
+          <p:cNvSpPr txBox="1">
+            <a:spLocks noGrp="1"/>
+          </p:cNvSpPr>
           <p:nvPr>
-            <p:ph idx="1" type="body"/>
+            <p:ph type="body" idx="1"/>
           </p:nvPr>
         </p:nvSpPr>
         <p:spPr>
@@ -7990,11 +7910,11 @@
           </a:prstGeom>
         </p:spPr>
         <p:txBody>
-          <a:bodyPr anchorCtr="0" anchor="ctr" bIns="91425" lIns="91425" spcFirstLastPara="1" rIns="91425" wrap="square" tIns="91425">
+          <a:bodyPr spcFirstLastPara="1" wrap="square" lIns="91425" tIns="91425" rIns="91425" bIns="91425" anchor="ctr" anchorCtr="0">
             <a:normAutofit/>
           </a:bodyPr>
           <a:lstStyle>
-            <a:lvl1pPr indent="-228600" lvl="0" marL="457200">
+            <a:lvl1pPr marL="457200" lvl="0" indent="-228600">
               <a:lnSpc>
                 <a:spcPct val="100000"/>
               </a:lnSpc>
@@ -8009,15 +7929,19 @@
               <a:defRPr/>
             </a:lvl1pPr>
           </a:lstStyle>
-          <a:p/>
+          <a:p>
+            <a:endParaRPr/>
+          </a:p>
         </p:txBody>
       </p:sp>
       <p:sp>
         <p:nvSpPr>
           <p:cNvPr id="104" name="Google Shape;104;p10"/>
-          <p:cNvSpPr txBox="1"/>
+          <p:cNvSpPr txBox="1">
+            <a:spLocks noGrp="1"/>
+          </p:cNvSpPr>
           <p:nvPr>
-            <p:ph idx="12" type="sldNum"/>
+            <p:ph type="sldNum" idx="12"/>
           </p:nvPr>
         </p:nvSpPr>
         <p:spPr>
@@ -8030,7 +7954,7 @@
           </a:prstGeom>
         </p:spPr>
         <p:txBody>
-          <a:bodyPr anchorCtr="0" anchor="ctr" bIns="91425" lIns="91425" spcFirstLastPara="1" rIns="91425" wrap="square" tIns="91425">
+          <a:bodyPr spcFirstLastPara="1" wrap="square" lIns="91425" tIns="91425" rIns="91425" bIns="91425" anchor="ctr" anchorCtr="0">
             <a:normAutofit/>
           </a:bodyPr>
           <a:lstStyle>
@@ -8072,7 +7996,7 @@
             </a:lvl9pPr>
           </a:lstStyle>
           <a:p>
-            <a:pPr indent="0" lvl="0" marL="0" rtl="0" algn="r">
+            <a:pPr marL="0" lvl="0" indent="0" algn="r" rtl="0">
               <a:spcBef>
                 <a:spcPts val="0"/>
               </a:spcBef>
@@ -8098,18 +8022,19 @@
 </file>
 
 <file path=ppt/slideMasters/slideMaster1.xml><?xml version="1.0" encoding="utf-8"?>
-<p:sldMaster xmlns:a="http://schemas.openxmlformats.org/drawingml/2006/main" xmlns:r="http://schemas.openxmlformats.org/officeDocument/2006/relationships" xmlns:mc="http://schemas.openxmlformats.org/markup-compatibility/2006" xmlns:mv="urn:schemas-microsoft-com:mac:vml" xmlns:p="http://schemas.openxmlformats.org/presentationml/2006/main" xmlns:c="http://schemas.openxmlformats.org/drawingml/2006/chart" xmlns:dgm="http://schemas.openxmlformats.org/drawingml/2006/diagram" xmlns:o="urn:schemas-microsoft-com:office:office" xmlns:v="urn:schemas-microsoft-com:vml" xmlns:pvml="urn:schemas-microsoft-com:office:powerpoint" xmlns:com="http://schemas.openxmlformats.org/drawingml/2006/compatibility" xmlns:p14="http://schemas.microsoft.com/office/powerpoint/2010/main" xmlns:p15="http://schemas.microsoft.com/office/powerpoint/2012/main" xmlns:ahyp="http://schemas.microsoft.com/office/drawing/2018/hyperlinkcolor">
+<p:sldMaster xmlns:a="http://schemas.openxmlformats.org/drawingml/2006/main" xmlns:r="http://schemas.openxmlformats.org/officeDocument/2006/relationships" xmlns:p="http://schemas.openxmlformats.org/presentationml/2006/main">
   <p:cSld name="focus">
     <p:bg>
       <p:bgPr>
         <a:solidFill>
           <a:schemeClr val="dk1"/>
         </a:solidFill>
+        <a:effectLst/>
       </p:bgPr>
     </p:bg>
     <p:spTree>
       <p:nvGrpSpPr>
-        <p:cNvPr id="5" name="Shape 5"/>
+        <p:cNvPr id="1" name="Shape 5"/>
         <p:cNvGrpSpPr/>
         <p:nvPr/>
       </p:nvGrpSpPr>
@@ -8124,7 +8049,9 @@
       <p:sp>
         <p:nvSpPr>
           <p:cNvPr id="6" name="Google Shape;6;p1"/>
-          <p:cNvSpPr txBox="1"/>
+          <p:cNvSpPr txBox="1">
+            <a:spLocks noGrp="1"/>
+          </p:cNvSpPr>
           <p:nvPr>
             <p:ph type="title"/>
           </p:nvPr>
@@ -8143,7 +8070,7 @@
           </a:ln>
         </p:spPr>
         <p:txBody>
-          <a:bodyPr anchorCtr="0" anchor="t" bIns="91425" lIns="91425" spcFirstLastPara="1" rIns="91425" wrap="square" tIns="91425">
+          <a:bodyPr spcFirstLastPara="1" wrap="square" lIns="91425" tIns="91425" rIns="91425" bIns="91425" anchor="t" anchorCtr="0">
             <a:normAutofit/>
           </a:bodyPr>
           <a:lstStyle>
@@ -8355,15 +8282,19 @@
               </a:defRPr>
             </a:lvl9pPr>
           </a:lstStyle>
-          <a:p/>
+          <a:p>
+            <a:endParaRPr/>
+          </a:p>
         </p:txBody>
       </p:sp>
       <p:sp>
         <p:nvSpPr>
           <p:cNvPr id="7" name="Google Shape;7;p1"/>
-          <p:cNvSpPr txBox="1"/>
+          <p:cNvSpPr txBox="1">
+            <a:spLocks noGrp="1"/>
+          </p:cNvSpPr>
           <p:nvPr>
-            <p:ph idx="1" type="body"/>
+            <p:ph type="body" idx="1"/>
           </p:nvPr>
         </p:nvSpPr>
         <p:spPr>
@@ -8380,11 +8311,11 @@
           </a:ln>
         </p:spPr>
         <p:txBody>
-          <a:bodyPr anchorCtr="0" anchor="t" bIns="91425" lIns="91425" spcFirstLastPara="1" rIns="91425" wrap="square" tIns="91425">
+          <a:bodyPr spcFirstLastPara="1" wrap="square" lIns="91425" tIns="91425" rIns="91425" bIns="91425" anchor="t" anchorCtr="0">
             <a:normAutofit/>
           </a:bodyPr>
           <a:lstStyle>
-            <a:lvl1pPr indent="-311150" lvl="0" marL="457200">
+            <a:lvl1pPr marL="457200" lvl="0" indent="-311150">
               <a:lnSpc>
                 <a:spcPct val="115000"/>
               </a:lnSpc>
@@ -8410,7 +8341,7 @@
                 <a:sym typeface="Lato"/>
               </a:defRPr>
             </a:lvl1pPr>
-            <a:lvl2pPr indent="-298450" lvl="1" marL="914400">
+            <a:lvl2pPr marL="914400" lvl="1" indent="-298450">
               <a:lnSpc>
                 <a:spcPct val="115000"/>
               </a:lnSpc>
@@ -8436,7 +8367,7 @@
                 <a:sym typeface="Lato"/>
               </a:defRPr>
             </a:lvl2pPr>
-            <a:lvl3pPr indent="-298450" lvl="2" marL="1371600">
+            <a:lvl3pPr marL="1371600" lvl="2" indent="-298450">
               <a:lnSpc>
                 <a:spcPct val="115000"/>
               </a:lnSpc>
@@ -8462,7 +8393,7 @@
                 <a:sym typeface="Lato"/>
               </a:defRPr>
             </a:lvl3pPr>
-            <a:lvl4pPr indent="-298450" lvl="3" marL="1828800">
+            <a:lvl4pPr marL="1828800" lvl="3" indent="-298450">
               <a:lnSpc>
                 <a:spcPct val="115000"/>
               </a:lnSpc>
@@ -8488,7 +8419,7 @@
                 <a:sym typeface="Lato"/>
               </a:defRPr>
             </a:lvl4pPr>
-            <a:lvl5pPr indent="-298450" lvl="4" marL="2286000">
+            <a:lvl5pPr marL="2286000" lvl="4" indent="-298450">
               <a:lnSpc>
                 <a:spcPct val="115000"/>
               </a:lnSpc>
@@ -8514,7 +8445,7 @@
                 <a:sym typeface="Lato"/>
               </a:defRPr>
             </a:lvl5pPr>
-            <a:lvl6pPr indent="-298450" lvl="5" marL="2743200">
+            <a:lvl6pPr marL="2743200" lvl="5" indent="-298450">
               <a:lnSpc>
                 <a:spcPct val="115000"/>
               </a:lnSpc>
@@ -8540,7 +8471,7 @@
                 <a:sym typeface="Lato"/>
               </a:defRPr>
             </a:lvl6pPr>
-            <a:lvl7pPr indent="-298450" lvl="6" marL="3200400">
+            <a:lvl7pPr marL="3200400" lvl="6" indent="-298450">
               <a:lnSpc>
                 <a:spcPct val="115000"/>
               </a:lnSpc>
@@ -8566,7 +8497,7 @@
                 <a:sym typeface="Lato"/>
               </a:defRPr>
             </a:lvl7pPr>
-            <a:lvl8pPr indent="-298450" lvl="7" marL="3657600">
+            <a:lvl8pPr marL="3657600" lvl="7" indent="-298450">
               <a:lnSpc>
                 <a:spcPct val="115000"/>
               </a:lnSpc>
@@ -8592,7 +8523,7 @@
                 <a:sym typeface="Lato"/>
               </a:defRPr>
             </a:lvl8pPr>
-            <a:lvl9pPr indent="-298450" lvl="8" marL="4114800">
+            <a:lvl9pPr marL="4114800" lvl="8" indent="-298450">
               <a:lnSpc>
                 <a:spcPct val="115000"/>
               </a:lnSpc>
@@ -8619,15 +8550,19 @@
               </a:defRPr>
             </a:lvl9pPr>
           </a:lstStyle>
-          <a:p/>
+          <a:p>
+            <a:endParaRPr/>
+          </a:p>
         </p:txBody>
       </p:sp>
       <p:sp>
         <p:nvSpPr>
           <p:cNvPr id="8" name="Google Shape;8;p1"/>
-          <p:cNvSpPr txBox="1"/>
+          <p:cNvSpPr txBox="1">
+            <a:spLocks noGrp="1"/>
+          </p:cNvSpPr>
           <p:nvPr>
-            <p:ph idx="12" type="sldNum"/>
+            <p:ph type="sldNum" idx="12"/>
           </p:nvPr>
         </p:nvSpPr>
         <p:spPr>
@@ -8644,7 +8579,7 @@
           </a:ln>
         </p:spPr>
         <p:txBody>
-          <a:bodyPr anchorCtr="0" anchor="ctr" bIns="91425" lIns="91425" spcFirstLastPara="1" rIns="91425" wrap="square" tIns="91425">
+          <a:bodyPr spcFirstLastPara="1" wrap="square" lIns="91425" tIns="91425" rIns="91425" bIns="91425" anchor="ctr" anchorCtr="0">
             <a:normAutofit/>
           </a:bodyPr>
           <a:lstStyle>
@@ -8758,7 +8693,7 @@
             </a:lvl9pPr>
           </a:lstStyle>
           <a:p>
-            <a:pPr indent="0" lvl="0" marL="0" rtl="0" algn="r">
+            <a:pPr marL="0" lvl="0" indent="0" algn="r" rtl="0">
               <a:spcBef>
                 <a:spcPts val="0"/>
               </a:spcBef>
@@ -8777,7 +8712,7 @@
       </p:sp>
     </p:spTree>
   </p:cSld>
-  <p:clrMap accent1="accent1" accent2="accent2" accent3="accent3" accent4="accent4" accent5="accent5" accent6="accent6" bg1="lt1" bg2="dk2" tx1="dk1" tx2="lt2" folHlink="folHlink" hlink="hlink"/>
+  <p:clrMap bg1="lt1" tx1="dk1" bg2="dk2" tx2="lt2" accent1="accent1" accent2="accent2" accent3="accent3" accent4="accent4" accent5="accent5" accent6="accent6" hlink="hlink" folHlink="folHlink"/>
   <p:sldLayoutIdLst>
     <p:sldLayoutId id="2147483648" r:id="rId1"/>
     <p:sldLayoutId id="2147483649" r:id="rId2"/>
@@ -8791,10 +8726,10 @@
     <p:sldLayoutId id="2147483657" r:id="rId10"/>
     <p:sldLayoutId id="2147483658" r:id="rId11"/>
   </p:sldLayoutIdLst>
-  <p:hf dt="0" ftr="0" hdr="0" sldNum="0"/>
+  <p:hf sldNum="0" hdr="0" ftr="0" dt="0"/>
   <p:txStyles>
     <p:titleStyle>
-      <a:defPPr lvl="0" marR="0" rtl="0" algn="l">
+      <a:defPPr marR="0" lvl="0" algn="l" rtl="0">
         <a:lnSpc>
           <a:spcPct val="100000"/>
         </a:lnSpc>
@@ -8805,7 +8740,7 @@
           <a:spcPts val="0"/>
         </a:spcAft>
       </a:defPPr>
-      <a:lvl1pPr lvl="0" marR="0" rtl="0" algn="l">
+      <a:lvl1pPr marR="0" lvl="0" algn="l" rtl="0">
         <a:lnSpc>
           <a:spcPct val="100000"/>
         </a:lnSpc>
@@ -8819,7 +8754,7 @@
           <a:srgbClr val="000000"/>
         </a:buClr>
         <a:buFont typeface="Arial"/>
-        <a:defRPr b="0" i="0" sz="1400" u="none" cap="none" strike="noStrike">
+        <a:defRPr sz="1400" b="0" i="0" u="none" strike="noStrike" cap="none">
           <a:solidFill>
             <a:srgbClr val="000000"/>
           </a:solidFill>
@@ -8829,7 +8764,7 @@
           <a:sym typeface="Arial"/>
         </a:defRPr>
       </a:lvl1pPr>
-      <a:lvl2pPr lvl="1" marR="0" rtl="0" algn="l">
+      <a:lvl2pPr marR="0" lvl="1" algn="l" rtl="0">
         <a:lnSpc>
           <a:spcPct val="100000"/>
         </a:lnSpc>
@@ -8843,7 +8778,7 @@
           <a:srgbClr val="000000"/>
         </a:buClr>
         <a:buFont typeface="Arial"/>
-        <a:defRPr b="0" i="0" sz="1400" u="none" cap="none" strike="noStrike">
+        <a:defRPr sz="1400" b="0" i="0" u="none" strike="noStrike" cap="none">
           <a:solidFill>
             <a:srgbClr val="000000"/>
           </a:solidFill>
@@ -8853,7 +8788,7 @@
           <a:sym typeface="Arial"/>
         </a:defRPr>
       </a:lvl2pPr>
-      <a:lvl3pPr lvl="2" marR="0" rtl="0" algn="l">
+      <a:lvl3pPr marR="0" lvl="2" algn="l" rtl="0">
         <a:lnSpc>
           <a:spcPct val="100000"/>
         </a:lnSpc>
@@ -8867,7 +8802,7 @@
           <a:srgbClr val="000000"/>
         </a:buClr>
         <a:buFont typeface="Arial"/>
-        <a:defRPr b="0" i="0" sz="1400" u="none" cap="none" strike="noStrike">
+        <a:defRPr sz="1400" b="0" i="0" u="none" strike="noStrike" cap="none">
           <a:solidFill>
             <a:srgbClr val="000000"/>
           </a:solidFill>
@@ -8877,7 +8812,7 @@
           <a:sym typeface="Arial"/>
         </a:defRPr>
       </a:lvl3pPr>
-      <a:lvl4pPr lvl="3" marR="0" rtl="0" algn="l">
+      <a:lvl4pPr marR="0" lvl="3" algn="l" rtl="0">
         <a:lnSpc>
           <a:spcPct val="100000"/>
         </a:lnSpc>
@@ -8891,7 +8826,7 @@
           <a:srgbClr val="000000"/>
         </a:buClr>
         <a:buFont typeface="Arial"/>
-        <a:defRPr b="0" i="0" sz="1400" u="none" cap="none" strike="noStrike">
+        <a:defRPr sz="1400" b="0" i="0" u="none" strike="noStrike" cap="none">
           <a:solidFill>
             <a:srgbClr val="000000"/>
           </a:solidFill>
@@ -8901,7 +8836,7 @@
           <a:sym typeface="Arial"/>
         </a:defRPr>
       </a:lvl4pPr>
-      <a:lvl5pPr lvl="4" marR="0" rtl="0" algn="l">
+      <a:lvl5pPr marR="0" lvl="4" algn="l" rtl="0">
         <a:lnSpc>
           <a:spcPct val="100000"/>
         </a:lnSpc>
@@ -8915,7 +8850,7 @@
           <a:srgbClr val="000000"/>
         </a:buClr>
         <a:buFont typeface="Arial"/>
-        <a:defRPr b="0" i="0" sz="1400" u="none" cap="none" strike="noStrike">
+        <a:defRPr sz="1400" b="0" i="0" u="none" strike="noStrike" cap="none">
           <a:solidFill>
             <a:srgbClr val="000000"/>
           </a:solidFill>
@@ -8925,7 +8860,7 @@
           <a:sym typeface="Arial"/>
         </a:defRPr>
       </a:lvl5pPr>
-      <a:lvl6pPr lvl="5" marR="0" rtl="0" algn="l">
+      <a:lvl6pPr marR="0" lvl="5" algn="l" rtl="0">
         <a:lnSpc>
           <a:spcPct val="100000"/>
         </a:lnSpc>
@@ -8939,7 +8874,7 @@
           <a:srgbClr val="000000"/>
         </a:buClr>
         <a:buFont typeface="Arial"/>
-        <a:defRPr b="0" i="0" sz="1400" u="none" cap="none" strike="noStrike">
+        <a:defRPr sz="1400" b="0" i="0" u="none" strike="noStrike" cap="none">
           <a:solidFill>
             <a:srgbClr val="000000"/>
           </a:solidFill>
@@ -8949,7 +8884,7 @@
           <a:sym typeface="Arial"/>
         </a:defRPr>
       </a:lvl6pPr>
-      <a:lvl7pPr lvl="6" marR="0" rtl="0" algn="l">
+      <a:lvl7pPr marR="0" lvl="6" algn="l" rtl="0">
         <a:lnSpc>
           <a:spcPct val="100000"/>
         </a:lnSpc>
@@ -8963,7 +8898,7 @@
           <a:srgbClr val="000000"/>
         </a:buClr>
         <a:buFont typeface="Arial"/>
-        <a:defRPr b="0" i="0" sz="1400" u="none" cap="none" strike="noStrike">
+        <a:defRPr sz="1400" b="0" i="0" u="none" strike="noStrike" cap="none">
           <a:solidFill>
             <a:srgbClr val="000000"/>
           </a:solidFill>
@@ -8973,7 +8908,7 @@
           <a:sym typeface="Arial"/>
         </a:defRPr>
       </a:lvl7pPr>
-      <a:lvl8pPr lvl="7" marR="0" rtl="0" algn="l">
+      <a:lvl8pPr marR="0" lvl="7" algn="l" rtl="0">
         <a:lnSpc>
           <a:spcPct val="100000"/>
         </a:lnSpc>
@@ -8987,7 +8922,7 @@
           <a:srgbClr val="000000"/>
         </a:buClr>
         <a:buFont typeface="Arial"/>
-        <a:defRPr b="0" i="0" sz="1400" u="none" cap="none" strike="noStrike">
+        <a:defRPr sz="1400" b="0" i="0" u="none" strike="noStrike" cap="none">
           <a:solidFill>
             <a:srgbClr val="000000"/>
           </a:solidFill>
@@ -8997,7 +8932,7 @@
           <a:sym typeface="Arial"/>
         </a:defRPr>
       </a:lvl8pPr>
-      <a:lvl9pPr lvl="8" marR="0" rtl="0" algn="l">
+      <a:lvl9pPr marR="0" lvl="8" algn="l" rtl="0">
         <a:lnSpc>
           <a:spcPct val="100000"/>
         </a:lnSpc>
@@ -9011,7 +8946,7 @@
           <a:srgbClr val="000000"/>
         </a:buClr>
         <a:buFont typeface="Arial"/>
-        <a:defRPr b="0" i="0" sz="1400" u="none" cap="none" strike="noStrike">
+        <a:defRPr sz="1400" b="0" i="0" u="none" strike="noStrike" cap="none">
           <a:solidFill>
             <a:srgbClr val="000000"/>
           </a:solidFill>
@@ -9023,7 +8958,7 @@
       </a:lvl9pPr>
     </p:titleStyle>
     <p:bodyStyle>
-      <a:defPPr lvl="0" marR="0" rtl="0" algn="l">
+      <a:defPPr marR="0" lvl="0" algn="l" rtl="0">
         <a:lnSpc>
           <a:spcPct val="100000"/>
         </a:lnSpc>
@@ -9034,7 +8969,7 @@
           <a:spcPts val="0"/>
         </a:spcAft>
       </a:defPPr>
-      <a:lvl1pPr lvl="0" marR="0" rtl="0" algn="l">
+      <a:lvl1pPr marR="0" lvl="0" algn="l" rtl="0">
         <a:lnSpc>
           <a:spcPct val="100000"/>
         </a:lnSpc>
@@ -9048,7 +8983,7 @@
           <a:srgbClr val="000000"/>
         </a:buClr>
         <a:buFont typeface="Arial"/>
-        <a:defRPr b="0" i="0" sz="1400" u="none" cap="none" strike="noStrike">
+        <a:defRPr sz="1400" b="0" i="0" u="none" strike="noStrike" cap="none">
           <a:solidFill>
             <a:srgbClr val="000000"/>
           </a:solidFill>
@@ -9058,7 +8993,7 @@
           <a:sym typeface="Arial"/>
         </a:defRPr>
       </a:lvl1pPr>
-      <a:lvl2pPr lvl="1" marR="0" rtl="0" algn="l">
+      <a:lvl2pPr marR="0" lvl="1" algn="l" rtl="0">
         <a:lnSpc>
           <a:spcPct val="100000"/>
         </a:lnSpc>
@@ -9072,7 +9007,7 @@
           <a:srgbClr val="000000"/>
         </a:buClr>
         <a:buFont typeface="Arial"/>
-        <a:defRPr b="0" i="0" sz="1400" u="none" cap="none" strike="noStrike">
+        <a:defRPr sz="1400" b="0" i="0" u="none" strike="noStrike" cap="none">
           <a:solidFill>
             <a:srgbClr val="000000"/>
           </a:solidFill>
@@ -9082,7 +9017,7 @@
           <a:sym typeface="Arial"/>
         </a:defRPr>
       </a:lvl2pPr>
-      <a:lvl3pPr lvl="2" marR="0" rtl="0" algn="l">
+      <a:lvl3pPr marR="0" lvl="2" algn="l" rtl="0">
         <a:lnSpc>
           <a:spcPct val="100000"/>
         </a:lnSpc>
@@ -9096,7 +9031,7 @@
           <a:srgbClr val="000000"/>
         </a:buClr>
         <a:buFont typeface="Arial"/>
-        <a:defRPr b="0" i="0" sz="1400" u="none" cap="none" strike="noStrike">
+        <a:defRPr sz="1400" b="0" i="0" u="none" strike="noStrike" cap="none">
           <a:solidFill>
             <a:srgbClr val="000000"/>
           </a:solidFill>
@@ -9106,7 +9041,7 @@
           <a:sym typeface="Arial"/>
         </a:defRPr>
       </a:lvl3pPr>
-      <a:lvl4pPr lvl="3" marR="0" rtl="0" algn="l">
+      <a:lvl4pPr marR="0" lvl="3" algn="l" rtl="0">
         <a:lnSpc>
           <a:spcPct val="100000"/>
         </a:lnSpc>
@@ -9120,7 +9055,7 @@
           <a:srgbClr val="000000"/>
         </a:buClr>
         <a:buFont typeface="Arial"/>
-        <a:defRPr b="0" i="0" sz="1400" u="none" cap="none" strike="noStrike">
+        <a:defRPr sz="1400" b="0" i="0" u="none" strike="noStrike" cap="none">
           <a:solidFill>
             <a:srgbClr val="000000"/>
           </a:solidFill>
@@ -9130,7 +9065,7 @@
           <a:sym typeface="Arial"/>
         </a:defRPr>
       </a:lvl4pPr>
-      <a:lvl5pPr lvl="4" marR="0" rtl="0" algn="l">
+      <a:lvl5pPr marR="0" lvl="4" algn="l" rtl="0">
         <a:lnSpc>
           <a:spcPct val="100000"/>
         </a:lnSpc>
@@ -9144,7 +9079,7 @@
           <a:srgbClr val="000000"/>
         </a:buClr>
         <a:buFont typeface="Arial"/>
-        <a:defRPr b="0" i="0" sz="1400" u="none" cap="none" strike="noStrike">
+        <a:defRPr sz="1400" b="0" i="0" u="none" strike="noStrike" cap="none">
           <a:solidFill>
             <a:srgbClr val="000000"/>
           </a:solidFill>
@@ -9154,7 +9089,7 @@
           <a:sym typeface="Arial"/>
         </a:defRPr>
       </a:lvl5pPr>
-      <a:lvl6pPr lvl="5" marR="0" rtl="0" algn="l">
+      <a:lvl6pPr marR="0" lvl="5" algn="l" rtl="0">
         <a:lnSpc>
           <a:spcPct val="100000"/>
         </a:lnSpc>
@@ -9168,7 +9103,7 @@
           <a:srgbClr val="000000"/>
         </a:buClr>
         <a:buFont typeface="Arial"/>
-        <a:defRPr b="0" i="0" sz="1400" u="none" cap="none" strike="noStrike">
+        <a:defRPr sz="1400" b="0" i="0" u="none" strike="noStrike" cap="none">
           <a:solidFill>
             <a:srgbClr val="000000"/>
           </a:solidFill>
@@ -9178,7 +9113,7 @@
           <a:sym typeface="Arial"/>
         </a:defRPr>
       </a:lvl6pPr>
-      <a:lvl7pPr lvl="6" marR="0" rtl="0" algn="l">
+      <a:lvl7pPr marR="0" lvl="6" algn="l" rtl="0">
         <a:lnSpc>
           <a:spcPct val="100000"/>
         </a:lnSpc>
@@ -9192,7 +9127,7 @@
           <a:srgbClr val="000000"/>
         </a:buClr>
         <a:buFont typeface="Arial"/>
-        <a:defRPr b="0" i="0" sz="1400" u="none" cap="none" strike="noStrike">
+        <a:defRPr sz="1400" b="0" i="0" u="none" strike="noStrike" cap="none">
           <a:solidFill>
             <a:srgbClr val="000000"/>
           </a:solidFill>
@@ -9202,7 +9137,7 @@
           <a:sym typeface="Arial"/>
         </a:defRPr>
       </a:lvl7pPr>
-      <a:lvl8pPr lvl="7" marR="0" rtl="0" algn="l">
+      <a:lvl8pPr marR="0" lvl="7" algn="l" rtl="0">
         <a:lnSpc>
           <a:spcPct val="100000"/>
         </a:lnSpc>
@@ -9216,7 +9151,7 @@
           <a:srgbClr val="000000"/>
         </a:buClr>
         <a:buFont typeface="Arial"/>
-        <a:defRPr b="0" i="0" sz="1400" u="none" cap="none" strike="noStrike">
+        <a:defRPr sz="1400" b="0" i="0" u="none" strike="noStrike" cap="none">
           <a:solidFill>
             <a:srgbClr val="000000"/>
           </a:solidFill>
@@ -9226,7 +9161,7 @@
           <a:sym typeface="Arial"/>
         </a:defRPr>
       </a:lvl8pPr>
-      <a:lvl9pPr lvl="8" marR="0" rtl="0" algn="l">
+      <a:lvl9pPr marR="0" lvl="8" algn="l" rtl="0">
         <a:lnSpc>
           <a:spcPct val="100000"/>
         </a:lnSpc>
@@ -9240,7 +9175,7 @@
           <a:srgbClr val="000000"/>
         </a:buClr>
         <a:buFont typeface="Arial"/>
-        <a:defRPr b="0" i="0" sz="1400" u="none" cap="none" strike="noStrike">
+        <a:defRPr sz="1400" b="0" i="0" u="none" strike="noStrike" cap="none">
           <a:solidFill>
             <a:srgbClr val="000000"/>
           </a:solidFill>
@@ -9252,7 +9187,7 @@
       </a:lvl9pPr>
     </p:bodyStyle>
     <p:otherStyle>
-      <a:defPPr lvl="0" marR="0" rtl="0" algn="l">
+      <a:defPPr marR="0" lvl="0" algn="l" rtl="0">
         <a:lnSpc>
           <a:spcPct val="100000"/>
         </a:lnSpc>
@@ -9263,7 +9198,7 @@
           <a:spcPts val="0"/>
         </a:spcAft>
       </a:defPPr>
-      <a:lvl1pPr lvl="0" marR="0" rtl="0" algn="l">
+      <a:lvl1pPr marR="0" lvl="0" algn="l" rtl="0">
         <a:lnSpc>
           <a:spcPct val="100000"/>
         </a:lnSpc>
@@ -9277,7 +9212,7 @@
           <a:srgbClr val="000000"/>
         </a:buClr>
         <a:buFont typeface="Arial"/>
-        <a:defRPr b="0" i="0" sz="1400" u="none" cap="none" strike="noStrike">
+        <a:defRPr sz="1400" b="0" i="0" u="none" strike="noStrike" cap="none">
           <a:solidFill>
             <a:srgbClr val="000000"/>
           </a:solidFill>
@@ -9287,7 +9222,7 @@
           <a:sym typeface="Arial"/>
         </a:defRPr>
       </a:lvl1pPr>
-      <a:lvl2pPr lvl="1" marR="0" rtl="0" algn="l">
+      <a:lvl2pPr marR="0" lvl="1" algn="l" rtl="0">
         <a:lnSpc>
           <a:spcPct val="100000"/>
         </a:lnSpc>
@@ -9301,7 +9236,7 @@
           <a:srgbClr val="000000"/>
         </a:buClr>
         <a:buFont typeface="Arial"/>
-        <a:defRPr b="0" i="0" sz="1400" u="none" cap="none" strike="noStrike">
+        <a:defRPr sz="1400" b="0" i="0" u="none" strike="noStrike" cap="none">
           <a:solidFill>
             <a:srgbClr val="000000"/>
           </a:solidFill>
@@ -9311,7 +9246,7 @@
           <a:sym typeface="Arial"/>
         </a:defRPr>
       </a:lvl2pPr>
-      <a:lvl3pPr lvl="2" marR="0" rtl="0" algn="l">
+      <a:lvl3pPr marR="0" lvl="2" algn="l" rtl="0">
         <a:lnSpc>
           <a:spcPct val="100000"/>
         </a:lnSpc>
@@ -9325,7 +9260,7 @@
           <a:srgbClr val="000000"/>
         </a:buClr>
         <a:buFont typeface="Arial"/>
-        <a:defRPr b="0" i="0" sz="1400" u="none" cap="none" strike="noStrike">
+        <a:defRPr sz="1400" b="0" i="0" u="none" strike="noStrike" cap="none">
           <a:solidFill>
             <a:srgbClr val="000000"/>
           </a:solidFill>
@@ -9335,7 +9270,7 @@
           <a:sym typeface="Arial"/>
         </a:defRPr>
       </a:lvl3pPr>
-      <a:lvl4pPr lvl="3" marR="0" rtl="0" algn="l">
+      <a:lvl4pPr marR="0" lvl="3" algn="l" rtl="0">
         <a:lnSpc>
           <a:spcPct val="100000"/>
         </a:lnSpc>
@@ -9349,7 +9284,7 @@
           <a:srgbClr val="000000"/>
         </a:buClr>
         <a:buFont typeface="Arial"/>
-        <a:defRPr b="0" i="0" sz="1400" u="none" cap="none" strike="noStrike">
+        <a:defRPr sz="1400" b="0" i="0" u="none" strike="noStrike" cap="none">
           <a:solidFill>
             <a:srgbClr val="000000"/>
           </a:solidFill>
@@ -9359,7 +9294,7 @@
           <a:sym typeface="Arial"/>
         </a:defRPr>
       </a:lvl4pPr>
-      <a:lvl5pPr lvl="4" marR="0" rtl="0" algn="l">
+      <a:lvl5pPr marR="0" lvl="4" algn="l" rtl="0">
         <a:lnSpc>
           <a:spcPct val="100000"/>
         </a:lnSpc>
@@ -9373,7 +9308,7 @@
           <a:srgbClr val="000000"/>
         </a:buClr>
         <a:buFont typeface="Arial"/>
-        <a:defRPr b="0" i="0" sz="1400" u="none" cap="none" strike="noStrike">
+        <a:defRPr sz="1400" b="0" i="0" u="none" strike="noStrike" cap="none">
           <a:solidFill>
             <a:srgbClr val="000000"/>
           </a:solidFill>
@@ -9383,7 +9318,7 @@
           <a:sym typeface="Arial"/>
         </a:defRPr>
       </a:lvl5pPr>
-      <a:lvl6pPr lvl="5" marR="0" rtl="0" algn="l">
+      <a:lvl6pPr marR="0" lvl="5" algn="l" rtl="0">
         <a:lnSpc>
           <a:spcPct val="100000"/>
         </a:lnSpc>
@@ -9397,7 +9332,7 @@
           <a:srgbClr val="000000"/>
         </a:buClr>
         <a:buFont typeface="Arial"/>
-        <a:defRPr b="0" i="0" sz="1400" u="none" cap="none" strike="noStrike">
+        <a:defRPr sz="1400" b="0" i="0" u="none" strike="noStrike" cap="none">
           <a:solidFill>
             <a:srgbClr val="000000"/>
           </a:solidFill>
@@ -9407,7 +9342,7 @@
           <a:sym typeface="Arial"/>
         </a:defRPr>
       </a:lvl6pPr>
-      <a:lvl7pPr lvl="6" marR="0" rtl="0" algn="l">
+      <a:lvl7pPr marR="0" lvl="6" algn="l" rtl="0">
         <a:lnSpc>
           <a:spcPct val="100000"/>
         </a:lnSpc>
@@ -9421,7 +9356,7 @@
           <a:srgbClr val="000000"/>
         </a:buClr>
         <a:buFont typeface="Arial"/>
-        <a:defRPr b="0" i="0" sz="1400" u="none" cap="none" strike="noStrike">
+        <a:defRPr sz="1400" b="0" i="0" u="none" strike="noStrike" cap="none">
           <a:solidFill>
             <a:srgbClr val="000000"/>
           </a:solidFill>
@@ -9431,7 +9366,7 @@
           <a:sym typeface="Arial"/>
         </a:defRPr>
       </a:lvl7pPr>
-      <a:lvl8pPr lvl="7" marR="0" rtl="0" algn="l">
+      <a:lvl8pPr marR="0" lvl="7" algn="l" rtl="0">
         <a:lnSpc>
           <a:spcPct val="100000"/>
         </a:lnSpc>
@@ -9445,7 +9380,7 @@
           <a:srgbClr val="000000"/>
         </a:buClr>
         <a:buFont typeface="Arial"/>
-        <a:defRPr b="0" i="0" sz="1400" u="none" cap="none" strike="noStrike">
+        <a:defRPr sz="1400" b="0" i="0" u="none" strike="noStrike" cap="none">
           <a:solidFill>
             <a:srgbClr val="000000"/>
           </a:solidFill>
@@ -9455,7 +9390,7 @@
           <a:sym typeface="Arial"/>
         </a:defRPr>
       </a:lvl8pPr>
-      <a:lvl9pPr lvl="8" marR="0" rtl="0" algn="l">
+      <a:lvl9pPr marR="0" lvl="8" algn="l" rtl="0">
         <a:lnSpc>
           <a:spcPct val="100000"/>
         </a:lnSpc>
@@ -9469,7 +9404,7 @@
           <a:srgbClr val="000000"/>
         </a:buClr>
         <a:buFont typeface="Arial"/>
-        <a:defRPr b="0" i="0" sz="1400" u="none" cap="none" strike="noStrike">
+        <a:defRPr sz="1400" b="0" i="0" u="none" strike="noStrike" cap="none">
           <a:solidFill>
             <a:srgbClr val="000000"/>
           </a:solidFill>
@@ -9485,11 +9420,11 @@
 </file>
 
 <file path=ppt/slides/slide1.xml><?xml version="1.0" encoding="utf-8"?>
-<p:sld xmlns:a="http://schemas.openxmlformats.org/drawingml/2006/main" xmlns:r="http://schemas.openxmlformats.org/officeDocument/2006/relationships" xmlns:mc="http://schemas.openxmlformats.org/markup-compatibility/2006" xmlns:mv="urn:schemas-microsoft-com:mac:vml" xmlns:p="http://schemas.openxmlformats.org/presentationml/2006/main" xmlns:c="http://schemas.openxmlformats.org/drawingml/2006/chart" xmlns:dgm="http://schemas.openxmlformats.org/drawingml/2006/diagram" xmlns:o="urn:schemas-microsoft-com:office:office" xmlns:v="urn:schemas-microsoft-com:vml" xmlns:pvml="urn:schemas-microsoft-com:office:powerpoint" xmlns:com="http://schemas.openxmlformats.org/drawingml/2006/compatibility" xmlns:p14="http://schemas.microsoft.com/office/powerpoint/2010/main" xmlns:p15="http://schemas.microsoft.com/office/powerpoint/2012/main" xmlns:ahyp="http://schemas.microsoft.com/office/drawing/2018/hyperlinkcolor">
+<p:sld xmlns:a="http://schemas.openxmlformats.org/drawingml/2006/main" xmlns:r="http://schemas.openxmlformats.org/officeDocument/2006/relationships" xmlns:p="http://schemas.openxmlformats.org/presentationml/2006/main">
   <p:cSld>
     <p:spTree>
       <p:nvGrpSpPr>
-        <p:cNvPr id="133" name="Shape 133"/>
+        <p:cNvPr id="1" name="Shape 133"/>
         <p:cNvGrpSpPr/>
         <p:nvPr/>
       </p:nvGrpSpPr>
@@ -9504,7 +9439,9 @@
       <p:sp>
         <p:nvSpPr>
           <p:cNvPr id="134" name="Google Shape;134;p13"/>
-          <p:cNvSpPr txBox="1"/>
+          <p:cNvSpPr txBox="1">
+            <a:spLocks noGrp="1"/>
+          </p:cNvSpPr>
           <p:nvPr>
             <p:ph type="ctrTitle"/>
           </p:nvPr>
@@ -9519,12 +9456,12 @@
           </a:prstGeom>
         </p:spPr>
         <p:txBody>
-          <a:bodyPr anchorCtr="0" anchor="t" bIns="91425" lIns="91425" spcFirstLastPara="1" rIns="91425" wrap="square" tIns="91425">
+          <a:bodyPr spcFirstLastPara="1" wrap="square" lIns="91425" tIns="91425" rIns="91425" bIns="91425" anchor="t" anchorCtr="0">
             <a:normAutofit/>
           </a:bodyPr>
           <a:lstStyle/>
           <a:p>
-            <a:pPr indent="0" lvl="0" marL="0" rtl="0" algn="l">
+            <a:pPr marL="0" lvl="0" indent="0" algn="l" rtl="0">
               <a:spcBef>
                 <a:spcPts val="0"/>
               </a:spcBef>
@@ -9540,7 +9477,7 @@
             <a:endParaRPr/>
           </a:p>
           <a:p>
-            <a:pPr indent="0" lvl="0" marL="0" rtl="0" algn="l">
+            <a:pPr marL="0" lvl="0" indent="0" algn="l" rtl="0">
               <a:spcBef>
                 <a:spcPts val="0"/>
               </a:spcBef>
@@ -9560,9 +9497,11 @@
       <p:sp>
         <p:nvSpPr>
           <p:cNvPr id="135" name="Google Shape;135;p13"/>
-          <p:cNvSpPr txBox="1"/>
+          <p:cNvSpPr txBox="1">
+            <a:spLocks noGrp="1"/>
+          </p:cNvSpPr>
           <p:nvPr>
-            <p:ph idx="1" type="subTitle"/>
+            <p:ph type="subTitle" idx="1"/>
           </p:nvPr>
         </p:nvSpPr>
         <p:spPr>
@@ -9575,12 +9514,12 @@
           </a:prstGeom>
         </p:spPr>
         <p:txBody>
-          <a:bodyPr anchorCtr="0" anchor="t" bIns="91425" lIns="91425" spcFirstLastPara="1" rIns="91425" wrap="square" tIns="91425">
+          <a:bodyPr spcFirstLastPara="1" wrap="square" lIns="91425" tIns="91425" rIns="91425" bIns="91425" anchor="t" anchorCtr="0">
             <a:normAutofit lnSpcReduction="20000"/>
           </a:bodyPr>
           <a:lstStyle/>
           <a:p>
-            <a:pPr indent="0" lvl="0" marL="0" rtl="0" algn="l">
+            <a:pPr marL="0" lvl="0" indent="0" algn="l" rtl="0">
               <a:spcBef>
                 <a:spcPts val="0"/>
               </a:spcBef>
@@ -9591,23 +9530,7 @@
             </a:pPr>
             <a:r>
               <a:rPr lang="en"/>
-              <a:t>David Angel, Joseph Fujimoto,</a:t>
-            </a:r>
-            <a:r>
-              <a:rPr lang="en"/>
-              <a:t>Madison Avila,</a:t>
-            </a:r>
-            <a:r>
-              <a:rPr lang="en"/>
-              <a:t> </a:t>
-            </a:r>
-            <a:r>
-              <a:rPr lang="en"/>
-              <a:t>Sean Alcantara,</a:t>
-            </a:r>
-            <a:r>
-              <a:rPr lang="en"/>
-              <a:t>Sedat Altun, </a:t>
+              <a:t>David Angel, Joseph Fujimoto,Madison Avila, Sean Alcantara,Sedat Altun, </a:t>
             </a:r>
             <a:endParaRPr/>
           </a:p>
@@ -9622,11 +9545,11 @@
 </file>
 
 <file path=ppt/slides/slide2.xml><?xml version="1.0" encoding="utf-8"?>
-<p:sld xmlns:a="http://schemas.openxmlformats.org/drawingml/2006/main" xmlns:r="http://schemas.openxmlformats.org/officeDocument/2006/relationships" xmlns:mc="http://schemas.openxmlformats.org/markup-compatibility/2006" xmlns:mv="urn:schemas-microsoft-com:mac:vml" xmlns:p="http://schemas.openxmlformats.org/presentationml/2006/main" xmlns:c="http://schemas.openxmlformats.org/drawingml/2006/chart" xmlns:dgm="http://schemas.openxmlformats.org/drawingml/2006/diagram" xmlns:o="urn:schemas-microsoft-com:office:office" xmlns:v="urn:schemas-microsoft-com:vml" xmlns:pvml="urn:schemas-microsoft-com:office:powerpoint" xmlns:com="http://schemas.openxmlformats.org/drawingml/2006/compatibility" xmlns:p14="http://schemas.microsoft.com/office/powerpoint/2010/main" xmlns:p15="http://schemas.microsoft.com/office/powerpoint/2012/main" xmlns:ahyp="http://schemas.microsoft.com/office/drawing/2018/hyperlinkcolor">
+<p:sld xmlns:a="http://schemas.openxmlformats.org/drawingml/2006/main" xmlns:r="http://schemas.openxmlformats.org/officeDocument/2006/relationships" xmlns:p="http://schemas.openxmlformats.org/presentationml/2006/main">
   <p:cSld>
     <p:spTree>
       <p:nvGrpSpPr>
-        <p:cNvPr id="139" name="Shape 139"/>
+        <p:cNvPr id="1" name="Shape 139"/>
         <p:cNvGrpSpPr/>
         <p:nvPr/>
       </p:nvGrpSpPr>
@@ -9641,7 +9564,9 @@
       <p:sp>
         <p:nvSpPr>
           <p:cNvPr id="140" name="Google Shape;140;p14"/>
-          <p:cNvSpPr txBox="1"/>
+          <p:cNvSpPr txBox="1">
+            <a:spLocks noGrp="1"/>
+          </p:cNvSpPr>
           <p:nvPr>
             <p:ph type="title"/>
           </p:nvPr>
@@ -9656,12 +9581,12 @@
           </a:prstGeom>
         </p:spPr>
         <p:txBody>
-          <a:bodyPr anchorCtr="0" anchor="t" bIns="91425" lIns="91425" spcFirstLastPara="1" rIns="91425" wrap="square" tIns="91425">
+          <a:bodyPr spcFirstLastPara="1" wrap="square" lIns="91425" tIns="91425" rIns="91425" bIns="91425" anchor="t" anchorCtr="0">
             <a:normAutofit/>
           </a:bodyPr>
           <a:lstStyle/>
           <a:p>
-            <a:pPr indent="0" lvl="0" marL="0" rtl="0" algn="l">
+            <a:pPr marL="0" lvl="0" indent="0" algn="l" rtl="0">
               <a:spcBef>
                 <a:spcPts val="0"/>
               </a:spcBef>
@@ -9681,9 +9606,11 @@
       <p:sp>
         <p:nvSpPr>
           <p:cNvPr id="141" name="Google Shape;141;p14"/>
-          <p:cNvSpPr txBox="1"/>
+          <p:cNvSpPr txBox="1">
+            <a:spLocks noGrp="1"/>
+          </p:cNvSpPr>
           <p:nvPr>
-            <p:ph idx="1" type="body"/>
+            <p:ph type="body" idx="1"/>
           </p:nvPr>
         </p:nvSpPr>
         <p:spPr>
@@ -9696,12 +9623,12 @@
           </a:prstGeom>
         </p:spPr>
         <p:txBody>
-          <a:bodyPr anchorCtr="0" anchor="t" bIns="91425" lIns="91425" spcFirstLastPara="1" rIns="91425" wrap="square" tIns="91425">
+          <a:bodyPr spcFirstLastPara="1" wrap="square" lIns="91425" tIns="91425" rIns="91425" bIns="91425" anchor="t" anchorCtr="0">
             <a:normAutofit/>
           </a:bodyPr>
           <a:lstStyle/>
           <a:p>
-            <a:pPr indent="0" lvl="0" marL="0" rtl="0" algn="l">
+            <a:pPr marL="0" lvl="0" indent="0" algn="l" rtl="0">
               <a:spcBef>
                 <a:spcPts val="0"/>
               </a:spcBef>
@@ -9712,15 +9639,7 @@
             </a:pPr>
             <a:r>
               <a:rPr lang="en" sz="1600"/>
-              <a:t>The project was </a:t>
-            </a:r>
-            <a:r>
-              <a:rPr lang="en" sz="1600"/>
-              <a:t>commissioned</a:t>
-            </a:r>
-            <a:r>
-              <a:rPr lang="en" sz="1600"/>
-              <a:t> to us by a company that wanted to have the ability to create Chat Rooms. Each chat room will contain at least two people (either personal DMs or group messages). The project will be written in Java and will feature a GUI that will be utilized as well.</a:t>
+              <a:t>The project was commissioned to us by a company that wanted to have the ability to create Chat Rooms. Each chat room will contain at least two people (either personal DMs or group messages). The project will be written in Java and will feature a GUI that will be utilized as well.</a:t>
             </a:r>
             <a:endParaRPr sz="1600"/>
           </a:p>
@@ -9735,11 +9654,11 @@
 </file>
 
 <file path=ppt/slides/slide3.xml><?xml version="1.0" encoding="utf-8"?>
-<p:sld xmlns:a="http://schemas.openxmlformats.org/drawingml/2006/main" xmlns:r="http://schemas.openxmlformats.org/officeDocument/2006/relationships" xmlns:mc="http://schemas.openxmlformats.org/markup-compatibility/2006" xmlns:mv="urn:schemas-microsoft-com:mac:vml" xmlns:p="http://schemas.openxmlformats.org/presentationml/2006/main" xmlns:c="http://schemas.openxmlformats.org/drawingml/2006/chart" xmlns:dgm="http://schemas.openxmlformats.org/drawingml/2006/diagram" xmlns:o="urn:schemas-microsoft-com:office:office" xmlns:v="urn:schemas-microsoft-com:vml" xmlns:pvml="urn:schemas-microsoft-com:office:powerpoint" xmlns:com="http://schemas.openxmlformats.org/drawingml/2006/compatibility" xmlns:p14="http://schemas.microsoft.com/office/powerpoint/2010/main" xmlns:p15="http://schemas.microsoft.com/office/powerpoint/2012/main" xmlns:ahyp="http://schemas.microsoft.com/office/drawing/2018/hyperlinkcolor">
+<p:sld xmlns:a="http://schemas.openxmlformats.org/drawingml/2006/main" xmlns:r="http://schemas.openxmlformats.org/officeDocument/2006/relationships" xmlns:p="http://schemas.openxmlformats.org/presentationml/2006/main">
   <p:cSld>
     <p:spTree>
       <p:nvGrpSpPr>
-        <p:cNvPr id="145" name="Shape 145"/>
+        <p:cNvPr id="1" name="Shape 145"/>
         <p:cNvGrpSpPr/>
         <p:nvPr/>
       </p:nvGrpSpPr>
@@ -9754,7 +9673,9 @@
       <p:sp>
         <p:nvSpPr>
           <p:cNvPr id="146" name="Google Shape;146;p15"/>
-          <p:cNvSpPr txBox="1"/>
+          <p:cNvSpPr txBox="1">
+            <a:spLocks noGrp="1"/>
+          </p:cNvSpPr>
           <p:nvPr>
             <p:ph type="title"/>
           </p:nvPr>
@@ -9769,12 +9690,12 @@
           </a:prstGeom>
         </p:spPr>
         <p:txBody>
-          <a:bodyPr anchorCtr="0" anchor="t" bIns="91425" lIns="91425" spcFirstLastPara="1" rIns="91425" wrap="square" tIns="91425">
+          <a:bodyPr spcFirstLastPara="1" wrap="square" lIns="91425" tIns="91425" rIns="91425" bIns="91425" anchor="t" anchorCtr="0">
             <a:normAutofit/>
           </a:bodyPr>
           <a:lstStyle/>
           <a:p>
-            <a:pPr indent="0" lvl="0" marL="0" rtl="0" algn="l">
+            <a:pPr marL="0" lvl="0" indent="0" algn="l" rtl="0">
               <a:spcBef>
                 <a:spcPts val="0"/>
               </a:spcBef>
@@ -9794,9 +9715,11 @@
       <p:sp>
         <p:nvSpPr>
           <p:cNvPr id="147" name="Google Shape;147;p15"/>
-          <p:cNvSpPr txBox="1"/>
+          <p:cNvSpPr txBox="1">
+            <a:spLocks noGrp="1"/>
+          </p:cNvSpPr>
           <p:nvPr>
-            <p:ph idx="1" type="body"/>
+            <p:ph type="body" idx="1"/>
           </p:nvPr>
         </p:nvSpPr>
         <p:spPr>
@@ -9809,12 +9732,12 @@
           </a:prstGeom>
         </p:spPr>
         <p:txBody>
-          <a:bodyPr anchorCtr="0" anchor="t" bIns="91425" lIns="91425" spcFirstLastPara="1" rIns="91425" wrap="square" tIns="91425">
+          <a:bodyPr spcFirstLastPara="1" wrap="square" lIns="91425" tIns="91425" rIns="91425" bIns="91425" anchor="t" anchorCtr="0">
             <a:normAutofit/>
           </a:bodyPr>
           <a:lstStyle/>
           <a:p>
-            <a:pPr indent="-311150" lvl="0" marL="457200" rtl="0" algn="l">
+            <a:pPr marL="457200" lvl="0" indent="-311150" algn="l" rtl="0">
               <a:spcBef>
                 <a:spcPts val="0"/>
               </a:spcBef>
@@ -9831,7 +9754,7 @@
             <a:endParaRPr/>
           </a:p>
           <a:p>
-            <a:pPr indent="-311150" lvl="0" marL="457200" rtl="0" algn="l">
+            <a:pPr marL="457200" lvl="0" indent="-311150" algn="l" rtl="0">
               <a:spcBef>
                 <a:spcPts val="0"/>
               </a:spcBef>
@@ -9848,7 +9771,7 @@
             <a:endParaRPr/>
           </a:p>
           <a:p>
-            <a:pPr indent="-311150" lvl="0" marL="457200" rtl="0" algn="l">
+            <a:pPr marL="457200" lvl="0" indent="-311150" algn="l" rtl="0">
               <a:spcBef>
                 <a:spcPts val="0"/>
               </a:spcBef>
@@ -9865,7 +9788,7 @@
             <a:endParaRPr/>
           </a:p>
           <a:p>
-            <a:pPr indent="-311150" lvl="0" marL="457200" rtl="0" algn="l">
+            <a:pPr marL="457200" lvl="0" indent="-311150" algn="l" rtl="0">
               <a:spcBef>
                 <a:spcPts val="0"/>
               </a:spcBef>
@@ -9882,7 +9805,7 @@
             <a:endParaRPr/>
           </a:p>
           <a:p>
-            <a:pPr indent="-311150" lvl="0" marL="457200" rtl="0" algn="l">
+            <a:pPr marL="457200" lvl="0" indent="-311150" algn="l" rtl="0">
               <a:spcBef>
                 <a:spcPts val="0"/>
               </a:spcBef>
@@ -9894,28 +9817,12 @@
             </a:pPr>
             <a:r>
               <a:rPr lang="en"/>
-              <a:t>The GUI formats the messages in a </a:t>
-            </a:r>
-            <a:r>
-              <a:rPr lang="en"/>
-              <a:t>readable</a:t>
-            </a:r>
-            <a:r>
-              <a:rPr lang="en"/>
-              <a:t> and time </a:t>
-            </a:r>
-            <a:r>
-              <a:rPr lang="en"/>
-              <a:t>ordered</a:t>
-            </a:r>
-            <a:r>
-              <a:rPr lang="en"/>
-              <a:t> manner.</a:t>
+              <a:t>The GUI formats the messages in a readable and time ordered manner.</a:t>
             </a:r>
             <a:endParaRPr/>
           </a:p>
           <a:p>
-            <a:pPr indent="-311150" lvl="0" marL="457200" rtl="0" algn="l">
+            <a:pPr marL="457200" lvl="0" indent="-311150" algn="l" rtl="0">
               <a:spcBef>
                 <a:spcPts val="0"/>
               </a:spcBef>
@@ -9932,7 +9839,7 @@
             <a:endParaRPr/>
           </a:p>
           <a:p>
-            <a:pPr indent="-311150" lvl="0" marL="457200" rtl="0" algn="l">
+            <a:pPr marL="457200" lvl="0" indent="-311150" algn="l" rtl="0">
               <a:spcBef>
                 <a:spcPts val="0"/>
               </a:spcBef>
@@ -9949,7 +9856,7 @@
             <a:endParaRPr/>
           </a:p>
           <a:p>
-            <a:pPr indent="-311150" lvl="0" marL="457200" rtl="0" algn="l">
+            <a:pPr marL="457200" lvl="0" indent="-311150" algn="l" rtl="0">
               <a:spcBef>
                 <a:spcPts val="0"/>
               </a:spcBef>
@@ -9966,7 +9873,7 @@
             <a:endParaRPr/>
           </a:p>
           <a:p>
-            <a:pPr indent="-311150" lvl="0" marL="457200" rtl="0" algn="l">
+            <a:pPr marL="457200" lvl="0" indent="-311150" algn="l" rtl="0">
               <a:spcBef>
                 <a:spcPts val="0"/>
               </a:spcBef>
@@ -9978,15 +9885,7 @@
             </a:pPr>
             <a:r>
               <a:rPr lang="en"/>
-              <a:t>The application </a:t>
-            </a:r>
-            <a:r>
-              <a:rPr lang="en"/>
-              <a:t>must</a:t>
-            </a:r>
-            <a:r>
-              <a:rPr lang="en"/>
-              <a:t> be written in Java and must use TCP/IP networking.</a:t>
+              <a:t>The application must be written in Java and must use TCP/IP networking.</a:t>
             </a:r>
             <a:endParaRPr/>
           </a:p>
@@ -10001,11 +9900,11 @@
 </file>
 
 <file path=ppt/slides/slide4.xml><?xml version="1.0" encoding="utf-8"?>
-<p:sld xmlns:a="http://schemas.openxmlformats.org/drawingml/2006/main" xmlns:r="http://schemas.openxmlformats.org/officeDocument/2006/relationships" xmlns:mc="http://schemas.openxmlformats.org/markup-compatibility/2006" xmlns:mv="urn:schemas-microsoft-com:mac:vml" xmlns:p="http://schemas.openxmlformats.org/presentationml/2006/main" xmlns:c="http://schemas.openxmlformats.org/drawingml/2006/chart" xmlns:dgm="http://schemas.openxmlformats.org/drawingml/2006/diagram" xmlns:o="urn:schemas-microsoft-com:office:office" xmlns:v="urn:schemas-microsoft-com:vml" xmlns:pvml="urn:schemas-microsoft-com:office:powerpoint" xmlns:com="http://schemas.openxmlformats.org/drawingml/2006/compatibility" xmlns:p14="http://schemas.microsoft.com/office/powerpoint/2010/main" xmlns:p15="http://schemas.microsoft.com/office/powerpoint/2012/main" xmlns:ahyp="http://schemas.microsoft.com/office/drawing/2018/hyperlinkcolor">
+<p:sld xmlns:a="http://schemas.openxmlformats.org/drawingml/2006/main" xmlns:r="http://schemas.openxmlformats.org/officeDocument/2006/relationships" xmlns:p="http://schemas.openxmlformats.org/presentationml/2006/main">
   <p:cSld>
     <p:spTree>
       <p:nvGrpSpPr>
-        <p:cNvPr id="151" name="Shape 151"/>
+        <p:cNvPr id="1" name="Shape 151"/>
         <p:cNvGrpSpPr/>
         <p:nvPr/>
       </p:nvGrpSpPr>
@@ -10020,7 +9919,9 @@
       <p:sp>
         <p:nvSpPr>
           <p:cNvPr id="152" name="Google Shape;152;p16"/>
-          <p:cNvSpPr txBox="1"/>
+          <p:cNvSpPr txBox="1">
+            <a:spLocks noGrp="1"/>
+          </p:cNvSpPr>
           <p:nvPr>
             <p:ph type="title"/>
           </p:nvPr>
@@ -10035,12 +9936,12 @@
           </a:prstGeom>
         </p:spPr>
         <p:txBody>
-          <a:bodyPr anchorCtr="0" anchor="t" bIns="91425" lIns="91425" spcFirstLastPara="1" rIns="91425" wrap="square" tIns="91425">
+          <a:bodyPr spcFirstLastPara="1" wrap="square" lIns="91425" tIns="91425" rIns="91425" bIns="91425" anchor="t" anchorCtr="0">
             <a:normAutofit/>
           </a:bodyPr>
           <a:lstStyle/>
           <a:p>
-            <a:pPr indent="0" lvl="0" marL="0" rtl="0" algn="l">
+            <a:pPr marL="0" lvl="0" indent="0" algn="l" rtl="0">
               <a:spcBef>
                 <a:spcPts val="0"/>
               </a:spcBef>
@@ -10060,9 +9961,11 @@
       <p:sp>
         <p:nvSpPr>
           <p:cNvPr id="153" name="Google Shape;153;p16"/>
-          <p:cNvSpPr txBox="1"/>
+          <p:cNvSpPr txBox="1">
+            <a:spLocks noGrp="1"/>
+          </p:cNvSpPr>
           <p:nvPr>
-            <p:ph idx="1" type="body"/>
+            <p:ph type="body" idx="1"/>
           </p:nvPr>
         </p:nvSpPr>
         <p:spPr>
@@ -10075,12 +9978,12 @@
           </a:prstGeom>
         </p:spPr>
         <p:txBody>
-          <a:bodyPr anchorCtr="0" anchor="t" bIns="91425" lIns="91425" spcFirstLastPara="1" rIns="91425" wrap="square" tIns="91425">
+          <a:bodyPr spcFirstLastPara="1" wrap="square" lIns="91425" tIns="91425" rIns="91425" bIns="91425" anchor="t" anchorCtr="0">
             <a:normAutofit/>
           </a:bodyPr>
           <a:lstStyle/>
           <a:p>
-            <a:pPr indent="-311150" lvl="0" marL="457200" rtl="0" algn="l">
+            <a:pPr marL="457200" lvl="0" indent="-311150" algn="l" rtl="0">
               <a:spcBef>
                 <a:spcPts val="0"/>
               </a:spcBef>
@@ -10091,13 +9994,13 @@
               <a:buAutoNum type="arabicPeriod"/>
             </a:pPr>
             <a:r>
-              <a:rPr lang="en"/>
+              <a:rPr lang="en" dirty="0"/>
               <a:t>User</a:t>
             </a:r>
-            <a:endParaRPr/>
+            <a:endParaRPr dirty="0"/>
           </a:p>
           <a:p>
-            <a:pPr indent="-311150" lvl="0" marL="457200" rtl="0" algn="l">
+            <a:pPr marL="457200" lvl="0" indent="-311150" algn="l" rtl="0">
               <a:spcBef>
                 <a:spcPts val="0"/>
               </a:spcBef>
@@ -10108,13 +10011,13 @@
               <a:buAutoNum type="arabicPeriod"/>
             </a:pPr>
             <a:r>
-              <a:rPr lang="en"/>
+              <a:rPr lang="en" dirty="0"/>
               <a:t>Chat Room</a:t>
             </a:r>
-            <a:endParaRPr/>
+            <a:endParaRPr dirty="0"/>
           </a:p>
           <a:p>
-            <a:pPr indent="-311150" lvl="0" marL="457200" rtl="0" algn="l">
+            <a:pPr marL="457200" lvl="0" indent="-311150" algn="l" rtl="0">
               <a:spcBef>
                 <a:spcPts val="0"/>
               </a:spcBef>
@@ -10125,13 +10028,13 @@
               <a:buAutoNum type="arabicPeriod"/>
             </a:pPr>
             <a:r>
-              <a:rPr lang="en"/>
+              <a:rPr lang="en" dirty="0"/>
               <a:t>Message</a:t>
             </a:r>
-            <a:endParaRPr/>
+            <a:endParaRPr dirty="0"/>
           </a:p>
           <a:p>
-            <a:pPr indent="-311150" lvl="0" marL="457200" rtl="0" algn="l">
+            <a:pPr marL="457200" lvl="0" indent="-311150" algn="l" rtl="0">
               <a:spcBef>
                 <a:spcPts val="0"/>
               </a:spcBef>
@@ -10142,13 +10045,13 @@
               <a:buAutoNum type="arabicPeriod"/>
             </a:pPr>
             <a:r>
-              <a:rPr lang="en"/>
+              <a:rPr lang="en" dirty="0"/>
               <a:t>Chat History</a:t>
             </a:r>
-            <a:endParaRPr/>
+            <a:endParaRPr dirty="0"/>
           </a:p>
           <a:p>
-            <a:pPr indent="-311150" lvl="0" marL="457200" rtl="0" algn="l">
+            <a:pPr marL="457200" lvl="0" indent="-311150" algn="l" rtl="0">
               <a:spcBef>
                 <a:spcPts val="0"/>
               </a:spcBef>
@@ -10159,10 +10062,10 @@
               <a:buAutoNum type="arabicPeriod"/>
             </a:pPr>
             <a:r>
-              <a:rPr lang="en"/>
-              <a:t>IT User</a:t>
+              <a:rPr lang="en" dirty="0"/>
+              <a:t>Client</a:t>
             </a:r>
-            <a:endParaRPr/>
+            <a:endParaRPr dirty="0"/>
           </a:p>
         </p:txBody>
       </p:sp>
@@ -10175,11 +10078,11 @@
 </file>
 
 <file path=ppt/slides/slide5.xml><?xml version="1.0" encoding="utf-8"?>
-<p:sld xmlns:a="http://schemas.openxmlformats.org/drawingml/2006/main" xmlns:r="http://schemas.openxmlformats.org/officeDocument/2006/relationships" xmlns:mc="http://schemas.openxmlformats.org/markup-compatibility/2006" xmlns:mv="urn:schemas-microsoft-com:mac:vml" xmlns:p="http://schemas.openxmlformats.org/presentationml/2006/main" xmlns:c="http://schemas.openxmlformats.org/drawingml/2006/chart" xmlns:dgm="http://schemas.openxmlformats.org/drawingml/2006/diagram" xmlns:o="urn:schemas-microsoft-com:office:office" xmlns:v="urn:schemas-microsoft-com:vml" xmlns:pvml="urn:schemas-microsoft-com:office:powerpoint" xmlns:com="http://schemas.openxmlformats.org/drawingml/2006/compatibility" xmlns:p14="http://schemas.microsoft.com/office/powerpoint/2010/main" xmlns:p15="http://schemas.microsoft.com/office/powerpoint/2012/main" xmlns:ahyp="http://schemas.microsoft.com/office/drawing/2018/hyperlinkcolor">
+<p:sld xmlns:a="http://schemas.openxmlformats.org/drawingml/2006/main" xmlns:r="http://schemas.openxmlformats.org/officeDocument/2006/relationships" xmlns:p="http://schemas.openxmlformats.org/presentationml/2006/main">
   <p:cSld>
     <p:spTree>
       <p:nvGrpSpPr>
-        <p:cNvPr id="157" name="Shape 157"/>
+        <p:cNvPr id="1" name="Shape 157"/>
         <p:cNvGrpSpPr/>
         <p:nvPr/>
       </p:nvGrpSpPr>
@@ -10228,11 +10131,11 @@
 </file>
 
 <file path=ppt/slides/slide6.xml><?xml version="1.0" encoding="utf-8"?>
-<p:sld xmlns:a="http://schemas.openxmlformats.org/drawingml/2006/main" xmlns:r="http://schemas.openxmlformats.org/officeDocument/2006/relationships" xmlns:mc="http://schemas.openxmlformats.org/markup-compatibility/2006" xmlns:mv="urn:schemas-microsoft-com:mac:vml" xmlns:p="http://schemas.openxmlformats.org/presentationml/2006/main" xmlns:c="http://schemas.openxmlformats.org/drawingml/2006/chart" xmlns:dgm="http://schemas.openxmlformats.org/drawingml/2006/diagram" xmlns:o="urn:schemas-microsoft-com:office:office" xmlns:v="urn:schemas-microsoft-com:vml" xmlns:pvml="urn:schemas-microsoft-com:office:powerpoint" xmlns:com="http://schemas.openxmlformats.org/drawingml/2006/compatibility" xmlns:p14="http://schemas.microsoft.com/office/powerpoint/2010/main" xmlns:p15="http://schemas.microsoft.com/office/powerpoint/2012/main" xmlns:ahyp="http://schemas.microsoft.com/office/drawing/2018/hyperlinkcolor">
+<p:sld xmlns:a="http://schemas.openxmlformats.org/drawingml/2006/main" xmlns:r="http://schemas.openxmlformats.org/officeDocument/2006/relationships" xmlns:p="http://schemas.openxmlformats.org/presentationml/2006/main">
   <p:cSld>
     <p:spTree>
       <p:nvGrpSpPr>
-        <p:cNvPr id="162" name="Shape 162"/>
+        <p:cNvPr id="1" name="Shape 162"/>
         <p:cNvGrpSpPr/>
         <p:nvPr/>
       </p:nvGrpSpPr>
@@ -10281,7 +10184,7 @@
 </file>
 
 <file path=ppt/theme/theme1.xml><?xml version="1.0" encoding="utf-8"?>
-<a:theme xmlns:a="http://schemas.openxmlformats.org/drawingml/2006/main" xmlns:r="http://schemas.openxmlformats.org/officeDocument/2006/relationships" name="Focus">
+<a:theme xmlns:a="http://schemas.openxmlformats.org/drawingml/2006/main" name="Focus">
   <a:themeElements>
     <a:clrScheme name="Focus">
       <a:dk1>
@@ -10556,11 +10459,13 @@
       </a:bgFillStyleLst>
     </a:fmtScheme>
   </a:themeElements>
+  <a:objectDefaults/>
+  <a:extraClrSchemeLst/>
 </a:theme>
 </file>
 
 <file path=ppt/theme/theme2.xml><?xml version="1.0" encoding="utf-8"?>
-<a:theme xmlns:a="http://schemas.openxmlformats.org/drawingml/2006/main" xmlns:r="http://schemas.openxmlformats.org/officeDocument/2006/relationships">
+<a:theme xmlns:a="http://schemas.openxmlformats.org/drawingml/2006/main">
   <a:themeElements>
     <a:clrScheme name="Default">
       <a:dk1>
@@ -10835,5 +10740,7 @@
       </a:bgFillStyleLst>
     </a:fmtScheme>
   </a:themeElements>
+  <a:objectDefaults/>
+  <a:extraClrSchemeLst/>
 </a:theme>
 </file>
--- a/Requirements/Comms Project.pptx
+++ b/Requirements/Comms Project.pptx
@@ -12,8 +12,8 @@
     <p:sldId id="257" r:id="rId3"/>
     <p:sldId id="258" r:id="rId4"/>
     <p:sldId id="259" r:id="rId5"/>
-    <p:sldId id="260" r:id="rId6"/>
-    <p:sldId id="261" r:id="rId7"/>
+    <p:sldId id="261" r:id="rId6"/>
+    <p:sldId id="260" r:id="rId7"/>
   </p:sldIdLst>
   <p:sldSz cx="9144000" cy="5143500" type="screen16x9"/>
   <p:notesSz cx="6858000" cy="9144000"/>
@@ -1143,6 +1143,110 @@
   <p:cSld>
     <p:spTree>
       <p:nvGrpSpPr>
+        <p:cNvPr id="1" name="Shape 159"/>
+        <p:cNvGrpSpPr/>
+        <p:nvPr/>
+      </p:nvGrpSpPr>
+      <p:grpSpPr>
+        <a:xfrm>
+          <a:off x="0" y="0"/>
+          <a:ext cx="0" cy="0"/>
+          <a:chOff x="0" y="0"/>
+          <a:chExt cx="0" cy="0"/>
+        </a:xfrm>
+      </p:grpSpPr>
+      <p:sp>
+        <p:nvSpPr>
+          <p:cNvPr id="160" name="Google Shape;160;g286ee612a7b_2_5:notes"/>
+          <p:cNvSpPr>
+            <a:spLocks noGrp="1" noRot="1" noChangeAspect="1"/>
+          </p:cNvSpPr>
+          <p:nvPr>
+            <p:ph type="sldImg" idx="2"/>
+          </p:nvPr>
+        </p:nvSpPr>
+        <p:spPr>
+          <a:xfrm>
+            <a:off x="381000" y="685800"/>
+            <a:ext cx="6096000" cy="3429000"/>
+          </a:xfrm>
+          <a:custGeom>
+            <a:avLst/>
+            <a:gdLst/>
+            <a:ahLst/>
+            <a:cxnLst/>
+            <a:rect l="l" t="t" r="r" b="b"/>
+            <a:pathLst>
+              <a:path w="120000" h="120000" extrusionOk="0">
+                <a:moveTo>
+                  <a:pt x="0" y="0"/>
+                </a:moveTo>
+                <a:lnTo>
+                  <a:pt x="120000" y="0"/>
+                </a:lnTo>
+                <a:lnTo>
+                  <a:pt x="120000" y="120000"/>
+                </a:lnTo>
+                <a:lnTo>
+                  <a:pt x="0" y="120000"/>
+                </a:lnTo>
+                <a:close/>
+              </a:path>
+            </a:pathLst>
+          </a:custGeom>
+        </p:spPr>
+      </p:sp>
+      <p:sp>
+        <p:nvSpPr>
+          <p:cNvPr id="161" name="Google Shape;161;g286ee612a7b_2_5:notes"/>
+          <p:cNvSpPr txBox="1">
+            <a:spLocks noGrp="1"/>
+          </p:cNvSpPr>
+          <p:nvPr>
+            <p:ph type="body" idx="1"/>
+          </p:nvPr>
+        </p:nvSpPr>
+        <p:spPr>
+          <a:xfrm>
+            <a:off x="685800" y="4343400"/>
+            <a:ext cx="5486400" cy="4114800"/>
+          </a:xfrm>
+          <a:prstGeom prst="rect">
+            <a:avLst/>
+          </a:prstGeom>
+        </p:spPr>
+        <p:txBody>
+          <a:bodyPr spcFirstLastPara="1" wrap="square" lIns="91425" tIns="91425" rIns="91425" bIns="91425" anchor="t" anchorCtr="0">
+            <a:noAutofit/>
+          </a:bodyPr>
+          <a:lstStyle/>
+          <a:p>
+            <a:pPr marL="0" lvl="0" indent="0" algn="l" rtl="0">
+              <a:spcBef>
+                <a:spcPts val="0"/>
+              </a:spcBef>
+              <a:spcAft>
+                <a:spcPts val="0"/>
+              </a:spcAft>
+              <a:buNone/>
+            </a:pPr>
+            <a:endParaRPr/>
+          </a:p>
+        </p:txBody>
+      </p:sp>
+    </p:spTree>
+  </p:cSld>
+  <p:clrMapOvr>
+    <a:masterClrMapping/>
+  </p:clrMapOvr>
+</p:notes>
+</file>
+
+<file path=ppt/notesSlides/notesSlide6.xml><?xml version="1.0" encoding="utf-8"?>
+<p:notes xmlns:a="http://schemas.openxmlformats.org/drawingml/2006/main" xmlns:r="http://schemas.openxmlformats.org/officeDocument/2006/relationships" xmlns:p="http://schemas.openxmlformats.org/presentationml/2006/main" showMasterSp="0" showMasterPhAnim="0">
+  <p:cSld>
+    <p:spTree>
+      <p:nvGrpSpPr>
         <p:cNvPr id="1" name="Shape 154"/>
         <p:cNvGrpSpPr/>
         <p:nvPr/>
@@ -1199,110 +1303,6 @@
       <p:sp>
         <p:nvSpPr>
           <p:cNvPr id="156" name="Google Shape;156;g286ee612a7b_2_0:notes"/>
-          <p:cNvSpPr txBox="1">
-            <a:spLocks noGrp="1"/>
-          </p:cNvSpPr>
-          <p:nvPr>
-            <p:ph type="body" idx="1"/>
-          </p:nvPr>
-        </p:nvSpPr>
-        <p:spPr>
-          <a:xfrm>
-            <a:off x="685800" y="4343400"/>
-            <a:ext cx="5486400" cy="4114800"/>
-          </a:xfrm>
-          <a:prstGeom prst="rect">
-            <a:avLst/>
-          </a:prstGeom>
-        </p:spPr>
-        <p:txBody>
-          <a:bodyPr spcFirstLastPara="1" wrap="square" lIns="91425" tIns="91425" rIns="91425" bIns="91425" anchor="t" anchorCtr="0">
-            <a:noAutofit/>
-          </a:bodyPr>
-          <a:lstStyle/>
-          <a:p>
-            <a:pPr marL="0" lvl="0" indent="0" algn="l" rtl="0">
-              <a:spcBef>
-                <a:spcPts val="0"/>
-              </a:spcBef>
-              <a:spcAft>
-                <a:spcPts val="0"/>
-              </a:spcAft>
-              <a:buNone/>
-            </a:pPr>
-            <a:endParaRPr/>
-          </a:p>
-        </p:txBody>
-      </p:sp>
-    </p:spTree>
-  </p:cSld>
-  <p:clrMapOvr>
-    <a:masterClrMapping/>
-  </p:clrMapOvr>
-</p:notes>
-</file>
-
-<file path=ppt/notesSlides/notesSlide6.xml><?xml version="1.0" encoding="utf-8"?>
-<p:notes xmlns:a="http://schemas.openxmlformats.org/drawingml/2006/main" xmlns:r="http://schemas.openxmlformats.org/officeDocument/2006/relationships" xmlns:p="http://schemas.openxmlformats.org/presentationml/2006/main" showMasterSp="0" showMasterPhAnim="0">
-  <p:cSld>
-    <p:spTree>
-      <p:nvGrpSpPr>
-        <p:cNvPr id="1" name="Shape 159"/>
-        <p:cNvGrpSpPr/>
-        <p:nvPr/>
-      </p:nvGrpSpPr>
-      <p:grpSpPr>
-        <a:xfrm>
-          <a:off x="0" y="0"/>
-          <a:ext cx="0" cy="0"/>
-          <a:chOff x="0" y="0"/>
-          <a:chExt cx="0" cy="0"/>
-        </a:xfrm>
-      </p:grpSpPr>
-      <p:sp>
-        <p:nvSpPr>
-          <p:cNvPr id="160" name="Google Shape;160;g286ee612a7b_2_5:notes"/>
-          <p:cNvSpPr>
-            <a:spLocks noGrp="1" noRot="1" noChangeAspect="1"/>
-          </p:cNvSpPr>
-          <p:nvPr>
-            <p:ph type="sldImg" idx="2"/>
-          </p:nvPr>
-        </p:nvSpPr>
-        <p:spPr>
-          <a:xfrm>
-            <a:off x="381300" y="685800"/>
-            <a:ext cx="6096000" cy="3429000"/>
-          </a:xfrm>
-          <a:custGeom>
-            <a:avLst/>
-            <a:gdLst/>
-            <a:ahLst/>
-            <a:cxnLst/>
-            <a:rect l="l" t="t" r="r" b="b"/>
-            <a:pathLst>
-              <a:path w="120000" h="120000" extrusionOk="0">
-                <a:moveTo>
-                  <a:pt x="0" y="0"/>
-                </a:moveTo>
-                <a:lnTo>
-                  <a:pt x="120000" y="0"/>
-                </a:lnTo>
-                <a:lnTo>
-                  <a:pt x="120000" y="120000"/>
-                </a:lnTo>
-                <a:lnTo>
-                  <a:pt x="0" y="120000"/>
-                </a:lnTo>
-                <a:close/>
-              </a:path>
-            </a:pathLst>
-          </a:custGeom>
-        </p:spPr>
-      </p:sp>
-      <p:sp>
-        <p:nvSpPr>
-          <p:cNvPr id="161" name="Google Shape;161;g286ee612a7b_2_5:notes"/>
           <p:cNvSpPr txBox="1">
             <a:spLocks noGrp="1"/>
           </p:cNvSpPr>
@@ -10082,6 +10082,59 @@
   <p:cSld>
     <p:spTree>
       <p:nvGrpSpPr>
+        <p:cNvPr id="1" name="Shape 162"/>
+        <p:cNvGrpSpPr/>
+        <p:nvPr/>
+      </p:nvGrpSpPr>
+      <p:grpSpPr>
+        <a:xfrm>
+          <a:off x="0" y="0"/>
+          <a:ext cx="0" cy="0"/>
+          <a:chOff x="0" y="0"/>
+          <a:chExt cx="0" cy="0"/>
+        </a:xfrm>
+      </p:grpSpPr>
+      <p:pic>
+        <p:nvPicPr>
+          <p:cNvPr id="163" name="Google Shape;163;p18"/>
+          <p:cNvPicPr preferRelativeResize="0"/>
+          <p:nvPr/>
+        </p:nvPicPr>
+        <p:blipFill>
+          <a:blip r:embed="rId3">
+            <a:alphaModFix/>
+          </a:blip>
+          <a:stretch>
+            <a:fillRect/>
+          </a:stretch>
+        </p:blipFill>
+        <p:spPr>
+          <a:xfrm>
+            <a:off x="1804311" y="267750"/>
+            <a:ext cx="5535374" cy="4608000"/>
+          </a:xfrm>
+          <a:prstGeom prst="rect">
+            <a:avLst/>
+          </a:prstGeom>
+          <a:noFill/>
+          <a:ln>
+            <a:noFill/>
+          </a:ln>
+        </p:spPr>
+      </p:pic>
+    </p:spTree>
+  </p:cSld>
+  <p:clrMapOvr>
+    <a:masterClrMapping/>
+  </p:clrMapOvr>
+</p:sld>
+</file>
+
+<file path=ppt/slides/slide6.xml><?xml version="1.0" encoding="utf-8"?>
+<p:sld xmlns:a="http://schemas.openxmlformats.org/drawingml/2006/main" xmlns:r="http://schemas.openxmlformats.org/officeDocument/2006/relationships" xmlns:p="http://schemas.openxmlformats.org/presentationml/2006/main">
+  <p:cSld>
+    <p:spTree>
+      <p:nvGrpSpPr>
         <p:cNvPr id="1" name="Shape 157"/>
         <p:cNvGrpSpPr/>
         <p:nvPr/>
@@ -10112,59 +10165,6 @@
           <a:xfrm>
             <a:off x="1135763" y="478012"/>
             <a:ext cx="6872474" cy="4187475"/>
-          </a:xfrm>
-          <a:prstGeom prst="rect">
-            <a:avLst/>
-          </a:prstGeom>
-          <a:noFill/>
-          <a:ln>
-            <a:noFill/>
-          </a:ln>
-        </p:spPr>
-      </p:pic>
-    </p:spTree>
-  </p:cSld>
-  <p:clrMapOvr>
-    <a:masterClrMapping/>
-  </p:clrMapOvr>
-</p:sld>
-</file>
-
-<file path=ppt/slides/slide6.xml><?xml version="1.0" encoding="utf-8"?>
-<p:sld xmlns:a="http://schemas.openxmlformats.org/drawingml/2006/main" xmlns:r="http://schemas.openxmlformats.org/officeDocument/2006/relationships" xmlns:p="http://schemas.openxmlformats.org/presentationml/2006/main">
-  <p:cSld>
-    <p:spTree>
-      <p:nvGrpSpPr>
-        <p:cNvPr id="1" name="Shape 162"/>
-        <p:cNvGrpSpPr/>
-        <p:nvPr/>
-      </p:nvGrpSpPr>
-      <p:grpSpPr>
-        <a:xfrm>
-          <a:off x="0" y="0"/>
-          <a:ext cx="0" cy="0"/>
-          <a:chOff x="0" y="0"/>
-          <a:chExt cx="0" cy="0"/>
-        </a:xfrm>
-      </p:grpSpPr>
-      <p:pic>
-        <p:nvPicPr>
-          <p:cNvPr id="163" name="Google Shape;163;p18"/>
-          <p:cNvPicPr preferRelativeResize="0"/>
-          <p:nvPr/>
-        </p:nvPicPr>
-        <p:blipFill>
-          <a:blip r:embed="rId3">
-            <a:alphaModFix/>
-          </a:blip>
-          <a:stretch>
-            <a:fillRect/>
-          </a:stretch>
-        </p:blipFill>
-        <p:spPr>
-          <a:xfrm>
-            <a:off x="1804311" y="267750"/>
-            <a:ext cx="5535374" cy="4608000"/>
           </a:xfrm>
           <a:prstGeom prst="rect">
             <a:avLst/>
